--- a/Presentation Slides/Ethereum attack.pptx
+++ b/Presentation Slides/Ethereum attack.pptx
@@ -19269,7 +19269,7 @@
     <SignatureMethod Algorithm="http://www.w3.org/2001/04/xmldsig-more#rsa-sha256"/>
     <Reference Type="http://www.w3.org/2000/09/xmldsig#Object" URI="#idPackageObject">
       <DigestMethod Algorithm="http://www.w3.org/2001/04/xmlenc#sha256"/>
-      <DigestValue>XrQcLAB9nn4TYMrkcvDddEZKjyJivxGLqG5ZQBzC1Bo=</DigestValue>
+      <DigestValue>TpViTwreUPfaQs/ChY/NRYyTn+DQvqBQdSJuiwJIr6E=</DigestValue>
     </Reference>
     <Reference Type="http://www.w3.org/2000/09/xmldsig#Object" URI="#idOfficeObject">
       <DigestMethod Algorithm="http://www.w3.org/2001/04/xmlenc#sha256"/>
@@ -19280,14 +19280,14 @@
         <Transform Algorithm="http://www.w3.org/TR/2001/REC-xml-c14n-20010315"/>
       </Transforms>
       <DigestMethod Algorithm="http://www.w3.org/2001/04/xmlenc#sha256"/>
-      <DigestValue>uSL9M+BbCQTuRV0NvDh+LDew16GZWOjaETbHXnCsqfM=</DigestValue>
+      <DigestValue>sE5wUoZpkyXvddmLxzWxhqWET3KQO4dA0KpTHfY73HE=</DigestValue>
     </Reference>
   </SignedInfo>
-  <SignatureValue>mjepsnScjKvE17CYkO2PX9BponDP8zSPLwslAZIt/IBB4V0AyMhdPJPHxS83ocQfGy42XEAV0osC
-uEAH0/g7cN7dxL0GB6pMZkcV5xuRGFy/QBCsAPu4WxyXCdvtx56obgKLKIz0SjySMTpUnvmFj7EM
-pFb93Yh5mX2PYKWxEAtqKEFfv67VpfABbGm9nP2oPSIlPzIzxtXg8VAJapUrJHSL5SCaxXHfy1Ke
-0BVtj8dFu+XcIc0LbJ86Ydx2dGayEAgdSJbLbZ9cOo5K4cniiBth+9cL0zo1TiWNYH/O58qREqs8
-i9y8miKh04onxgivj5D1uJAQq1yLIXGR03XBmA==</SignatureValue>
+  <SignatureValue>eodHV26qaTZc9TGBQTuNULVtVpy49wJJSj3twD/L5xIOxJZ1TpgIV8CvQr61uKZ9jTBi9SkhtpPe
+cEWxF0FvNZyWPiBfweYRcr7MGu6cg7xEIjHdgdwW7IadwEhmKcftKHaR/Zt+azpGi3XPwIW7jTLZ
+IZHddAUgP2ijGzwxCWIjBA9ifwtkBUyKikYvWuWoCoOmeX/f9PYZ4jL9t7Hh1nWZQRuXsnQhuk9x
+VGaaBaLOdlgLGDnbN4wRCUn2BLyV8GdPtjixtcAuxCQzqWj2f+8f7pJptPGRaVG7U04LqnJLmRg9
+uuH8SqOK5fwTz1jcTlFVsWTOSR4EJP8UfRq1+Q==</SignatureValue>
   <KeyInfo>
     <X509Data>
       <X509Certificate>MIIFOzCCBCOgAwIBAgIQb5roUSfobKC5tHO3zep8MjANBgkqhkiG9w0BAQsFADCBlzELMAkGA1UEBhMCR0IxGzAZBgNVBAgTEkdyZWF0ZXIgTWFuY2hlc3RlcjEQMA4GA1UEBxMHU2FsZm9yZDEaMBgGA1UEChMRQ09NT0RPIENBIExpbWl0ZWQxPTA7BgNVBAMTNENPTU9ETyBSU0EgQ2xpZW50IEF1dGhlbnRpY2F0aW9uIGFuZCBTZWN1cmUgRW1haWwgQ0EwHhcNMTcwODEwMDAwMDAwWhcNMTgwODEwMjM1OTU5WjApMScwJQYJKoZIhvcNAQkBFhhicmFuZG9uZ29od2hAaG90bWFpbC5jb20wggEiMA0GCSqGSIb3DQEBAQUAA4IBDwAwggEKAoIBAQDYW8hRwyu47Qmvdx4r2fzBrdRjRuWK1HGRwUh4CXgxce0W6kjWZutQCt9Daf+YZeWSNgKtwgggqq1t9UmyE7eTSuM610PltGYsFm579tNTDrsCMFj2LYRgL2U6HsZTobfa50NVf6d9R9fr3y6PfUNk3ktxSyycK74wOV50fzj9herQV50ahI+6J6ajYdn8jxPsZRzYgD9OjNUnWrcnqLRZL1heIYyiI08eWORJXszjYeOvH/4ycfxlkBcqPJTAi+Ou6br4n+nl7fBTW1zNX40Pr4tR/krCvuUNVsHVpbu/eHycyvl35ZrKEJ72OhbVOG4x0IRNaowoNa6/fbK2ShAvAgMBAAGjggHuMIIB6jAfBgNVHSMEGDAWgBSCr2yM+MX+lmF86B89K3FIXsSLwDAdBgNVHQ4EFgQUXWbedpMbgwxsoZSoz/Nz8Ah+dHswDgYDVR0PAQH/BAQDAgWgMAwGA1UdEwEB/wQCMAAwIAYDVR0lBBkwFwYIKwYBBQUHAwQGCysGAQQBsjEBAwUCMBEGCWCGSAGG+EIBAQQEAwIFIDBGBgNVHSAEPzA9MDsGDCsGAQQBsjEBAgEBATArMCkGCCsGAQUFBwIBFh1odHRwczovL3NlY3VyZS5jb21vZG8ubmV0L0NQUzBaBgNVHR8EUzBRME+gTaBLhklodHRwOi8vY3JsLmNvbW9kb2NhLmNvbS9DT01PRE9SU0FDbGllbnRBdXRoZW50aWNhdGlvbmFuZFNlY3VyZUVtYWlsQ0EuY3JsMIGLBggrBgEFBQcBAQR/MH0wVQYIKwYBBQUHMAKGSWh0dHA6Ly9jcnQuY29tb2RvY2EuY29tL0NPTU9ET1JTQUNsaWVudEF1dGhlbnRpY2F0aW9uYW5kU2VjdXJlRW1haWxDQS5jcnQwJAYIKwYBBQUHMAGGGGh0dHA6Ly9vY3NwLmNvbW9kb2NhLmNvbTAjBgNVHREEHDAagRhicmFuZG9uZ29od2hAaG90bWFpbC5jb20wDQYJKoZIhvcNAQELBQADggEBALPNeYGsvEypZKivs289jaB1H7/wHOMmVe+huDVoILjwt+EoJGmf3fga6eU1g2Pr8zo7QzqMpqRlzkZRl3ttR4d87ep/5KubTqpPj6Jt5vjrdrnyezHpiqaPvHrT6msVaBA568X1y27WWzKVzG4RTb9EbNCQ8g6VNflg84NISZ4fJxNnIMOkODRt/X7bLnFYROk1FAPDHZE8FJGmQ2aPqP/lQ0GHGlzzE8dFi1asjSgXsyP3LouWln3RtbhNHaOivw1T27cOAOXjmojuI9Ec+QCJDDRSMwiz4BS6ssJAZMbDLp/CSeptxLkeht3jA4sn7BGGSi3cRctAvC8USH7aOE0=</X509Certificate>
@@ -19308,6 +19308,11 @@
       <Reference URI="/ppt/_rels/presentation.xml.rels?ContentType=application/vnd.openxmlformats-package.relationships+xml">
         <Transforms>
           <Transform Algorithm="http://schemas.openxmlformats.org/package/2006/RelationshipTransform">
+            <mdssi:RelationshipReference xmlns:mdssi="http://schemas.openxmlformats.org/package/2006/digital-signature" SourceId="rId2"/>
+            <mdssi:RelationshipReference xmlns:mdssi="http://schemas.openxmlformats.org/package/2006/digital-signature" SourceId="rId16"/>
+            <mdssi:RelationshipReference xmlns:mdssi="http://schemas.openxmlformats.org/package/2006/digital-signature" SourceId="rId20"/>
+            <mdssi:RelationshipReference xmlns:mdssi="http://schemas.openxmlformats.org/package/2006/digital-signature" SourceId="rId29"/>
+            <mdssi:RelationshipReference xmlns:mdssi="http://schemas.openxmlformats.org/package/2006/digital-signature" SourceId="rId41"/>
             <mdssi:RelationshipReference xmlns:mdssi="http://schemas.openxmlformats.org/package/2006/digital-signature" SourceId="rId1"/>
             <mdssi:RelationshipReference xmlns:mdssi="http://schemas.openxmlformats.org/package/2006/digital-signature" SourceId="rId6"/>
             <mdssi:RelationshipReference xmlns:mdssi="http://schemas.openxmlformats.org/package/2006/digital-signature" SourceId="rId11"/>
@@ -19347,11 +19352,6 @@
             <mdssi:RelationshipReference xmlns:mdssi="http://schemas.openxmlformats.org/package/2006/digital-signature" SourceId="rId34"/>
             <mdssi:RelationshipReference xmlns:mdssi="http://schemas.openxmlformats.org/package/2006/digital-signature" SourceId="rId42"/>
             <mdssi:RelationshipReference xmlns:mdssi="http://schemas.openxmlformats.org/package/2006/digital-signature" SourceId="rId7"/>
-            <mdssi:RelationshipReference xmlns:mdssi="http://schemas.openxmlformats.org/package/2006/digital-signature" SourceId="rId2"/>
-            <mdssi:RelationshipReference xmlns:mdssi="http://schemas.openxmlformats.org/package/2006/digital-signature" SourceId="rId16"/>
-            <mdssi:RelationshipReference xmlns:mdssi="http://schemas.openxmlformats.org/package/2006/digital-signature" SourceId="rId20"/>
-            <mdssi:RelationshipReference xmlns:mdssi="http://schemas.openxmlformats.org/package/2006/digital-signature" SourceId="rId29"/>
-            <mdssi:RelationshipReference xmlns:mdssi="http://schemas.openxmlformats.org/package/2006/digital-signature" SourceId="rId41"/>
           </Transform>
           <Transform Algorithm="http://www.w3.org/TR/2001/REC-xml-c14n-20010315"/>
         </Transforms>
@@ -19431,15 +19431,26 @@
       <Reference URI="/ppt/notesSlides/_rels/notesSlide1.xml.rels?ContentType=application/vnd.openxmlformats-package.relationships+xml">
         <Transforms>
           <Transform Algorithm="http://schemas.openxmlformats.org/package/2006/RelationshipTransform">
+            <mdssi:RelationshipReference xmlns:mdssi="http://schemas.openxmlformats.org/package/2006/digital-signature" SourceId="rId1"/>
+            <mdssi:RelationshipReference xmlns:mdssi="http://schemas.openxmlformats.org/package/2006/digital-signature" SourceId="rId2"/>
+          </Transform>
+          <Transform Algorithm="http://www.w3.org/TR/2001/REC-xml-c14n-20010315"/>
+        </Transforms>
+        <DigestMethod Algorithm="http://www.w3.org/2001/04/xmlenc#sha256"/>
+        <DigestValue>jFniGvVtA0NSLNI24q2r1LBr6WcXEvqP9rRbsxiSG+M=</DigestValue>
+      </Reference>
+      <Reference URI="/ppt/notesSlides/_rels/notesSlide10.xml.rels?ContentType=application/vnd.openxmlformats-package.relationships+xml">
+        <Transforms>
+          <Transform Algorithm="http://schemas.openxmlformats.org/package/2006/RelationshipTransform">
             <mdssi:RelationshipReference xmlns:mdssi="http://schemas.openxmlformats.org/package/2006/digital-signature" SourceId="rId2"/>
             <mdssi:RelationshipReference xmlns:mdssi="http://schemas.openxmlformats.org/package/2006/digital-signature" SourceId="rId1"/>
           </Transform>
           <Transform Algorithm="http://www.w3.org/TR/2001/REC-xml-c14n-20010315"/>
         </Transforms>
         <DigestMethod Algorithm="http://www.w3.org/2001/04/xmlenc#sha256"/>
-        <DigestValue>jFniGvVtA0NSLNI24q2r1LBr6WcXEvqP9rRbsxiSG+M=</DigestValue>
-      </Reference>
-      <Reference URI="/ppt/notesSlides/_rels/notesSlide10.xml.rels?ContentType=application/vnd.openxmlformats-package.relationships+xml">
+        <DigestValue>K8CBxbUk1rzqa+qGzaG/pC/vD6OYoHFddWgtAEYLUvI=</DigestValue>
+      </Reference>
+      <Reference URI="/ppt/notesSlides/_rels/notesSlide11.xml.rels?ContentType=application/vnd.openxmlformats-package.relationships+xml">
         <Transforms>
           <Transform Algorithm="http://schemas.openxmlformats.org/package/2006/RelationshipTransform">
             <mdssi:RelationshipReference xmlns:mdssi="http://schemas.openxmlformats.org/package/2006/digital-signature" SourceId="rId1"/>
@@ -19448,9 +19459,9 @@
           <Transform Algorithm="http://www.w3.org/TR/2001/REC-xml-c14n-20010315"/>
         </Transforms>
         <DigestMethod Algorithm="http://www.w3.org/2001/04/xmlenc#sha256"/>
-        <DigestValue>K8CBxbUk1rzqa+qGzaG/pC/vD6OYoHFddWgtAEYLUvI=</DigestValue>
-      </Reference>
-      <Reference URI="/ppt/notesSlides/_rels/notesSlide11.xml.rels?ContentType=application/vnd.openxmlformats-package.relationships+xml">
+        <DigestValue>JkOTx8rEbTf4amXHbGeDgjs7ThzFF2NE0SPhhICOReM=</DigestValue>
+      </Reference>
+      <Reference URI="/ppt/notesSlides/_rels/notesSlide2.xml.rels?ContentType=application/vnd.openxmlformats-package.relationships+xml">
         <Transforms>
           <Transform Algorithm="http://schemas.openxmlformats.org/package/2006/RelationshipTransform">
             <mdssi:RelationshipReference xmlns:mdssi="http://schemas.openxmlformats.org/package/2006/digital-signature" SourceId="rId2"/>
@@ -19459,9 +19470,20 @@
           <Transform Algorithm="http://www.w3.org/TR/2001/REC-xml-c14n-20010315"/>
         </Transforms>
         <DigestMethod Algorithm="http://www.w3.org/2001/04/xmlenc#sha256"/>
-        <DigestValue>JkOTx8rEbTf4amXHbGeDgjs7ThzFF2NE0SPhhICOReM=</DigestValue>
-      </Reference>
-      <Reference URI="/ppt/notesSlides/_rels/notesSlide2.xml.rels?ContentType=application/vnd.openxmlformats-package.relationships+xml">
+        <DigestValue>1BPyxV6TIsv5NtdZK1om2m/RRp1hV/nvbBALZDOKFX8=</DigestValue>
+      </Reference>
+      <Reference URI="/ppt/notesSlides/_rels/notesSlide3.xml.rels?ContentType=application/vnd.openxmlformats-package.relationships+xml">
+        <Transforms>
+          <Transform Algorithm="http://schemas.openxmlformats.org/package/2006/RelationshipTransform">
+            <mdssi:RelationshipReference xmlns:mdssi="http://schemas.openxmlformats.org/package/2006/digital-signature" SourceId="rId2"/>
+            <mdssi:RelationshipReference xmlns:mdssi="http://schemas.openxmlformats.org/package/2006/digital-signature" SourceId="rId1"/>
+          </Transform>
+          <Transform Algorithm="http://www.w3.org/TR/2001/REC-xml-c14n-20010315"/>
+        </Transforms>
+        <DigestMethod Algorithm="http://www.w3.org/2001/04/xmlenc#sha256"/>
+        <DigestValue>D8tyBQjvU+Q5thsQmy3m+/ofh38IpbSB5zSCD0wa9Zk=</DigestValue>
+      </Reference>
+      <Reference URI="/ppt/notesSlides/_rels/notesSlide4.xml.rels?ContentType=application/vnd.openxmlformats-package.relationships+xml">
         <Transforms>
           <Transform Algorithm="http://schemas.openxmlformats.org/package/2006/RelationshipTransform">
             <mdssi:RelationshipReference xmlns:mdssi="http://schemas.openxmlformats.org/package/2006/digital-signature" SourceId="rId1"/>
@@ -19470,9 +19492,20 @@
           <Transform Algorithm="http://www.w3.org/TR/2001/REC-xml-c14n-20010315"/>
         </Transforms>
         <DigestMethod Algorithm="http://www.w3.org/2001/04/xmlenc#sha256"/>
-        <DigestValue>1BPyxV6TIsv5NtdZK1om2m/RRp1hV/nvbBALZDOKFX8=</DigestValue>
-      </Reference>
-      <Reference URI="/ppt/notesSlides/_rels/notesSlide3.xml.rels?ContentType=application/vnd.openxmlformats-package.relationships+xml">
+        <DigestValue>yhjGUjt8ajV5Zd6z9pbrpn4/WE7rgXZzOyPe5QYJOro=</DigestValue>
+      </Reference>
+      <Reference URI="/ppt/notesSlides/_rels/notesSlide5.xml.rels?ContentType=application/vnd.openxmlformats-package.relationships+xml">
+        <Transforms>
+          <Transform Algorithm="http://schemas.openxmlformats.org/package/2006/RelationshipTransform">
+            <mdssi:RelationshipReference xmlns:mdssi="http://schemas.openxmlformats.org/package/2006/digital-signature" SourceId="rId2"/>
+            <mdssi:RelationshipReference xmlns:mdssi="http://schemas.openxmlformats.org/package/2006/digital-signature" SourceId="rId1"/>
+          </Transform>
+          <Transform Algorithm="http://www.w3.org/TR/2001/REC-xml-c14n-20010315"/>
+        </Transforms>
+        <DigestMethod Algorithm="http://www.w3.org/2001/04/xmlenc#sha256"/>
+        <DigestValue>i+FrAvxhHT3cCNFbBxD2H3L57k+hxd67gErQe5vuJ6U=</DigestValue>
+      </Reference>
+      <Reference URI="/ppt/notesSlides/_rels/notesSlide6.xml.rels?ContentType=application/vnd.openxmlformats-package.relationships+xml">
         <Transforms>
           <Transform Algorithm="http://schemas.openxmlformats.org/package/2006/RelationshipTransform">
             <mdssi:RelationshipReference xmlns:mdssi="http://schemas.openxmlformats.org/package/2006/digital-signature" SourceId="rId1"/>
@@ -19481,9 +19514,20 @@
           <Transform Algorithm="http://www.w3.org/TR/2001/REC-xml-c14n-20010315"/>
         </Transforms>
         <DigestMethod Algorithm="http://www.w3.org/2001/04/xmlenc#sha256"/>
-        <DigestValue>D8tyBQjvU+Q5thsQmy3m+/ofh38IpbSB5zSCD0wa9Zk=</DigestValue>
-      </Reference>
-      <Reference URI="/ppt/notesSlides/_rels/notesSlide4.xml.rels?ContentType=application/vnd.openxmlformats-package.relationships+xml">
+        <DigestValue>s8g/ZC/uqsf/IBoj9/VN+fZUAehwA6omrEUOQxhQkkY=</DigestValue>
+      </Reference>
+      <Reference URI="/ppt/notesSlides/_rels/notesSlide7.xml.rels?ContentType=application/vnd.openxmlformats-package.relationships+xml">
+        <Transforms>
+          <Transform Algorithm="http://schemas.openxmlformats.org/package/2006/RelationshipTransform">
+            <mdssi:RelationshipReference xmlns:mdssi="http://schemas.openxmlformats.org/package/2006/digital-signature" SourceId="rId1"/>
+            <mdssi:RelationshipReference xmlns:mdssi="http://schemas.openxmlformats.org/package/2006/digital-signature" SourceId="rId2"/>
+          </Transform>
+          <Transform Algorithm="http://www.w3.org/TR/2001/REC-xml-c14n-20010315"/>
+        </Transforms>
+        <DigestMethod Algorithm="http://www.w3.org/2001/04/xmlenc#sha256"/>
+        <DigestValue>WFHvhRmtKCpfkeSadLvgekzdbahW5E/SVw/MPVz6XAA=</DigestValue>
+      </Reference>
+      <Reference URI="/ppt/notesSlides/_rels/notesSlide8.xml.rels?ContentType=application/vnd.openxmlformats-package.relationships+xml">
         <Transforms>
           <Transform Algorithm="http://schemas.openxmlformats.org/package/2006/RelationshipTransform">
             <mdssi:RelationshipReference xmlns:mdssi="http://schemas.openxmlformats.org/package/2006/digital-signature" SourceId="rId2"/>
@@ -19492,57 +19536,13 @@
           <Transform Algorithm="http://www.w3.org/TR/2001/REC-xml-c14n-20010315"/>
         </Transforms>
         <DigestMethod Algorithm="http://www.w3.org/2001/04/xmlenc#sha256"/>
-        <DigestValue>yhjGUjt8ajV5Zd6z9pbrpn4/WE7rgXZzOyPe5QYJOro=</DigestValue>
-      </Reference>
-      <Reference URI="/ppt/notesSlides/_rels/notesSlide5.xml.rels?ContentType=application/vnd.openxmlformats-package.relationships+xml">
-        <Transforms>
-          <Transform Algorithm="http://schemas.openxmlformats.org/package/2006/RelationshipTransform">
-            <mdssi:RelationshipReference xmlns:mdssi="http://schemas.openxmlformats.org/package/2006/digital-signature" SourceId="rId1"/>
-            <mdssi:RelationshipReference xmlns:mdssi="http://schemas.openxmlformats.org/package/2006/digital-signature" SourceId="rId2"/>
-          </Transform>
-          <Transform Algorithm="http://www.w3.org/TR/2001/REC-xml-c14n-20010315"/>
-        </Transforms>
-        <DigestMethod Algorithm="http://www.w3.org/2001/04/xmlenc#sha256"/>
-        <DigestValue>i+FrAvxhHT3cCNFbBxD2H3L57k+hxd67gErQe5vuJ6U=</DigestValue>
-      </Reference>
-      <Reference URI="/ppt/notesSlides/_rels/notesSlide6.xml.rels?ContentType=application/vnd.openxmlformats-package.relationships+xml">
+        <DigestValue>HWwDitQWX70j1vQnQqYdij8ask0bnJI7tuLDmUCfi8A=</DigestValue>
+      </Reference>
+      <Reference URI="/ppt/notesSlides/_rels/notesSlide9.xml.rels?ContentType=application/vnd.openxmlformats-package.relationships+xml">
         <Transforms>
           <Transform Algorithm="http://schemas.openxmlformats.org/package/2006/RelationshipTransform">
             <mdssi:RelationshipReference xmlns:mdssi="http://schemas.openxmlformats.org/package/2006/digital-signature" SourceId="rId2"/>
             <mdssi:RelationshipReference xmlns:mdssi="http://schemas.openxmlformats.org/package/2006/digital-signature" SourceId="rId1"/>
-          </Transform>
-          <Transform Algorithm="http://www.w3.org/TR/2001/REC-xml-c14n-20010315"/>
-        </Transforms>
-        <DigestMethod Algorithm="http://www.w3.org/2001/04/xmlenc#sha256"/>
-        <DigestValue>s8g/ZC/uqsf/IBoj9/VN+fZUAehwA6omrEUOQxhQkkY=</DigestValue>
-      </Reference>
-      <Reference URI="/ppt/notesSlides/_rels/notesSlide7.xml.rels?ContentType=application/vnd.openxmlformats-package.relationships+xml">
-        <Transforms>
-          <Transform Algorithm="http://schemas.openxmlformats.org/package/2006/RelationshipTransform">
-            <mdssi:RelationshipReference xmlns:mdssi="http://schemas.openxmlformats.org/package/2006/digital-signature" SourceId="rId2"/>
-            <mdssi:RelationshipReference xmlns:mdssi="http://schemas.openxmlformats.org/package/2006/digital-signature" SourceId="rId1"/>
-          </Transform>
-          <Transform Algorithm="http://www.w3.org/TR/2001/REC-xml-c14n-20010315"/>
-        </Transforms>
-        <DigestMethod Algorithm="http://www.w3.org/2001/04/xmlenc#sha256"/>
-        <DigestValue>WFHvhRmtKCpfkeSadLvgekzdbahW5E/SVw/MPVz6XAA=</DigestValue>
-      </Reference>
-      <Reference URI="/ppt/notesSlides/_rels/notesSlide8.xml.rels?ContentType=application/vnd.openxmlformats-package.relationships+xml">
-        <Transforms>
-          <Transform Algorithm="http://schemas.openxmlformats.org/package/2006/RelationshipTransform">
-            <mdssi:RelationshipReference xmlns:mdssi="http://schemas.openxmlformats.org/package/2006/digital-signature" SourceId="rId1"/>
-            <mdssi:RelationshipReference xmlns:mdssi="http://schemas.openxmlformats.org/package/2006/digital-signature" SourceId="rId2"/>
-          </Transform>
-          <Transform Algorithm="http://www.w3.org/TR/2001/REC-xml-c14n-20010315"/>
-        </Transforms>
-        <DigestMethod Algorithm="http://www.w3.org/2001/04/xmlenc#sha256"/>
-        <DigestValue>HWwDitQWX70j1vQnQqYdij8ask0bnJI7tuLDmUCfi8A=</DigestValue>
-      </Reference>
-      <Reference URI="/ppt/notesSlides/_rels/notesSlide9.xml.rels?ContentType=application/vnd.openxmlformats-package.relationships+xml">
-        <Transforms>
-          <Transform Algorithm="http://schemas.openxmlformats.org/package/2006/RelationshipTransform">
-            <mdssi:RelationshipReference xmlns:mdssi="http://schemas.openxmlformats.org/package/2006/digital-signature" SourceId="rId1"/>
-            <mdssi:RelationshipReference xmlns:mdssi="http://schemas.openxmlformats.org/package/2006/digital-signature" SourceId="rId2"/>
           </Transform>
           <Transform Algorithm="http://www.w3.org/TR/2001/REC-xml-c14n-20010315"/>
         </Transforms>
@@ -19774,8 +19774,8 @@
       <Reference URI="/ppt/slideLayouts/_rels/slideLayout7.xml.rels?ContentType=application/vnd.openxmlformats-package.relationships+xml">
         <Transforms>
           <Transform Algorithm="http://schemas.openxmlformats.org/package/2006/RelationshipTransform">
+            <mdssi:RelationshipReference xmlns:mdssi="http://schemas.openxmlformats.org/package/2006/digital-signature" SourceId="rId1"/>
             <mdssi:RelationshipReference xmlns:mdssi="http://schemas.openxmlformats.org/package/2006/digital-signature" SourceId="rId2"/>
-            <mdssi:RelationshipReference xmlns:mdssi="http://schemas.openxmlformats.org/package/2006/digital-signature" SourceId="rId1"/>
           </Transform>
           <Transform Algorithm="http://www.w3.org/TR/2001/REC-xml-c14n-20010315"/>
         </Transforms>
@@ -19877,6 +19877,14 @@
       <Reference URI="/ppt/slideMasters/_rels/slideMaster1.xml.rels?ContentType=application/vnd.openxmlformats-package.relationships+xml">
         <Transforms>
           <Transform Algorithm="http://schemas.openxmlformats.org/package/2006/RelationshipTransform">
+            <mdssi:RelationshipReference xmlns:mdssi="http://schemas.openxmlformats.org/package/2006/digital-signature" SourceId="rId10"/>
+            <mdssi:RelationshipReference xmlns:mdssi="http://schemas.openxmlformats.org/package/2006/digital-signature" SourceId="rId19"/>
+            <mdssi:RelationshipReference xmlns:mdssi="http://schemas.openxmlformats.org/package/2006/digital-signature" SourceId="rId4"/>
+            <mdssi:RelationshipReference xmlns:mdssi="http://schemas.openxmlformats.org/package/2006/digital-signature" SourceId="rId9"/>
+            <mdssi:RelationshipReference xmlns:mdssi="http://schemas.openxmlformats.org/package/2006/digital-signature" SourceId="rId14"/>
+            <mdssi:RelationshipReference xmlns:mdssi="http://schemas.openxmlformats.org/package/2006/digital-signature" SourceId="rId8"/>
+            <mdssi:RelationshipReference xmlns:mdssi="http://schemas.openxmlformats.org/package/2006/digital-signature" SourceId="rId13"/>
+            <mdssi:RelationshipReference xmlns:mdssi="http://schemas.openxmlformats.org/package/2006/digital-signature" SourceId="rId18"/>
             <mdssi:RelationshipReference xmlns:mdssi="http://schemas.openxmlformats.org/package/2006/digital-signature" SourceId="rId3"/>
             <mdssi:RelationshipReference xmlns:mdssi="http://schemas.openxmlformats.org/package/2006/digital-signature" SourceId="rId7"/>
             <mdssi:RelationshipReference xmlns:mdssi="http://schemas.openxmlformats.org/package/2006/digital-signature" SourceId="rId12"/>
@@ -19888,14 +19896,6 @@
             <mdssi:RelationshipReference xmlns:mdssi="http://schemas.openxmlformats.org/package/2006/digital-signature" SourceId="rId11"/>
             <mdssi:RelationshipReference xmlns:mdssi="http://schemas.openxmlformats.org/package/2006/digital-signature" SourceId="rId5"/>
             <mdssi:RelationshipReference xmlns:mdssi="http://schemas.openxmlformats.org/package/2006/digital-signature" SourceId="rId15"/>
-            <mdssi:RelationshipReference xmlns:mdssi="http://schemas.openxmlformats.org/package/2006/digital-signature" SourceId="rId10"/>
-            <mdssi:RelationshipReference xmlns:mdssi="http://schemas.openxmlformats.org/package/2006/digital-signature" SourceId="rId19"/>
-            <mdssi:RelationshipReference xmlns:mdssi="http://schemas.openxmlformats.org/package/2006/digital-signature" SourceId="rId4"/>
-            <mdssi:RelationshipReference xmlns:mdssi="http://schemas.openxmlformats.org/package/2006/digital-signature" SourceId="rId9"/>
-            <mdssi:RelationshipReference xmlns:mdssi="http://schemas.openxmlformats.org/package/2006/digital-signature" SourceId="rId14"/>
-            <mdssi:RelationshipReference xmlns:mdssi="http://schemas.openxmlformats.org/package/2006/digital-signature" SourceId="rId8"/>
-            <mdssi:RelationshipReference xmlns:mdssi="http://schemas.openxmlformats.org/package/2006/digital-signature" SourceId="rId13"/>
-            <mdssi:RelationshipReference xmlns:mdssi="http://schemas.openxmlformats.org/package/2006/digital-signature" SourceId="rId18"/>
           </Transform>
           <Transform Algorithm="http://www.w3.org/TR/2001/REC-xml-c14n-20010315"/>
         </Transforms>
@@ -20015,6 +20015,19 @@
       <Reference URI="/ppt/slides/_rels/slide18.xml.rels?ContentType=application/vnd.openxmlformats-package.relationships+xml">
         <Transforms>
           <Transform Algorithm="http://schemas.openxmlformats.org/package/2006/RelationshipTransform">
+            <mdssi:RelationshipReference xmlns:mdssi="http://schemas.openxmlformats.org/package/2006/digital-signature" SourceId="rId1"/>
+            <mdssi:RelationshipReference xmlns:mdssi="http://schemas.openxmlformats.org/package/2006/digital-signature" SourceId="rId4"/>
+            <mdssi:RelationshipReference xmlns:mdssi="http://schemas.openxmlformats.org/package/2006/digital-signature" SourceId="rId3"/>
+            <mdssi:RelationshipReference xmlns:mdssi="http://schemas.openxmlformats.org/package/2006/digital-signature" SourceId="rId2"/>
+          </Transform>
+          <Transform Algorithm="http://www.w3.org/TR/2001/REC-xml-c14n-20010315"/>
+        </Transforms>
+        <DigestMethod Algorithm="http://www.w3.org/2001/04/xmlenc#sha256"/>
+        <DigestValue>7/habiBwt/ZrZb12qsolT9jUY6n70YLUvkVWvHJsE8A=</DigestValue>
+      </Reference>
+      <Reference URI="/ppt/slides/_rels/slide19.xml.rels?ContentType=application/vnd.openxmlformats-package.relationships+xml">
+        <Transforms>
+          <Transform Algorithm="http://schemas.openxmlformats.org/package/2006/RelationshipTransform">
             <mdssi:RelationshipReference xmlns:mdssi="http://schemas.openxmlformats.org/package/2006/digital-signature" SourceId="rId4"/>
             <mdssi:RelationshipReference xmlns:mdssi="http://schemas.openxmlformats.org/package/2006/digital-signature" SourceId="rId3"/>
             <mdssi:RelationshipReference xmlns:mdssi="http://schemas.openxmlformats.org/package/2006/digital-signature" SourceId="rId2"/>
@@ -20023,9 +20036,19 @@
           <Transform Algorithm="http://www.w3.org/TR/2001/REC-xml-c14n-20010315"/>
         </Transforms>
         <DigestMethod Algorithm="http://www.w3.org/2001/04/xmlenc#sha256"/>
-        <DigestValue>7/habiBwt/ZrZb12qsolT9jUY6n70YLUvkVWvHJsE8A=</DigestValue>
-      </Reference>
-      <Reference URI="/ppt/slides/_rels/slide19.xml.rels?ContentType=application/vnd.openxmlformats-package.relationships+xml">
+        <DigestValue>YLctnxT6K+G5ryZoButW7h+hvUta/Bp1orDp6534Cew=</DigestValue>
+      </Reference>
+      <Reference URI="/ppt/slides/_rels/slide2.xml.rels?ContentType=application/vnd.openxmlformats-package.relationships+xml">
+        <Transforms>
+          <Transform Algorithm="http://schemas.openxmlformats.org/package/2006/RelationshipTransform">
+            <mdssi:RelationshipReference xmlns:mdssi="http://schemas.openxmlformats.org/package/2006/digital-signature" SourceId="rId1"/>
+          </Transform>
+          <Transform Algorithm="http://www.w3.org/TR/2001/REC-xml-c14n-20010315"/>
+        </Transforms>
+        <DigestMethod Algorithm="http://www.w3.org/2001/04/xmlenc#sha256"/>
+        <DigestValue>ttYwQ02ZCg6Yd7kitWtz3MAY7b8nmr2qHtfLoELeOdo=</DigestValue>
+      </Reference>
+      <Reference URI="/ppt/slides/_rels/slide20.xml.rels?ContentType=application/vnd.openxmlformats-package.relationships+xml">
         <Transforms>
           <Transform Algorithm="http://schemas.openxmlformats.org/package/2006/RelationshipTransform">
             <mdssi:RelationshipReference xmlns:mdssi="http://schemas.openxmlformats.org/package/2006/digital-signature" SourceId="rId3"/>
@@ -20036,29 +20059,6 @@
           <Transform Algorithm="http://www.w3.org/TR/2001/REC-xml-c14n-20010315"/>
         </Transforms>
         <DigestMethod Algorithm="http://www.w3.org/2001/04/xmlenc#sha256"/>
-        <DigestValue>YLctnxT6K+G5ryZoButW7h+hvUta/Bp1orDp6534Cew=</DigestValue>
-      </Reference>
-      <Reference URI="/ppt/slides/_rels/slide2.xml.rels?ContentType=application/vnd.openxmlformats-package.relationships+xml">
-        <Transforms>
-          <Transform Algorithm="http://schemas.openxmlformats.org/package/2006/RelationshipTransform">
-            <mdssi:RelationshipReference xmlns:mdssi="http://schemas.openxmlformats.org/package/2006/digital-signature" SourceId="rId1"/>
-          </Transform>
-          <Transform Algorithm="http://www.w3.org/TR/2001/REC-xml-c14n-20010315"/>
-        </Transforms>
-        <DigestMethod Algorithm="http://www.w3.org/2001/04/xmlenc#sha256"/>
-        <DigestValue>ttYwQ02ZCg6Yd7kitWtz3MAY7b8nmr2qHtfLoELeOdo=</DigestValue>
-      </Reference>
-      <Reference URI="/ppt/slides/_rels/slide20.xml.rels?ContentType=application/vnd.openxmlformats-package.relationships+xml">
-        <Transforms>
-          <Transform Algorithm="http://schemas.openxmlformats.org/package/2006/RelationshipTransform">
-            <mdssi:RelationshipReference xmlns:mdssi="http://schemas.openxmlformats.org/package/2006/digital-signature" SourceId="rId2"/>
-            <mdssi:RelationshipReference xmlns:mdssi="http://schemas.openxmlformats.org/package/2006/digital-signature" SourceId="rId1"/>
-            <mdssi:RelationshipReference xmlns:mdssi="http://schemas.openxmlformats.org/package/2006/digital-signature" SourceId="rId4"/>
-            <mdssi:RelationshipReference xmlns:mdssi="http://schemas.openxmlformats.org/package/2006/digital-signature" SourceId="rId3"/>
-          </Transform>
-          <Transform Algorithm="http://www.w3.org/TR/2001/REC-xml-c14n-20010315"/>
-        </Transforms>
-        <DigestMethod Algorithm="http://www.w3.org/2001/04/xmlenc#sha256"/>
         <DigestValue>7OWvbym+b+jhE3kfr0szEtS59B1pbLf/X1qS92CySQ8=</DigestValue>
       </Reference>
       <Reference URI="/ppt/slides/_rels/slide21.xml.rels?ContentType=application/vnd.openxmlformats-package.relationships+xml">
@@ -20076,6 +20076,17 @@
       <Reference URI="/ppt/slides/_rels/slide22.xml.rels?ContentType=application/vnd.openxmlformats-package.relationships+xml">
         <Transforms>
           <Transform Algorithm="http://schemas.openxmlformats.org/package/2006/RelationshipTransform">
+            <mdssi:RelationshipReference xmlns:mdssi="http://schemas.openxmlformats.org/package/2006/digital-signature" SourceId="rId2"/>
+            <mdssi:RelationshipReference xmlns:mdssi="http://schemas.openxmlformats.org/package/2006/digital-signature" SourceId="rId1"/>
+          </Transform>
+          <Transform Algorithm="http://www.w3.org/TR/2001/REC-xml-c14n-20010315"/>
+        </Transforms>
+        <DigestMethod Algorithm="http://www.w3.org/2001/04/xmlenc#sha256"/>
+        <DigestValue>bzgYoNlc5ATOlMHxxH0m0HJfKtXyopJB4T13gsPNTGA=</DigestValue>
+      </Reference>
+      <Reference URI="/ppt/slides/_rels/slide23.xml.rels?ContentType=application/vnd.openxmlformats-package.relationships+xml">
+        <Transforms>
+          <Transform Algorithm="http://schemas.openxmlformats.org/package/2006/RelationshipTransform">
             <mdssi:RelationshipReference xmlns:mdssi="http://schemas.openxmlformats.org/package/2006/digital-signature" SourceId="rId1"/>
             <mdssi:RelationshipReference xmlns:mdssi="http://schemas.openxmlformats.org/package/2006/digital-signature" SourceId="rId2"/>
           </Transform>
@@ -20084,22 +20095,11 @@
         <DigestMethod Algorithm="http://www.w3.org/2001/04/xmlenc#sha256"/>
         <DigestValue>bzgYoNlc5ATOlMHxxH0m0HJfKtXyopJB4T13gsPNTGA=</DigestValue>
       </Reference>
-      <Reference URI="/ppt/slides/_rels/slide23.xml.rels?ContentType=application/vnd.openxmlformats-package.relationships+xml">
+      <Reference URI="/ppt/slides/_rels/slide24.xml.rels?ContentType=application/vnd.openxmlformats-package.relationships+xml">
         <Transforms>
           <Transform Algorithm="http://schemas.openxmlformats.org/package/2006/RelationshipTransform">
             <mdssi:RelationshipReference xmlns:mdssi="http://schemas.openxmlformats.org/package/2006/digital-signature" SourceId="rId2"/>
             <mdssi:RelationshipReference xmlns:mdssi="http://schemas.openxmlformats.org/package/2006/digital-signature" SourceId="rId1"/>
-          </Transform>
-          <Transform Algorithm="http://www.w3.org/TR/2001/REC-xml-c14n-20010315"/>
-        </Transforms>
-        <DigestMethod Algorithm="http://www.w3.org/2001/04/xmlenc#sha256"/>
-        <DigestValue>bzgYoNlc5ATOlMHxxH0m0HJfKtXyopJB4T13gsPNTGA=</DigestValue>
-      </Reference>
-      <Reference URI="/ppt/slides/_rels/slide24.xml.rels?ContentType=application/vnd.openxmlformats-package.relationships+xml">
-        <Transforms>
-          <Transform Algorithm="http://schemas.openxmlformats.org/package/2006/RelationshipTransform">
-            <mdssi:RelationshipReference xmlns:mdssi="http://schemas.openxmlformats.org/package/2006/digital-signature" SourceId="rId1"/>
-            <mdssi:RelationshipReference xmlns:mdssi="http://schemas.openxmlformats.org/package/2006/digital-signature" SourceId="rId2"/>
           </Transform>
           <Transform Algorithm="http://www.w3.org/TR/2001/REC-xml-c14n-20010315"/>
         </Transforms>
@@ -20157,10 +20157,10 @@
       <Reference URI="/ppt/slides/_rels/slide29.xml.rels?ContentType=application/vnd.openxmlformats-package.relationships+xml">
         <Transforms>
           <Transform Algorithm="http://schemas.openxmlformats.org/package/2006/RelationshipTransform">
+            <mdssi:RelationshipReference xmlns:mdssi="http://schemas.openxmlformats.org/package/2006/digital-signature" SourceId="rId1"/>
             <mdssi:RelationshipReference xmlns:mdssi="http://schemas.openxmlformats.org/package/2006/digital-signature" SourceId="rId4"/>
             <mdssi:RelationshipReference xmlns:mdssi="http://schemas.openxmlformats.org/package/2006/digital-signature" SourceId="rId3"/>
             <mdssi:RelationshipReference xmlns:mdssi="http://schemas.openxmlformats.org/package/2006/digital-signature" SourceId="rId2"/>
-            <mdssi:RelationshipReference xmlns:mdssi="http://schemas.openxmlformats.org/package/2006/digital-signature" SourceId="rId1"/>
           </Transform>
           <Transform Algorithm="http://www.w3.org/TR/2001/REC-xml-c14n-20010315"/>
         </Transforms>
@@ -20502,7 +20502,7 @@
       <SignatureProperty Id="idSignatureTime" Target="#idPackageSignature">
         <mdssi:SignatureTime xmlns:mdssi="http://schemas.openxmlformats.org/package/2006/digital-signature">
           <mdssi:Format>YYYY-MM-DDThh:mm:ssTZD</mdssi:Format>
-          <mdssi:Value>2018-02-10T15:04:24Z</mdssi:Value>
+          <mdssi:Value>2018-02-10T15:11:42Z</mdssi:Value>
         </mdssi:SignatureTime>
       </SignatureProperty>
     </SignatureProperties>
@@ -20534,7 +20534,7 @@
     <xd:QualifyingProperties xmlns:xd="http://uri.etsi.org/01903/v1.3.2#" Target="#idPackageSignature">
       <xd:SignedProperties Id="idSignedProperties">
         <xd:SignedSignatureProperties>
-          <xd:SigningTime>2018-02-10T15:04:24Z</xd:SigningTime>
+          <xd:SigningTime>2018-02-10T15:11:42Z</xd:SigningTime>
           <xd:SigningCertificate>
             <xd:Cert>
               <xd:CertDigest>
@@ -20584,7 +20584,7 @@
     <SignatureMethod Algorithm="http://www.w3.org/2001/04/xmldsig-more#rsa-sha256"/>
     <Reference Type="http://www.w3.org/2000/09/xmldsig#Object" URI="#idPackageObject">
       <DigestMethod Algorithm="http://www.w3.org/2001/04/xmlenc#sha256"/>
-      <DigestValue>yPYHBznltBPBnUIHpdzhJ2Iw1gBHQKCnc99rwnK71gY=</DigestValue>
+      <DigestValue>E3Ve181DoZc6okSPNwuE3eotmTVyQi9w59tL+EQ5EFw=</DigestValue>
     </Reference>
     <Reference Type="http://www.w3.org/2000/09/xmldsig#Object" URI="#idOfficeObject">
       <DigestMethod Algorithm="http://www.w3.org/2001/04/xmlenc#sha256"/>
@@ -20595,17 +20595,17 @@
         <Transform Algorithm="http://www.w3.org/TR/2001/REC-xml-c14n-20010315"/>
       </Transforms>
       <DigestMethod Algorithm="http://www.w3.org/2001/04/xmlenc#sha256"/>
-      <DigestValue>2fYvPHt5QTeBe1x3MhPAFkNiS0OYBohyVSXWr8/Sack=</DigestValue>
+      <DigestValue>nq/Ve/IxCfShbGCbZ05pRZMT7/WE6CHFpWbyidPsDO4=</DigestValue>
     </Reference>
   </SignedInfo>
-  <SignatureValue>1SITiOOsLzDFR2AdkRgDOT+NMjctbEocUTGUC6CEgH+HQlcogH3PrTcTzTVFUCGgSAaW9YlqztqC
-KfrfXk7eCEfxcj8HBRwgVNk774d+F14O1FC33d6cZuwEBpwpg2raxEe/uaUZIusDYzwB/upkDGe+
-tNVTh8R2T79XglCACS/K3MzbsMBpIuwr8tfphdOKewr588ed+i6YyArT2rAAavoRv9hHfFKGhCIF
-Ey2DLJ/Jk7K85SHZDUSDqMqjWnj3KrJ5J0G3PU4Rz8eQQEdtJOoo16qTGRQWSrOGZLrzAvJ1JuFH
-yheO12EcBh+WgBJ5guG3+zceeySpxVndaBfO+A==</SignatureValue>
+  <SignatureValue>ja8WYmlrp4weD7XG/aYsxdASBgpxz3hOuz2d/afylRgPwvNqoD0Ocz7sz6vasYK95dr1AL4mTdZe
+qZ8FfUfpxs6B1qX+Dz0xPuIWoKTX8pq/JN3GWz/D8mBT13Z2s0KCvWUZxW0VnaYN0u0JtVSMSW7q
+mqV297x5sBHvsizbvH9ZKx4XKufYpNAxXuJEtSTunC/WkSleqPsO6Ec7x46YNw8dd8pCE8uAsgVu
+AWzZQggSxvIAV9w71WLOJJKOLgCRRoLbjBpPDVnSjrA/5pe/x9HWV7RqAK9c+YNvypDMb5wqNnB7
+8ll0Ze+nS1j6QTOEZwKDrpD1a8gagDkrfDQqJw==</SignatureValue>
   <KeyInfo>
     <X509Data>
-      <X509Certificate>MIIFNDCCBBygAwIBAgIRAPJD1ijUppxp2BpqJ/nDrocwDQYJKoZIhvcNAQELBQAwgZcxCzAJBgNVBAYTAkdCMRswGQYDVQQIExJHcmVhdGVyIE1hbmNoZXN0ZXIxEDAOBgNVBAcTB1NhbGZvcmQxGjAYBgNVBAoTEUNPTU9ETyBDQSBMaW1pdGVkMT0wOwYDVQQDEzRDT01PRE8gUlNBIENsaWVudCBBdXRoZW50aWNhdGlvbiBhbmQgU2VjdXJlIEVtYWlsIENBMB4XDTE3MTExOTAwMDAwMFoXDTE4MTExOTIzNTk1OVowJTEjMCEGCSqGSIb3DQEJARYUYmdvaDAwOEBlLm50dS5lZHUuc2cwggEiMA0GCSqGSIb3DQEBAQUAA4IBDwAwggEKAoIBAQDsd1+oL36t5DJwyp6jv4hXMf5OXLC6Zw+f7B8O/6ICnIyaZfK4sk5Xb9fXI5zapbGStRkzXtJDuLB+CZL8sjnjDhGNwbEIwMpOd1wlHi6LwtYOzC1kK7GP/dbqZngVmbzXcr8BZ17oTLM34bBz7nGAp26VfR9uSSXeqkW2X7EF2bZuYdXK/qhX5d15+j5hlq46KIiGcAeMGQbiEGmdqhn1I70U4XUiF9lqE+uFFbnPSd4DErsntRc6eZmiEysbS8NsYCvlpxubyzqjwo29MPNTsqRjOSBnEhFlQKJQSDlx6AgTcn8nwd2frru2aMHKrwjInhtOmQSol2EONvZqmbtlAgMBAAGjggHqMIIB5jAfBgNVHSMEGDAWgBSCr2yM+MX+lmF86B89K3FIXsSLwDAdBgNVHQ4EFgQULNjeiGbsZp35/Rvr5kQZpENT+wEwDgYDVR0PAQH/BAQDAgWgMAwGA1UdEwEB/wQCMAAwIAYDVR0lBBkwFwYIKwYBBQUHAwQGCysGAQQBsjEBAwUCMBEGCWCGSAGG+EIBAQQEAwIFIDBGBgNVHSAEPzA9MDsGDCsGAQQBsjEBAgEBATArMCkGCCsGAQUFBwIBFh1odHRwczovL3NlY3VyZS5jb21vZG8ubmV0L0NQUzBaBgNVHR8EUzBRME+gTaBLhklodHRwOi8vY3JsLmNvbW9kb2NhLmNvbS9DT01PRE9SU0FDbGllbnRBdXRoZW50aWNhdGlvbmFuZFNlY3VyZUVtYWlsQ0EuY3JsMIGLBggrBgEFBQcBAQR/MH0wVQYIKwYBBQUHMAKGSWh0dHA6Ly9jcnQuY29tb2RvY2EuY29tL0NPTU9ET1JTQUNsaWVudEF1dGhlbnRpY2F0aW9uYW5kU2VjdXJlRW1haWxDQS5jcnQwJAYIKwYBBQUHMAGGGGh0dHA6Ly9vY3NwLmNvbW9kb2NhLmNvbTAfBgNVHREEGDAWgRRiZ29oMDA4QGUubnR1LmVkdS5zZzANBgkqhkiG9w0BAQsFAAOCAQEAYvPsFJB7FW+JDHrmU5RvHOIUcty8q2TzttRdHEiZcrtK22yTZN7gYOqv/mPC2JiJPW5NOBhmAQmkY/qYktHSYcxI33A05v5e0dTUNFLgWNPc8qU84ri9GFSZUDa1wAAyLQbtIjTKphtAQaalIqHllM72as3qaXlwNQSs+oUm+aby9Qcejkvzk2UZL5ezO9PyILLskZZDAFPR56ex6ivuBWhtTtvaId5iLZ05baaUWdzt0F0xUDodMmpFMNFmXkfdWtXWHb/4h+m+NzSGtIp/eaDEg9iv69FXp7tvUKC2UQwe/OYJPV4l/CI6SCP+Vw7+sZdllv8oJpDxlbc6tLatLQ==</X509Certificate>
+      <X509Certificate>MIIFOzCCBCOgAwIBAgIQb5roUSfobKC5tHO3zep8MjANBgkqhkiG9w0BAQsFADCBlzELMAkGA1UEBhMCR0IxGzAZBgNVBAgTEkdyZWF0ZXIgTWFuY2hlc3RlcjEQMA4GA1UEBxMHU2FsZm9yZDEaMBgGA1UEChMRQ09NT0RPIENBIExpbWl0ZWQxPTA7BgNVBAMTNENPTU9ETyBSU0EgQ2xpZW50IEF1dGhlbnRpY2F0aW9uIGFuZCBTZWN1cmUgRW1haWwgQ0EwHhcNMTcwODEwMDAwMDAwWhcNMTgwODEwMjM1OTU5WjApMScwJQYJKoZIhvcNAQkBFhhicmFuZG9uZ29od2hAaG90bWFpbC5jb20wggEiMA0GCSqGSIb3DQEBAQUAA4IBDwAwggEKAoIBAQDYW8hRwyu47Qmvdx4r2fzBrdRjRuWK1HGRwUh4CXgxce0W6kjWZutQCt9Daf+YZeWSNgKtwgggqq1t9UmyE7eTSuM610PltGYsFm579tNTDrsCMFj2LYRgL2U6HsZTobfa50NVf6d9R9fr3y6PfUNk3ktxSyycK74wOV50fzj9herQV50ahI+6J6ajYdn8jxPsZRzYgD9OjNUnWrcnqLRZL1heIYyiI08eWORJXszjYeOvH/4ycfxlkBcqPJTAi+Ou6br4n+nl7fBTW1zNX40Pr4tR/krCvuUNVsHVpbu/eHycyvl35ZrKEJ72OhbVOG4x0IRNaowoNa6/fbK2ShAvAgMBAAGjggHuMIIB6jAfBgNVHSMEGDAWgBSCr2yM+MX+lmF86B89K3FIXsSLwDAdBgNVHQ4EFgQUXWbedpMbgwxsoZSoz/Nz8Ah+dHswDgYDVR0PAQH/BAQDAgWgMAwGA1UdEwEB/wQCMAAwIAYDVR0lBBkwFwYIKwYBBQUHAwQGCysGAQQBsjEBAwUCMBEGCWCGSAGG+EIBAQQEAwIFIDBGBgNVHSAEPzA9MDsGDCsGAQQBsjEBAgEBATArMCkGCCsGAQUFBwIBFh1odHRwczovL3NlY3VyZS5jb21vZG8ubmV0L0NQUzBaBgNVHR8EUzBRME+gTaBLhklodHRwOi8vY3JsLmNvbW9kb2NhLmNvbS9DT01PRE9SU0FDbGllbnRBdXRoZW50aWNhdGlvbmFuZFNlY3VyZUVtYWlsQ0EuY3JsMIGLBggrBgEFBQcBAQR/MH0wVQYIKwYBBQUHMAKGSWh0dHA6Ly9jcnQuY29tb2RvY2EuY29tL0NPTU9ET1JTQUNsaWVudEF1dGhlbnRpY2F0aW9uYW5kU2VjdXJlRW1haWxDQS5jcnQwJAYIKwYBBQUHMAGGGGh0dHA6Ly9vY3NwLmNvbW9kb2NhLmNvbTAjBgNVHREEHDAagRhicmFuZG9uZ29od2hAaG90bWFpbC5jb20wDQYJKoZIhvcNAQELBQADggEBALPNeYGsvEypZKivs289jaB1H7/wHOMmVe+huDVoILjwt+EoJGmf3fga6eU1g2Pr8zo7QzqMpqRlzkZRl3ttR4d87ep/5KubTqpPj6Jt5vjrdrnyezHpiqaPvHrT6msVaBA568X1y27WWzKVzG4RTb9EbNCQ8g6VNflg84NISZ4fJxNnIMOkODRt/X7bLnFYROk1FAPDHZE8FJGmQ2aPqP/lQ0GHGlzzE8dFi1asjSgXsyP3LouWln3RtbhNHaOivw1T27cOAOXjmojuI9Ec+QCJDDRSMwiz4BS6ssJAZMbDLp/CSeptxLkeht3jA4sn7BGGSi3cRctAvC8USH7aOE0=</X509Certificate>
     </X509Data>
   </KeyInfo>
   <Object Id="idPackageObject">
@@ -20623,6 +20623,11 @@
       <Reference URI="/ppt/_rels/presentation.xml.rels?ContentType=application/vnd.openxmlformats-package.relationships+xml">
         <Transforms>
           <Transform Algorithm="http://schemas.openxmlformats.org/package/2006/RelationshipTransform">
+            <mdssi:RelationshipReference xmlns:mdssi="http://schemas.openxmlformats.org/package/2006/digital-signature" SourceId="rId20"/>
+            <mdssi:RelationshipReference xmlns:mdssi="http://schemas.openxmlformats.org/package/2006/digital-signature" SourceId="rId29"/>
+            <mdssi:RelationshipReference xmlns:mdssi="http://schemas.openxmlformats.org/package/2006/digital-signature" SourceId="rId41"/>
+            <mdssi:RelationshipReference xmlns:mdssi="http://schemas.openxmlformats.org/package/2006/digital-signature" SourceId="rId1"/>
+            <mdssi:RelationshipReference xmlns:mdssi="http://schemas.openxmlformats.org/package/2006/digital-signature" SourceId="rId6"/>
             <mdssi:RelationshipReference xmlns:mdssi="http://schemas.openxmlformats.org/package/2006/digital-signature" SourceId="rId11"/>
             <mdssi:RelationshipReference xmlns:mdssi="http://schemas.openxmlformats.org/package/2006/digital-signature" SourceId="rId24"/>
             <mdssi:RelationshipReference xmlns:mdssi="http://schemas.openxmlformats.org/package/2006/digital-signature" SourceId="rId32"/>
@@ -20662,11 +20667,6 @@
             <mdssi:RelationshipReference xmlns:mdssi="http://schemas.openxmlformats.org/package/2006/digital-signature" SourceId="rId7"/>
             <mdssi:RelationshipReference xmlns:mdssi="http://schemas.openxmlformats.org/package/2006/digital-signature" SourceId="rId2"/>
             <mdssi:RelationshipReference xmlns:mdssi="http://schemas.openxmlformats.org/package/2006/digital-signature" SourceId="rId16"/>
-            <mdssi:RelationshipReference xmlns:mdssi="http://schemas.openxmlformats.org/package/2006/digital-signature" SourceId="rId20"/>
-            <mdssi:RelationshipReference xmlns:mdssi="http://schemas.openxmlformats.org/package/2006/digital-signature" SourceId="rId29"/>
-            <mdssi:RelationshipReference xmlns:mdssi="http://schemas.openxmlformats.org/package/2006/digital-signature" SourceId="rId41"/>
-            <mdssi:RelationshipReference xmlns:mdssi="http://schemas.openxmlformats.org/package/2006/digital-signature" SourceId="rId1"/>
-            <mdssi:RelationshipReference xmlns:mdssi="http://schemas.openxmlformats.org/package/2006/digital-signature" SourceId="rId6"/>
           </Transform>
           <Transform Algorithm="http://www.w3.org/TR/2001/REC-xml-c14n-20010315"/>
         </Transforms>
@@ -20746,15 +20746,26 @@
       <Reference URI="/ppt/notesSlides/_rels/notesSlide1.xml.rels?ContentType=application/vnd.openxmlformats-package.relationships+xml">
         <Transforms>
           <Transform Algorithm="http://schemas.openxmlformats.org/package/2006/RelationshipTransform">
+            <mdssi:RelationshipReference xmlns:mdssi="http://schemas.openxmlformats.org/package/2006/digital-signature" SourceId="rId1"/>
+            <mdssi:RelationshipReference xmlns:mdssi="http://schemas.openxmlformats.org/package/2006/digital-signature" SourceId="rId2"/>
+          </Transform>
+          <Transform Algorithm="http://www.w3.org/TR/2001/REC-xml-c14n-20010315"/>
+        </Transforms>
+        <DigestMethod Algorithm="http://www.w3.org/2001/04/xmlenc#sha256"/>
+        <DigestValue>jFniGvVtA0NSLNI24q2r1LBr6WcXEvqP9rRbsxiSG+M=</DigestValue>
+      </Reference>
+      <Reference URI="/ppt/notesSlides/_rels/notesSlide10.xml.rels?ContentType=application/vnd.openxmlformats-package.relationships+xml">
+        <Transforms>
+          <Transform Algorithm="http://schemas.openxmlformats.org/package/2006/RelationshipTransform">
             <mdssi:RelationshipReference xmlns:mdssi="http://schemas.openxmlformats.org/package/2006/digital-signature" SourceId="rId2"/>
             <mdssi:RelationshipReference xmlns:mdssi="http://schemas.openxmlformats.org/package/2006/digital-signature" SourceId="rId1"/>
           </Transform>
           <Transform Algorithm="http://www.w3.org/TR/2001/REC-xml-c14n-20010315"/>
         </Transforms>
         <DigestMethod Algorithm="http://www.w3.org/2001/04/xmlenc#sha256"/>
-        <DigestValue>jFniGvVtA0NSLNI24q2r1LBr6WcXEvqP9rRbsxiSG+M=</DigestValue>
-      </Reference>
-      <Reference URI="/ppt/notesSlides/_rels/notesSlide10.xml.rels?ContentType=application/vnd.openxmlformats-package.relationships+xml">
+        <DigestValue>K8CBxbUk1rzqa+qGzaG/pC/vD6OYoHFddWgtAEYLUvI=</DigestValue>
+      </Reference>
+      <Reference URI="/ppt/notesSlides/_rels/notesSlide11.xml.rels?ContentType=application/vnd.openxmlformats-package.relationships+xml">
         <Transforms>
           <Transform Algorithm="http://schemas.openxmlformats.org/package/2006/RelationshipTransform">
             <mdssi:RelationshipReference xmlns:mdssi="http://schemas.openxmlformats.org/package/2006/digital-signature" SourceId="rId1"/>
@@ -20763,9 +20774,9 @@
           <Transform Algorithm="http://www.w3.org/TR/2001/REC-xml-c14n-20010315"/>
         </Transforms>
         <DigestMethod Algorithm="http://www.w3.org/2001/04/xmlenc#sha256"/>
-        <DigestValue>K8CBxbUk1rzqa+qGzaG/pC/vD6OYoHFddWgtAEYLUvI=</DigestValue>
-      </Reference>
-      <Reference URI="/ppt/notesSlides/_rels/notesSlide11.xml.rels?ContentType=application/vnd.openxmlformats-package.relationships+xml">
+        <DigestValue>JkOTx8rEbTf4amXHbGeDgjs7ThzFF2NE0SPhhICOReM=</DigestValue>
+      </Reference>
+      <Reference URI="/ppt/notesSlides/_rels/notesSlide2.xml.rels?ContentType=application/vnd.openxmlformats-package.relationships+xml">
         <Transforms>
           <Transform Algorithm="http://schemas.openxmlformats.org/package/2006/RelationshipTransform">
             <mdssi:RelationshipReference xmlns:mdssi="http://schemas.openxmlformats.org/package/2006/digital-signature" SourceId="rId2"/>
@@ -20774,9 +20785,20 @@
           <Transform Algorithm="http://www.w3.org/TR/2001/REC-xml-c14n-20010315"/>
         </Transforms>
         <DigestMethod Algorithm="http://www.w3.org/2001/04/xmlenc#sha256"/>
-        <DigestValue>JkOTx8rEbTf4amXHbGeDgjs7ThzFF2NE0SPhhICOReM=</DigestValue>
-      </Reference>
-      <Reference URI="/ppt/notesSlides/_rels/notesSlide2.xml.rels?ContentType=application/vnd.openxmlformats-package.relationships+xml">
+        <DigestValue>1BPyxV6TIsv5NtdZK1om2m/RRp1hV/nvbBALZDOKFX8=</DigestValue>
+      </Reference>
+      <Reference URI="/ppt/notesSlides/_rels/notesSlide3.xml.rels?ContentType=application/vnd.openxmlformats-package.relationships+xml">
+        <Transforms>
+          <Transform Algorithm="http://schemas.openxmlformats.org/package/2006/RelationshipTransform">
+            <mdssi:RelationshipReference xmlns:mdssi="http://schemas.openxmlformats.org/package/2006/digital-signature" SourceId="rId2"/>
+            <mdssi:RelationshipReference xmlns:mdssi="http://schemas.openxmlformats.org/package/2006/digital-signature" SourceId="rId1"/>
+          </Transform>
+          <Transform Algorithm="http://www.w3.org/TR/2001/REC-xml-c14n-20010315"/>
+        </Transforms>
+        <DigestMethod Algorithm="http://www.w3.org/2001/04/xmlenc#sha256"/>
+        <DigestValue>D8tyBQjvU+Q5thsQmy3m+/ofh38IpbSB5zSCD0wa9Zk=</DigestValue>
+      </Reference>
+      <Reference URI="/ppt/notesSlides/_rels/notesSlide4.xml.rels?ContentType=application/vnd.openxmlformats-package.relationships+xml">
         <Transforms>
           <Transform Algorithm="http://schemas.openxmlformats.org/package/2006/RelationshipTransform">
             <mdssi:RelationshipReference xmlns:mdssi="http://schemas.openxmlformats.org/package/2006/digital-signature" SourceId="rId1"/>
@@ -20785,9 +20807,20 @@
           <Transform Algorithm="http://www.w3.org/TR/2001/REC-xml-c14n-20010315"/>
         </Transforms>
         <DigestMethod Algorithm="http://www.w3.org/2001/04/xmlenc#sha256"/>
-        <DigestValue>1BPyxV6TIsv5NtdZK1om2m/RRp1hV/nvbBALZDOKFX8=</DigestValue>
-      </Reference>
-      <Reference URI="/ppt/notesSlides/_rels/notesSlide3.xml.rels?ContentType=application/vnd.openxmlformats-package.relationships+xml">
+        <DigestValue>yhjGUjt8ajV5Zd6z9pbrpn4/WE7rgXZzOyPe5QYJOro=</DigestValue>
+      </Reference>
+      <Reference URI="/ppt/notesSlides/_rels/notesSlide5.xml.rels?ContentType=application/vnd.openxmlformats-package.relationships+xml">
+        <Transforms>
+          <Transform Algorithm="http://schemas.openxmlformats.org/package/2006/RelationshipTransform">
+            <mdssi:RelationshipReference xmlns:mdssi="http://schemas.openxmlformats.org/package/2006/digital-signature" SourceId="rId2"/>
+            <mdssi:RelationshipReference xmlns:mdssi="http://schemas.openxmlformats.org/package/2006/digital-signature" SourceId="rId1"/>
+          </Transform>
+          <Transform Algorithm="http://www.w3.org/TR/2001/REC-xml-c14n-20010315"/>
+        </Transforms>
+        <DigestMethod Algorithm="http://www.w3.org/2001/04/xmlenc#sha256"/>
+        <DigestValue>i+FrAvxhHT3cCNFbBxD2H3L57k+hxd67gErQe5vuJ6U=</DigestValue>
+      </Reference>
+      <Reference URI="/ppt/notesSlides/_rels/notesSlide6.xml.rels?ContentType=application/vnd.openxmlformats-package.relationships+xml">
         <Transforms>
           <Transform Algorithm="http://schemas.openxmlformats.org/package/2006/RelationshipTransform">
             <mdssi:RelationshipReference xmlns:mdssi="http://schemas.openxmlformats.org/package/2006/digital-signature" SourceId="rId1"/>
@@ -20796,9 +20829,20 @@
           <Transform Algorithm="http://www.w3.org/TR/2001/REC-xml-c14n-20010315"/>
         </Transforms>
         <DigestMethod Algorithm="http://www.w3.org/2001/04/xmlenc#sha256"/>
-        <DigestValue>D8tyBQjvU+Q5thsQmy3m+/ofh38IpbSB5zSCD0wa9Zk=</DigestValue>
-      </Reference>
-      <Reference URI="/ppt/notesSlides/_rels/notesSlide4.xml.rels?ContentType=application/vnd.openxmlformats-package.relationships+xml">
+        <DigestValue>s8g/ZC/uqsf/IBoj9/VN+fZUAehwA6omrEUOQxhQkkY=</DigestValue>
+      </Reference>
+      <Reference URI="/ppt/notesSlides/_rels/notesSlide7.xml.rels?ContentType=application/vnd.openxmlformats-package.relationships+xml">
+        <Transforms>
+          <Transform Algorithm="http://schemas.openxmlformats.org/package/2006/RelationshipTransform">
+            <mdssi:RelationshipReference xmlns:mdssi="http://schemas.openxmlformats.org/package/2006/digital-signature" SourceId="rId1"/>
+            <mdssi:RelationshipReference xmlns:mdssi="http://schemas.openxmlformats.org/package/2006/digital-signature" SourceId="rId2"/>
+          </Transform>
+          <Transform Algorithm="http://www.w3.org/TR/2001/REC-xml-c14n-20010315"/>
+        </Transforms>
+        <DigestMethod Algorithm="http://www.w3.org/2001/04/xmlenc#sha256"/>
+        <DigestValue>WFHvhRmtKCpfkeSadLvgekzdbahW5E/SVw/MPVz6XAA=</DigestValue>
+      </Reference>
+      <Reference URI="/ppt/notesSlides/_rels/notesSlide8.xml.rels?ContentType=application/vnd.openxmlformats-package.relationships+xml">
         <Transforms>
           <Transform Algorithm="http://schemas.openxmlformats.org/package/2006/RelationshipTransform">
             <mdssi:RelationshipReference xmlns:mdssi="http://schemas.openxmlformats.org/package/2006/digital-signature" SourceId="rId2"/>
@@ -20807,57 +20851,13 @@
           <Transform Algorithm="http://www.w3.org/TR/2001/REC-xml-c14n-20010315"/>
         </Transforms>
         <DigestMethod Algorithm="http://www.w3.org/2001/04/xmlenc#sha256"/>
-        <DigestValue>yhjGUjt8ajV5Zd6z9pbrpn4/WE7rgXZzOyPe5QYJOro=</DigestValue>
-      </Reference>
-      <Reference URI="/ppt/notesSlides/_rels/notesSlide5.xml.rels?ContentType=application/vnd.openxmlformats-package.relationships+xml">
-        <Transforms>
-          <Transform Algorithm="http://schemas.openxmlformats.org/package/2006/RelationshipTransform">
-            <mdssi:RelationshipReference xmlns:mdssi="http://schemas.openxmlformats.org/package/2006/digital-signature" SourceId="rId1"/>
-            <mdssi:RelationshipReference xmlns:mdssi="http://schemas.openxmlformats.org/package/2006/digital-signature" SourceId="rId2"/>
-          </Transform>
-          <Transform Algorithm="http://www.w3.org/TR/2001/REC-xml-c14n-20010315"/>
-        </Transforms>
-        <DigestMethod Algorithm="http://www.w3.org/2001/04/xmlenc#sha256"/>
-        <DigestValue>i+FrAvxhHT3cCNFbBxD2H3L57k+hxd67gErQe5vuJ6U=</DigestValue>
-      </Reference>
-      <Reference URI="/ppt/notesSlides/_rels/notesSlide6.xml.rels?ContentType=application/vnd.openxmlformats-package.relationships+xml">
+        <DigestValue>HWwDitQWX70j1vQnQqYdij8ask0bnJI7tuLDmUCfi8A=</DigestValue>
+      </Reference>
+      <Reference URI="/ppt/notesSlides/_rels/notesSlide9.xml.rels?ContentType=application/vnd.openxmlformats-package.relationships+xml">
         <Transforms>
           <Transform Algorithm="http://schemas.openxmlformats.org/package/2006/RelationshipTransform">
             <mdssi:RelationshipReference xmlns:mdssi="http://schemas.openxmlformats.org/package/2006/digital-signature" SourceId="rId2"/>
             <mdssi:RelationshipReference xmlns:mdssi="http://schemas.openxmlformats.org/package/2006/digital-signature" SourceId="rId1"/>
-          </Transform>
-          <Transform Algorithm="http://www.w3.org/TR/2001/REC-xml-c14n-20010315"/>
-        </Transforms>
-        <DigestMethod Algorithm="http://www.w3.org/2001/04/xmlenc#sha256"/>
-        <DigestValue>s8g/ZC/uqsf/IBoj9/VN+fZUAehwA6omrEUOQxhQkkY=</DigestValue>
-      </Reference>
-      <Reference URI="/ppt/notesSlides/_rels/notesSlide7.xml.rels?ContentType=application/vnd.openxmlformats-package.relationships+xml">
-        <Transforms>
-          <Transform Algorithm="http://schemas.openxmlformats.org/package/2006/RelationshipTransform">
-            <mdssi:RelationshipReference xmlns:mdssi="http://schemas.openxmlformats.org/package/2006/digital-signature" SourceId="rId2"/>
-            <mdssi:RelationshipReference xmlns:mdssi="http://schemas.openxmlformats.org/package/2006/digital-signature" SourceId="rId1"/>
-          </Transform>
-          <Transform Algorithm="http://www.w3.org/TR/2001/REC-xml-c14n-20010315"/>
-        </Transforms>
-        <DigestMethod Algorithm="http://www.w3.org/2001/04/xmlenc#sha256"/>
-        <DigestValue>WFHvhRmtKCpfkeSadLvgekzdbahW5E/SVw/MPVz6XAA=</DigestValue>
-      </Reference>
-      <Reference URI="/ppt/notesSlides/_rels/notesSlide8.xml.rels?ContentType=application/vnd.openxmlformats-package.relationships+xml">
-        <Transforms>
-          <Transform Algorithm="http://schemas.openxmlformats.org/package/2006/RelationshipTransform">
-            <mdssi:RelationshipReference xmlns:mdssi="http://schemas.openxmlformats.org/package/2006/digital-signature" SourceId="rId1"/>
-            <mdssi:RelationshipReference xmlns:mdssi="http://schemas.openxmlformats.org/package/2006/digital-signature" SourceId="rId2"/>
-          </Transform>
-          <Transform Algorithm="http://www.w3.org/TR/2001/REC-xml-c14n-20010315"/>
-        </Transforms>
-        <DigestMethod Algorithm="http://www.w3.org/2001/04/xmlenc#sha256"/>
-        <DigestValue>HWwDitQWX70j1vQnQqYdij8ask0bnJI7tuLDmUCfi8A=</DigestValue>
-      </Reference>
-      <Reference URI="/ppt/notesSlides/_rels/notesSlide9.xml.rels?ContentType=application/vnd.openxmlformats-package.relationships+xml">
-        <Transforms>
-          <Transform Algorithm="http://schemas.openxmlformats.org/package/2006/RelationshipTransform">
-            <mdssi:RelationshipReference xmlns:mdssi="http://schemas.openxmlformats.org/package/2006/digital-signature" SourceId="rId1"/>
-            <mdssi:RelationshipReference xmlns:mdssi="http://schemas.openxmlformats.org/package/2006/digital-signature" SourceId="rId2"/>
           </Transform>
           <Transform Algorithm="http://www.w3.org/TR/2001/REC-xml-c14n-20010315"/>
         </Transforms>
@@ -21089,8 +21089,8 @@
       <Reference URI="/ppt/slideLayouts/_rels/slideLayout7.xml.rels?ContentType=application/vnd.openxmlformats-package.relationships+xml">
         <Transforms>
           <Transform Algorithm="http://schemas.openxmlformats.org/package/2006/RelationshipTransform">
+            <mdssi:RelationshipReference xmlns:mdssi="http://schemas.openxmlformats.org/package/2006/digital-signature" SourceId="rId1"/>
             <mdssi:RelationshipReference xmlns:mdssi="http://schemas.openxmlformats.org/package/2006/digital-signature" SourceId="rId2"/>
-            <mdssi:RelationshipReference xmlns:mdssi="http://schemas.openxmlformats.org/package/2006/digital-signature" SourceId="rId1"/>
           </Transform>
           <Transform Algorithm="http://www.w3.org/TR/2001/REC-xml-c14n-20010315"/>
         </Transforms>
@@ -21192,6 +21192,11 @@
       <Reference URI="/ppt/slideMasters/_rels/slideMaster1.xml.rels?ContentType=application/vnd.openxmlformats-package.relationships+xml">
         <Transforms>
           <Transform Algorithm="http://schemas.openxmlformats.org/package/2006/RelationshipTransform">
+            <mdssi:RelationshipReference xmlns:mdssi="http://schemas.openxmlformats.org/package/2006/digital-signature" SourceId="rId8"/>
+            <mdssi:RelationshipReference xmlns:mdssi="http://schemas.openxmlformats.org/package/2006/digital-signature" SourceId="rId13"/>
+            <mdssi:RelationshipReference xmlns:mdssi="http://schemas.openxmlformats.org/package/2006/digital-signature" SourceId="rId18"/>
+            <mdssi:RelationshipReference xmlns:mdssi="http://schemas.openxmlformats.org/package/2006/digital-signature" SourceId="rId3"/>
+            <mdssi:RelationshipReference xmlns:mdssi="http://schemas.openxmlformats.org/package/2006/digital-signature" SourceId="rId7"/>
             <mdssi:RelationshipReference xmlns:mdssi="http://schemas.openxmlformats.org/package/2006/digital-signature" SourceId="rId12"/>
             <mdssi:RelationshipReference xmlns:mdssi="http://schemas.openxmlformats.org/package/2006/digital-signature" SourceId="rId17"/>
             <mdssi:RelationshipReference xmlns:mdssi="http://schemas.openxmlformats.org/package/2006/digital-signature" SourceId="rId2"/>
@@ -21206,11 +21211,6 @@
             <mdssi:RelationshipReference xmlns:mdssi="http://schemas.openxmlformats.org/package/2006/digital-signature" SourceId="rId4"/>
             <mdssi:RelationshipReference xmlns:mdssi="http://schemas.openxmlformats.org/package/2006/digital-signature" SourceId="rId9"/>
             <mdssi:RelationshipReference xmlns:mdssi="http://schemas.openxmlformats.org/package/2006/digital-signature" SourceId="rId14"/>
-            <mdssi:RelationshipReference xmlns:mdssi="http://schemas.openxmlformats.org/package/2006/digital-signature" SourceId="rId8"/>
-            <mdssi:RelationshipReference xmlns:mdssi="http://schemas.openxmlformats.org/package/2006/digital-signature" SourceId="rId13"/>
-            <mdssi:RelationshipReference xmlns:mdssi="http://schemas.openxmlformats.org/package/2006/digital-signature" SourceId="rId18"/>
-            <mdssi:RelationshipReference xmlns:mdssi="http://schemas.openxmlformats.org/package/2006/digital-signature" SourceId="rId3"/>
-            <mdssi:RelationshipReference xmlns:mdssi="http://schemas.openxmlformats.org/package/2006/digital-signature" SourceId="rId7"/>
           </Transform>
           <Transform Algorithm="http://www.w3.org/TR/2001/REC-xml-c14n-20010315"/>
         </Transforms>
@@ -21330,6 +21330,19 @@
       <Reference URI="/ppt/slides/_rels/slide18.xml.rels?ContentType=application/vnd.openxmlformats-package.relationships+xml">
         <Transforms>
           <Transform Algorithm="http://schemas.openxmlformats.org/package/2006/RelationshipTransform">
+            <mdssi:RelationshipReference xmlns:mdssi="http://schemas.openxmlformats.org/package/2006/digital-signature" SourceId="rId3"/>
+            <mdssi:RelationshipReference xmlns:mdssi="http://schemas.openxmlformats.org/package/2006/digital-signature" SourceId="rId2"/>
+            <mdssi:RelationshipReference xmlns:mdssi="http://schemas.openxmlformats.org/package/2006/digital-signature" SourceId="rId1"/>
+            <mdssi:RelationshipReference xmlns:mdssi="http://schemas.openxmlformats.org/package/2006/digital-signature" SourceId="rId4"/>
+          </Transform>
+          <Transform Algorithm="http://www.w3.org/TR/2001/REC-xml-c14n-20010315"/>
+        </Transforms>
+        <DigestMethod Algorithm="http://www.w3.org/2001/04/xmlenc#sha256"/>
+        <DigestValue>7/habiBwt/ZrZb12qsolT9jUY6n70YLUvkVWvHJsE8A=</DigestValue>
+      </Reference>
+      <Reference URI="/ppt/slides/_rels/slide19.xml.rels?ContentType=application/vnd.openxmlformats-package.relationships+xml">
+        <Transforms>
+          <Transform Algorithm="http://schemas.openxmlformats.org/package/2006/RelationshipTransform">
             <mdssi:RelationshipReference xmlns:mdssi="http://schemas.openxmlformats.org/package/2006/digital-signature" SourceId="rId2"/>
             <mdssi:RelationshipReference xmlns:mdssi="http://schemas.openxmlformats.org/package/2006/digital-signature" SourceId="rId1"/>
             <mdssi:RelationshipReference xmlns:mdssi="http://schemas.openxmlformats.org/package/2006/digital-signature" SourceId="rId4"/>
@@ -21338,9 +21351,19 @@
           <Transform Algorithm="http://www.w3.org/TR/2001/REC-xml-c14n-20010315"/>
         </Transforms>
         <DigestMethod Algorithm="http://www.w3.org/2001/04/xmlenc#sha256"/>
-        <DigestValue>7/habiBwt/ZrZb12qsolT9jUY6n70YLUvkVWvHJsE8A=</DigestValue>
-      </Reference>
-      <Reference URI="/ppt/slides/_rels/slide19.xml.rels?ContentType=application/vnd.openxmlformats-package.relationships+xml">
+        <DigestValue>YLctnxT6K+G5ryZoButW7h+hvUta/Bp1orDp6534Cew=</DigestValue>
+      </Reference>
+      <Reference URI="/ppt/slides/_rels/slide2.xml.rels?ContentType=application/vnd.openxmlformats-package.relationships+xml">
+        <Transforms>
+          <Transform Algorithm="http://schemas.openxmlformats.org/package/2006/RelationshipTransform">
+            <mdssi:RelationshipReference xmlns:mdssi="http://schemas.openxmlformats.org/package/2006/digital-signature" SourceId="rId1"/>
+          </Transform>
+          <Transform Algorithm="http://www.w3.org/TR/2001/REC-xml-c14n-20010315"/>
+        </Transforms>
+        <DigestMethod Algorithm="http://www.w3.org/2001/04/xmlenc#sha256"/>
+        <DigestValue>ttYwQ02ZCg6Yd7kitWtz3MAY7b8nmr2qHtfLoELeOdo=</DigestValue>
+      </Reference>
+      <Reference URI="/ppt/slides/_rels/slide20.xml.rels?ContentType=application/vnd.openxmlformats-package.relationships+xml">
         <Transforms>
           <Transform Algorithm="http://schemas.openxmlformats.org/package/2006/RelationshipTransform">
             <mdssi:RelationshipReference xmlns:mdssi="http://schemas.openxmlformats.org/package/2006/digital-signature" SourceId="rId1"/>
@@ -21351,29 +21374,6 @@
           <Transform Algorithm="http://www.w3.org/TR/2001/REC-xml-c14n-20010315"/>
         </Transforms>
         <DigestMethod Algorithm="http://www.w3.org/2001/04/xmlenc#sha256"/>
-        <DigestValue>YLctnxT6K+G5ryZoButW7h+hvUta/Bp1orDp6534Cew=</DigestValue>
-      </Reference>
-      <Reference URI="/ppt/slides/_rels/slide2.xml.rels?ContentType=application/vnd.openxmlformats-package.relationships+xml">
-        <Transforms>
-          <Transform Algorithm="http://schemas.openxmlformats.org/package/2006/RelationshipTransform">
-            <mdssi:RelationshipReference xmlns:mdssi="http://schemas.openxmlformats.org/package/2006/digital-signature" SourceId="rId1"/>
-          </Transform>
-          <Transform Algorithm="http://www.w3.org/TR/2001/REC-xml-c14n-20010315"/>
-        </Transforms>
-        <DigestMethod Algorithm="http://www.w3.org/2001/04/xmlenc#sha256"/>
-        <DigestValue>ttYwQ02ZCg6Yd7kitWtz3MAY7b8nmr2qHtfLoELeOdo=</DigestValue>
-      </Reference>
-      <Reference URI="/ppt/slides/_rels/slide20.xml.rels?ContentType=application/vnd.openxmlformats-package.relationships+xml">
-        <Transforms>
-          <Transform Algorithm="http://schemas.openxmlformats.org/package/2006/RelationshipTransform">
-            <mdssi:RelationshipReference xmlns:mdssi="http://schemas.openxmlformats.org/package/2006/digital-signature" SourceId="rId4"/>
-            <mdssi:RelationshipReference xmlns:mdssi="http://schemas.openxmlformats.org/package/2006/digital-signature" SourceId="rId3"/>
-            <mdssi:RelationshipReference xmlns:mdssi="http://schemas.openxmlformats.org/package/2006/digital-signature" SourceId="rId2"/>
-            <mdssi:RelationshipReference xmlns:mdssi="http://schemas.openxmlformats.org/package/2006/digital-signature" SourceId="rId1"/>
-          </Transform>
-          <Transform Algorithm="http://www.w3.org/TR/2001/REC-xml-c14n-20010315"/>
-        </Transforms>
-        <DigestMethod Algorithm="http://www.w3.org/2001/04/xmlenc#sha256"/>
         <DigestValue>7OWvbym+b+jhE3kfr0szEtS59B1pbLf/X1qS92CySQ8=</DigestValue>
       </Reference>
       <Reference URI="/ppt/slides/_rels/slide21.xml.rels?ContentType=application/vnd.openxmlformats-package.relationships+xml">
@@ -21391,6 +21391,17 @@
       <Reference URI="/ppt/slides/_rels/slide22.xml.rels?ContentType=application/vnd.openxmlformats-package.relationships+xml">
         <Transforms>
           <Transform Algorithm="http://schemas.openxmlformats.org/package/2006/RelationshipTransform">
+            <mdssi:RelationshipReference xmlns:mdssi="http://schemas.openxmlformats.org/package/2006/digital-signature" SourceId="rId2"/>
+            <mdssi:RelationshipReference xmlns:mdssi="http://schemas.openxmlformats.org/package/2006/digital-signature" SourceId="rId1"/>
+          </Transform>
+          <Transform Algorithm="http://www.w3.org/TR/2001/REC-xml-c14n-20010315"/>
+        </Transforms>
+        <DigestMethod Algorithm="http://www.w3.org/2001/04/xmlenc#sha256"/>
+        <DigestValue>bzgYoNlc5ATOlMHxxH0m0HJfKtXyopJB4T13gsPNTGA=</DigestValue>
+      </Reference>
+      <Reference URI="/ppt/slides/_rels/slide23.xml.rels?ContentType=application/vnd.openxmlformats-package.relationships+xml">
+        <Transforms>
+          <Transform Algorithm="http://schemas.openxmlformats.org/package/2006/RelationshipTransform">
             <mdssi:RelationshipReference xmlns:mdssi="http://schemas.openxmlformats.org/package/2006/digital-signature" SourceId="rId1"/>
             <mdssi:RelationshipReference xmlns:mdssi="http://schemas.openxmlformats.org/package/2006/digital-signature" SourceId="rId2"/>
           </Transform>
@@ -21399,22 +21410,11 @@
         <DigestMethod Algorithm="http://www.w3.org/2001/04/xmlenc#sha256"/>
         <DigestValue>bzgYoNlc5ATOlMHxxH0m0HJfKtXyopJB4T13gsPNTGA=</DigestValue>
       </Reference>
-      <Reference URI="/ppt/slides/_rels/slide23.xml.rels?ContentType=application/vnd.openxmlformats-package.relationships+xml">
+      <Reference URI="/ppt/slides/_rels/slide24.xml.rels?ContentType=application/vnd.openxmlformats-package.relationships+xml">
         <Transforms>
           <Transform Algorithm="http://schemas.openxmlformats.org/package/2006/RelationshipTransform">
             <mdssi:RelationshipReference xmlns:mdssi="http://schemas.openxmlformats.org/package/2006/digital-signature" SourceId="rId2"/>
             <mdssi:RelationshipReference xmlns:mdssi="http://schemas.openxmlformats.org/package/2006/digital-signature" SourceId="rId1"/>
-          </Transform>
-          <Transform Algorithm="http://www.w3.org/TR/2001/REC-xml-c14n-20010315"/>
-        </Transforms>
-        <DigestMethod Algorithm="http://www.w3.org/2001/04/xmlenc#sha256"/>
-        <DigestValue>bzgYoNlc5ATOlMHxxH0m0HJfKtXyopJB4T13gsPNTGA=</DigestValue>
-      </Reference>
-      <Reference URI="/ppt/slides/_rels/slide24.xml.rels?ContentType=application/vnd.openxmlformats-package.relationships+xml">
-        <Transforms>
-          <Transform Algorithm="http://schemas.openxmlformats.org/package/2006/RelationshipTransform">
-            <mdssi:RelationshipReference xmlns:mdssi="http://schemas.openxmlformats.org/package/2006/digital-signature" SourceId="rId1"/>
-            <mdssi:RelationshipReference xmlns:mdssi="http://schemas.openxmlformats.org/package/2006/digital-signature" SourceId="rId2"/>
           </Transform>
           <Transform Algorithm="http://www.w3.org/TR/2001/REC-xml-c14n-20010315"/>
         </Transforms>
@@ -21472,10 +21472,10 @@
       <Reference URI="/ppt/slides/_rels/slide29.xml.rels?ContentType=application/vnd.openxmlformats-package.relationships+xml">
         <Transforms>
           <Transform Algorithm="http://schemas.openxmlformats.org/package/2006/RelationshipTransform">
+            <mdssi:RelationshipReference xmlns:mdssi="http://schemas.openxmlformats.org/package/2006/digital-signature" SourceId="rId3"/>
             <mdssi:RelationshipReference xmlns:mdssi="http://schemas.openxmlformats.org/package/2006/digital-signature" SourceId="rId2"/>
             <mdssi:RelationshipReference xmlns:mdssi="http://schemas.openxmlformats.org/package/2006/digital-signature" SourceId="rId1"/>
             <mdssi:RelationshipReference xmlns:mdssi="http://schemas.openxmlformats.org/package/2006/digital-signature" SourceId="rId4"/>
-            <mdssi:RelationshipReference xmlns:mdssi="http://schemas.openxmlformats.org/package/2006/digital-signature" SourceId="rId3"/>
           </Transform>
           <Transform Algorithm="http://www.w3.org/TR/2001/REC-xml-c14n-20010315"/>
         </Transforms>
@@ -21817,7 +21817,7 @@
       <SignatureProperty Id="idSignatureTime" Target="#idPackageSignature">
         <mdssi:SignatureTime xmlns:mdssi="http://schemas.openxmlformats.org/package/2006/digital-signature">
           <mdssi:Format>YYYY-MM-DDThh:mm:ssTZD</mdssi:Format>
-          <mdssi:Value>2018-02-10T15:04:41Z</mdssi:Value>
+          <mdssi:Value>2018-02-10T15:12:01Z</mdssi:Value>
         </mdssi:SignatureTime>
       </SignatureProperty>
     </SignatureProperties>
@@ -21849,16 +21849,16 @@
     <xd:QualifyingProperties xmlns:xd="http://uri.etsi.org/01903/v1.3.2#" Target="#idPackageSignature">
       <xd:SignedProperties Id="idSignedProperties">
         <xd:SignedSignatureProperties>
-          <xd:SigningTime>2018-02-10T15:04:41Z</xd:SigningTime>
+          <xd:SigningTime>2018-02-10T15:12:01Z</xd:SigningTime>
           <xd:SigningCertificate>
             <xd:Cert>
               <xd:CertDigest>
                 <DigestMethod Algorithm="http://www.w3.org/2001/04/xmlenc#sha256"/>
-                <DigestValue>0pXriznU9R7ICfYOYOaly4Naoy0XG68qvsTbwG4FQ+c=</DigestValue>
+                <DigestValue>lvkE/ZxaIpjzB6EzD1x9HkvLiDn/qh2JTJO/uA7Nw1M=</DigestValue>
               </xd:CertDigest>
               <xd:IssuerSerial>
                 <X509IssuerName>CN=COMODO RSA Client Authentication and Secure Email CA, O=COMODO CA Limited, L=Salford, S=Greater Manchester, C=GB</X509IssuerName>
-                <X509SerialNumber>322025402540065399131709594093758951047</X509SerialNumber>
+                <X509SerialNumber>148348633197200135343689681955281599538</X509SerialNumber>
               </xd:IssuerSerial>
             </xd:Cert>
           </xd:SigningCertificate>

--- a/Presentation Slides/Ethereum attack.pptx
+++ b/Presentation Slides/Ethereum attack.pptx
@@ -20575,1319 +20575,4 @@
     </xd:QualifyingProperties>
   </Object>
 </Signature>
-</file>
-
-<file path=_xmlsignatures/sig2.xml><?xml version="1.0" encoding="utf-8"?>
-<Signature xmlns="http://www.w3.org/2000/09/xmldsig#" Id="idPackageSignature">
-  <SignedInfo>
-    <CanonicalizationMethod Algorithm="http://www.w3.org/TR/2001/REC-xml-c14n-20010315"/>
-    <SignatureMethod Algorithm="http://www.w3.org/2001/04/xmldsig-more#rsa-sha256"/>
-    <Reference Type="http://www.w3.org/2000/09/xmldsig#Object" URI="#idPackageObject">
-      <DigestMethod Algorithm="http://www.w3.org/2001/04/xmlenc#sha256"/>
-      <DigestValue>E3Ve181DoZc6okSPNwuE3eotmTVyQi9w59tL+EQ5EFw=</DigestValue>
-    </Reference>
-    <Reference Type="http://www.w3.org/2000/09/xmldsig#Object" URI="#idOfficeObject">
-      <DigestMethod Algorithm="http://www.w3.org/2001/04/xmlenc#sha256"/>
-      <DigestValue>4ob9m0wzd09yFRJi2/aHKrLrKDq0jzqLdAFwoG/4leQ=</DigestValue>
-    </Reference>
-    <Reference Type="http://uri.etsi.org/01903#SignedProperties" URI="#idSignedProperties">
-      <Transforms>
-        <Transform Algorithm="http://www.w3.org/TR/2001/REC-xml-c14n-20010315"/>
-      </Transforms>
-      <DigestMethod Algorithm="http://www.w3.org/2001/04/xmlenc#sha256"/>
-      <DigestValue>nq/Ve/IxCfShbGCbZ05pRZMT7/WE6CHFpWbyidPsDO4=</DigestValue>
-    </Reference>
-  </SignedInfo>
-  <SignatureValue>ja8WYmlrp4weD7XG/aYsxdASBgpxz3hOuz2d/afylRgPwvNqoD0Ocz7sz6vasYK95dr1AL4mTdZe
-qZ8FfUfpxs6B1qX+Dz0xPuIWoKTX8pq/JN3GWz/D8mBT13Z2s0KCvWUZxW0VnaYN0u0JtVSMSW7q
-mqV297x5sBHvsizbvH9ZKx4XKufYpNAxXuJEtSTunC/WkSleqPsO6Ec7x46YNw8dd8pCE8uAsgVu
-AWzZQggSxvIAV9w71WLOJJKOLgCRRoLbjBpPDVnSjrA/5pe/x9HWV7RqAK9c+YNvypDMb5wqNnB7
-8ll0Ze+nS1j6QTOEZwKDrpD1a8gagDkrfDQqJw==</SignatureValue>
-  <KeyInfo>
-    <X509Data>
-      <X509Certificate>MIIFOzCCBCOgAwIBAgIQb5roUSfobKC5tHO3zep8MjANBgkqhkiG9w0BAQsFADCBlzELMAkGA1UEBhMCR0IxGzAZBgNVBAgTEkdyZWF0ZXIgTWFuY2hlc3RlcjEQMA4GA1UEBxMHU2FsZm9yZDEaMBgGA1UEChMRQ09NT0RPIENBIExpbWl0ZWQxPTA7BgNVBAMTNENPTU9ETyBSU0EgQ2xpZW50IEF1dGhlbnRpY2F0aW9uIGFuZCBTZWN1cmUgRW1haWwgQ0EwHhcNMTcwODEwMDAwMDAwWhcNMTgwODEwMjM1OTU5WjApMScwJQYJKoZIhvcNAQkBFhhicmFuZG9uZ29od2hAaG90bWFpbC5jb20wggEiMA0GCSqGSIb3DQEBAQUAA4IBDwAwggEKAoIBAQDYW8hRwyu47Qmvdx4r2fzBrdRjRuWK1HGRwUh4CXgxce0W6kjWZutQCt9Daf+YZeWSNgKtwgggqq1t9UmyE7eTSuM610PltGYsFm579tNTDrsCMFj2LYRgL2U6HsZTobfa50NVf6d9R9fr3y6PfUNk3ktxSyycK74wOV50fzj9herQV50ahI+6J6ajYdn8jxPsZRzYgD9OjNUnWrcnqLRZL1heIYyiI08eWORJXszjYeOvH/4ycfxlkBcqPJTAi+Ou6br4n+nl7fBTW1zNX40Pr4tR/krCvuUNVsHVpbu/eHycyvl35ZrKEJ72OhbVOG4x0IRNaowoNa6/fbK2ShAvAgMBAAGjggHuMIIB6jAfBgNVHSMEGDAWgBSCr2yM+MX+lmF86B89K3FIXsSLwDAdBgNVHQ4EFgQUXWbedpMbgwxsoZSoz/Nz8Ah+dHswDgYDVR0PAQH/BAQDAgWgMAwGA1UdEwEB/wQCMAAwIAYDVR0lBBkwFwYIKwYBBQUHAwQGCysGAQQBsjEBAwUCMBEGCWCGSAGG+EIBAQQEAwIFIDBGBgNVHSAEPzA9MDsGDCsGAQQBsjEBAgEBATArMCkGCCsGAQUFBwIBFh1odHRwczovL3NlY3VyZS5jb21vZG8ubmV0L0NQUzBaBgNVHR8EUzBRME+gTaBLhklodHRwOi8vY3JsLmNvbW9kb2NhLmNvbS9DT01PRE9SU0FDbGllbnRBdXRoZW50aWNhdGlvbmFuZFNlY3VyZUVtYWlsQ0EuY3JsMIGLBggrBgEFBQcBAQR/MH0wVQYIKwYBBQUHMAKGSWh0dHA6Ly9jcnQuY29tb2RvY2EuY29tL0NPTU9ET1JTQUNsaWVudEF1dGhlbnRpY2F0aW9uYW5kU2VjdXJlRW1haWxDQS5jcnQwJAYIKwYBBQUHMAGGGGh0dHA6Ly9vY3NwLmNvbW9kb2NhLmNvbTAjBgNVHREEHDAagRhicmFuZG9uZ29od2hAaG90bWFpbC5jb20wDQYJKoZIhvcNAQELBQADggEBALPNeYGsvEypZKivs289jaB1H7/wHOMmVe+huDVoILjwt+EoJGmf3fga6eU1g2Pr8zo7QzqMpqRlzkZRl3ttR4d87ep/5KubTqpPj6Jt5vjrdrnyezHpiqaPvHrT6msVaBA568X1y27WWzKVzG4RTb9EbNCQ8g6VNflg84NISZ4fJxNnIMOkODRt/X7bLnFYROk1FAPDHZE8FJGmQ2aPqP/lQ0GHGlzzE8dFi1asjSgXsyP3LouWln3RtbhNHaOivw1T27cOAOXjmojuI9Ec+QCJDDRSMwiz4BS6ssJAZMbDLp/CSeptxLkeht3jA4sn7BGGSi3cRctAvC8USH7aOE0=</X509Certificate>
-    </X509Data>
-  </KeyInfo>
-  <Object Id="idPackageObject">
-    <Manifest>
-      <Reference URI="/_rels/.rels?ContentType=application/vnd.openxmlformats-package.relationships+xml">
-        <Transforms>
-          <Transform Algorithm="http://schemas.openxmlformats.org/package/2006/RelationshipTransform">
-            <mdssi:RelationshipReference xmlns:mdssi="http://schemas.openxmlformats.org/package/2006/digital-signature" SourceId="rId1"/>
-          </Transform>
-          <Transform Algorithm="http://www.w3.org/TR/2001/REC-xml-c14n-20010315"/>
-        </Transforms>
-        <DigestMethod Algorithm="http://www.w3.org/2001/04/xmlenc#sha256"/>
-        <DigestValue>ZA0yc/xO3JTsFCHnkGRYT0tE9b7806O9EDnxF1WjyYo=</DigestValue>
-      </Reference>
-      <Reference URI="/ppt/_rels/presentation.xml.rels?ContentType=application/vnd.openxmlformats-package.relationships+xml">
-        <Transforms>
-          <Transform Algorithm="http://schemas.openxmlformats.org/package/2006/RelationshipTransform">
-            <mdssi:RelationshipReference xmlns:mdssi="http://schemas.openxmlformats.org/package/2006/digital-signature" SourceId="rId20"/>
-            <mdssi:RelationshipReference xmlns:mdssi="http://schemas.openxmlformats.org/package/2006/digital-signature" SourceId="rId29"/>
-            <mdssi:RelationshipReference xmlns:mdssi="http://schemas.openxmlformats.org/package/2006/digital-signature" SourceId="rId41"/>
-            <mdssi:RelationshipReference xmlns:mdssi="http://schemas.openxmlformats.org/package/2006/digital-signature" SourceId="rId1"/>
-            <mdssi:RelationshipReference xmlns:mdssi="http://schemas.openxmlformats.org/package/2006/digital-signature" SourceId="rId6"/>
-            <mdssi:RelationshipReference xmlns:mdssi="http://schemas.openxmlformats.org/package/2006/digital-signature" SourceId="rId11"/>
-            <mdssi:RelationshipReference xmlns:mdssi="http://schemas.openxmlformats.org/package/2006/digital-signature" SourceId="rId24"/>
-            <mdssi:RelationshipReference xmlns:mdssi="http://schemas.openxmlformats.org/package/2006/digital-signature" SourceId="rId32"/>
-            <mdssi:RelationshipReference xmlns:mdssi="http://schemas.openxmlformats.org/package/2006/digital-signature" SourceId="rId37"/>
-            <mdssi:RelationshipReference xmlns:mdssi="http://schemas.openxmlformats.org/package/2006/digital-signature" SourceId="rId40"/>
-            <mdssi:RelationshipReference xmlns:mdssi="http://schemas.openxmlformats.org/package/2006/digital-signature" SourceId="rId5"/>
-            <mdssi:RelationshipReference xmlns:mdssi="http://schemas.openxmlformats.org/package/2006/digital-signature" SourceId="rId15"/>
-            <mdssi:RelationshipReference xmlns:mdssi="http://schemas.openxmlformats.org/package/2006/digital-signature" SourceId="rId23"/>
-            <mdssi:RelationshipReference xmlns:mdssi="http://schemas.openxmlformats.org/package/2006/digital-signature" SourceId="rId28"/>
-            <mdssi:RelationshipReference xmlns:mdssi="http://schemas.openxmlformats.org/package/2006/digital-signature" SourceId="rId36"/>
-            <mdssi:RelationshipReference xmlns:mdssi="http://schemas.openxmlformats.org/package/2006/digital-signature" SourceId="rId10"/>
-            <mdssi:RelationshipReference xmlns:mdssi="http://schemas.openxmlformats.org/package/2006/digital-signature" SourceId="rId19"/>
-            <mdssi:RelationshipReference xmlns:mdssi="http://schemas.openxmlformats.org/package/2006/digital-signature" SourceId="rId31"/>
-            <mdssi:RelationshipReference xmlns:mdssi="http://schemas.openxmlformats.org/package/2006/digital-signature" SourceId="rId44"/>
-            <mdssi:RelationshipReference xmlns:mdssi="http://schemas.openxmlformats.org/package/2006/digital-signature" SourceId="rId4"/>
-            <mdssi:RelationshipReference xmlns:mdssi="http://schemas.openxmlformats.org/package/2006/digital-signature" SourceId="rId9"/>
-            <mdssi:RelationshipReference xmlns:mdssi="http://schemas.openxmlformats.org/package/2006/digital-signature" SourceId="rId14"/>
-            <mdssi:RelationshipReference xmlns:mdssi="http://schemas.openxmlformats.org/package/2006/digital-signature" SourceId="rId22"/>
-            <mdssi:RelationshipReference xmlns:mdssi="http://schemas.openxmlformats.org/package/2006/digital-signature" SourceId="rId27"/>
-            <mdssi:RelationshipReference xmlns:mdssi="http://schemas.openxmlformats.org/package/2006/digital-signature" SourceId="rId30"/>
-            <mdssi:RelationshipReference xmlns:mdssi="http://schemas.openxmlformats.org/package/2006/digital-signature" SourceId="rId35"/>
-            <mdssi:RelationshipReference xmlns:mdssi="http://schemas.openxmlformats.org/package/2006/digital-signature" SourceId="rId43"/>
-            <mdssi:RelationshipReference xmlns:mdssi="http://schemas.openxmlformats.org/package/2006/digital-signature" SourceId="rId8"/>
-            <mdssi:RelationshipReference xmlns:mdssi="http://schemas.openxmlformats.org/package/2006/digital-signature" SourceId="rId3"/>
-            <mdssi:RelationshipReference xmlns:mdssi="http://schemas.openxmlformats.org/package/2006/digital-signature" SourceId="rId12"/>
-            <mdssi:RelationshipReference xmlns:mdssi="http://schemas.openxmlformats.org/package/2006/digital-signature" SourceId="rId17"/>
-            <mdssi:RelationshipReference xmlns:mdssi="http://schemas.openxmlformats.org/package/2006/digital-signature" SourceId="rId25"/>
-            <mdssi:RelationshipReference xmlns:mdssi="http://schemas.openxmlformats.org/package/2006/digital-signature" SourceId="rId33"/>
-            <mdssi:RelationshipReference xmlns:mdssi="http://schemas.openxmlformats.org/package/2006/digital-signature" SourceId="rId38"/>
-            <mdssi:RelationshipReference xmlns:mdssi="http://schemas.openxmlformats.org/package/2006/digital-signature" SourceId="rId13"/>
-            <mdssi:RelationshipReference xmlns:mdssi="http://schemas.openxmlformats.org/package/2006/digital-signature" SourceId="rId18"/>
-            <mdssi:RelationshipReference xmlns:mdssi="http://schemas.openxmlformats.org/package/2006/digital-signature" SourceId="rId26"/>
-            <mdssi:RelationshipReference xmlns:mdssi="http://schemas.openxmlformats.org/package/2006/digital-signature" SourceId="rId39"/>
-            <mdssi:RelationshipReference xmlns:mdssi="http://schemas.openxmlformats.org/package/2006/digital-signature" SourceId="rId21"/>
-            <mdssi:RelationshipReference xmlns:mdssi="http://schemas.openxmlformats.org/package/2006/digital-signature" SourceId="rId34"/>
-            <mdssi:RelationshipReference xmlns:mdssi="http://schemas.openxmlformats.org/package/2006/digital-signature" SourceId="rId42"/>
-            <mdssi:RelationshipReference xmlns:mdssi="http://schemas.openxmlformats.org/package/2006/digital-signature" SourceId="rId7"/>
-            <mdssi:RelationshipReference xmlns:mdssi="http://schemas.openxmlformats.org/package/2006/digital-signature" SourceId="rId2"/>
-            <mdssi:RelationshipReference xmlns:mdssi="http://schemas.openxmlformats.org/package/2006/digital-signature" SourceId="rId16"/>
-          </Transform>
-          <Transform Algorithm="http://www.w3.org/TR/2001/REC-xml-c14n-20010315"/>
-        </Transforms>
-        <DigestMethod Algorithm="http://www.w3.org/2001/04/xmlenc#sha256"/>
-        <DigestValue>IYLkOCviH0XKSWwxS2PvUxmvdqMU50ZUyqm3BFAjVpM=</DigestValue>
-      </Reference>
-      <Reference URI="/ppt/media/image1.png?ContentType=image/png">
-        <DigestMethod Algorithm="http://www.w3.org/2001/04/xmlenc#sha256"/>
-        <DigestValue>WEaZz/nYwVqaYzwuoV4f7G2v4HfkJN587P5OpSfaYRg=</DigestValue>
-      </Reference>
-      <Reference URI="/ppt/media/image10.png?ContentType=image/png">
-        <DigestMethod Algorithm="http://www.w3.org/2001/04/xmlenc#sha256"/>
-        <DigestValue>pSo1WVu0y07q93hJovxcsQBzRlcd7mrY01r8HpF4fSc=</DigestValue>
-      </Reference>
-      <Reference URI="/ppt/media/image11.png?ContentType=image/png">
-        <DigestMethod Algorithm="http://www.w3.org/2001/04/xmlenc#sha256"/>
-        <DigestValue>qwv9G9IYaSHSh3AWPtjXJU1pkIv8u84F3dGvXjenjZQ=</DigestValue>
-      </Reference>
-      <Reference URI="/ppt/media/image12.png?ContentType=image/png">
-        <DigestMethod Algorithm="http://www.w3.org/2001/04/xmlenc#sha256"/>
-        <DigestValue>VGg6YibZ267ssoQjlDkGo+tfcNewhL35R8rO4e5rKts=</DigestValue>
-      </Reference>
-      <Reference URI="/ppt/media/image13.png?ContentType=image/png">
-        <DigestMethod Algorithm="http://www.w3.org/2001/04/xmlenc#sha256"/>
-        <DigestValue>05hNdVvxQJpSZKO+wFvjPCfwFvw72w6TGtW9QntAjIQ=</DigestValue>
-      </Reference>
-      <Reference URI="/ppt/media/image14.png?ContentType=image/png">
-        <DigestMethod Algorithm="http://www.w3.org/2001/04/xmlenc#sha256"/>
-        <DigestValue>LE3DLujg0E21KfMleWu6HUw9tRHojtPmozWIsbEzaUo=</DigestValue>
-      </Reference>
-      <Reference URI="/ppt/media/image2.png?ContentType=image/png">
-        <DigestMethod Algorithm="http://www.w3.org/2001/04/xmlenc#sha256"/>
-        <DigestValue>Jq5jjpFLNQpWdU5FNyViUj1KJ8erqqTWFk0s+jMpwW0=</DigestValue>
-      </Reference>
-      <Reference URI="/ppt/media/image3.png?ContentType=image/png">
-        <DigestMethod Algorithm="http://www.w3.org/2001/04/xmlenc#sha256"/>
-        <DigestValue>I+JawvcwNA3dlssEYB8qf26MA6A1/4CJqOiPUqCwYzg=</DigestValue>
-      </Reference>
-      <Reference URI="/ppt/media/image4.png?ContentType=image/png">
-        <DigestMethod Algorithm="http://www.w3.org/2001/04/xmlenc#sha256"/>
-        <DigestValue>ryv+mP2sQnFb5DXFEkygaKqwJYJVX1RuDz/noWBw7T8=</DigestValue>
-      </Reference>
-      <Reference URI="/ppt/media/image5.png?ContentType=image/png">
-        <DigestMethod Algorithm="http://www.w3.org/2001/04/xmlenc#sha256"/>
-        <DigestValue>icvtpefnvsWzmLlwZs8Ztukna3aXQZui3ZL39NwOS8o=</DigestValue>
-      </Reference>
-      <Reference URI="/ppt/media/image6.png?ContentType=image/png">
-        <DigestMethod Algorithm="http://www.w3.org/2001/04/xmlenc#sha256"/>
-        <DigestValue>kiFQ5ctDRGamgG7SadiTVMB4KlVbZLghQSROwFA6Big=</DigestValue>
-      </Reference>
-      <Reference URI="/ppt/media/image7.png?ContentType=image/png">
-        <DigestMethod Algorithm="http://www.w3.org/2001/04/xmlenc#sha256"/>
-        <DigestValue>zk8FGVMyZzcoFvfNN0NVsr/XlarBWqj/r6yHjAuK0KA=</DigestValue>
-      </Reference>
-      <Reference URI="/ppt/media/image8.png?ContentType=image/png">
-        <DigestMethod Algorithm="http://www.w3.org/2001/04/xmlenc#sha256"/>
-        <DigestValue>u8vVX+0wb7JslWpDsCX6qyuMJsdIt4iixPqqOW0o1Zw=</DigestValue>
-      </Reference>
-      <Reference URI="/ppt/media/image9.png?ContentType=image/png">
-        <DigestMethod Algorithm="http://www.w3.org/2001/04/xmlenc#sha256"/>
-        <DigestValue>gY0gtjrKh1ISZDwbf+h4GLkos53c56X2nBZWKR9DHg4=</DigestValue>
-      </Reference>
-      <Reference URI="/ppt/notesMasters/_rels/notesMaster1.xml.rels?ContentType=application/vnd.openxmlformats-package.relationships+xml">
-        <Transforms>
-          <Transform Algorithm="http://schemas.openxmlformats.org/package/2006/RelationshipTransform">
-            <mdssi:RelationshipReference xmlns:mdssi="http://schemas.openxmlformats.org/package/2006/digital-signature" SourceId="rId1"/>
-          </Transform>
-          <Transform Algorithm="http://www.w3.org/TR/2001/REC-xml-c14n-20010315"/>
-        </Transforms>
-        <DigestMethod Algorithm="http://www.w3.org/2001/04/xmlenc#sha256"/>
-        <DigestValue>/7uK4nOrjCm8I3MzWhp7br2N1LX5670v4kFsav/hBR0=</DigestValue>
-      </Reference>
-      <Reference URI="/ppt/notesMasters/notesMaster1.xml?ContentType=application/vnd.openxmlformats-officedocument.presentationml.notesMaster+xml">
-        <DigestMethod Algorithm="http://www.w3.org/2001/04/xmlenc#sha256"/>
-        <DigestValue>mtimdaYYMD/NR3dG9XfVdaZq/l325N+Yw1j/zWkMWIg=</DigestValue>
-      </Reference>
-      <Reference URI="/ppt/notesSlides/_rels/notesSlide1.xml.rels?ContentType=application/vnd.openxmlformats-package.relationships+xml">
-        <Transforms>
-          <Transform Algorithm="http://schemas.openxmlformats.org/package/2006/RelationshipTransform">
-            <mdssi:RelationshipReference xmlns:mdssi="http://schemas.openxmlformats.org/package/2006/digital-signature" SourceId="rId1"/>
-            <mdssi:RelationshipReference xmlns:mdssi="http://schemas.openxmlformats.org/package/2006/digital-signature" SourceId="rId2"/>
-          </Transform>
-          <Transform Algorithm="http://www.w3.org/TR/2001/REC-xml-c14n-20010315"/>
-        </Transforms>
-        <DigestMethod Algorithm="http://www.w3.org/2001/04/xmlenc#sha256"/>
-        <DigestValue>jFniGvVtA0NSLNI24q2r1LBr6WcXEvqP9rRbsxiSG+M=</DigestValue>
-      </Reference>
-      <Reference URI="/ppt/notesSlides/_rels/notesSlide10.xml.rels?ContentType=application/vnd.openxmlformats-package.relationships+xml">
-        <Transforms>
-          <Transform Algorithm="http://schemas.openxmlformats.org/package/2006/RelationshipTransform">
-            <mdssi:RelationshipReference xmlns:mdssi="http://schemas.openxmlformats.org/package/2006/digital-signature" SourceId="rId2"/>
-            <mdssi:RelationshipReference xmlns:mdssi="http://schemas.openxmlformats.org/package/2006/digital-signature" SourceId="rId1"/>
-          </Transform>
-          <Transform Algorithm="http://www.w3.org/TR/2001/REC-xml-c14n-20010315"/>
-        </Transforms>
-        <DigestMethod Algorithm="http://www.w3.org/2001/04/xmlenc#sha256"/>
-        <DigestValue>K8CBxbUk1rzqa+qGzaG/pC/vD6OYoHFddWgtAEYLUvI=</DigestValue>
-      </Reference>
-      <Reference URI="/ppt/notesSlides/_rels/notesSlide11.xml.rels?ContentType=application/vnd.openxmlformats-package.relationships+xml">
-        <Transforms>
-          <Transform Algorithm="http://schemas.openxmlformats.org/package/2006/RelationshipTransform">
-            <mdssi:RelationshipReference xmlns:mdssi="http://schemas.openxmlformats.org/package/2006/digital-signature" SourceId="rId1"/>
-            <mdssi:RelationshipReference xmlns:mdssi="http://schemas.openxmlformats.org/package/2006/digital-signature" SourceId="rId2"/>
-          </Transform>
-          <Transform Algorithm="http://www.w3.org/TR/2001/REC-xml-c14n-20010315"/>
-        </Transforms>
-        <DigestMethod Algorithm="http://www.w3.org/2001/04/xmlenc#sha256"/>
-        <DigestValue>JkOTx8rEbTf4amXHbGeDgjs7ThzFF2NE0SPhhICOReM=</DigestValue>
-      </Reference>
-      <Reference URI="/ppt/notesSlides/_rels/notesSlide2.xml.rels?ContentType=application/vnd.openxmlformats-package.relationships+xml">
-        <Transforms>
-          <Transform Algorithm="http://schemas.openxmlformats.org/package/2006/RelationshipTransform">
-            <mdssi:RelationshipReference xmlns:mdssi="http://schemas.openxmlformats.org/package/2006/digital-signature" SourceId="rId2"/>
-            <mdssi:RelationshipReference xmlns:mdssi="http://schemas.openxmlformats.org/package/2006/digital-signature" SourceId="rId1"/>
-          </Transform>
-          <Transform Algorithm="http://www.w3.org/TR/2001/REC-xml-c14n-20010315"/>
-        </Transforms>
-        <DigestMethod Algorithm="http://www.w3.org/2001/04/xmlenc#sha256"/>
-        <DigestValue>1BPyxV6TIsv5NtdZK1om2m/RRp1hV/nvbBALZDOKFX8=</DigestValue>
-      </Reference>
-      <Reference URI="/ppt/notesSlides/_rels/notesSlide3.xml.rels?ContentType=application/vnd.openxmlformats-package.relationships+xml">
-        <Transforms>
-          <Transform Algorithm="http://schemas.openxmlformats.org/package/2006/RelationshipTransform">
-            <mdssi:RelationshipReference xmlns:mdssi="http://schemas.openxmlformats.org/package/2006/digital-signature" SourceId="rId2"/>
-            <mdssi:RelationshipReference xmlns:mdssi="http://schemas.openxmlformats.org/package/2006/digital-signature" SourceId="rId1"/>
-          </Transform>
-          <Transform Algorithm="http://www.w3.org/TR/2001/REC-xml-c14n-20010315"/>
-        </Transforms>
-        <DigestMethod Algorithm="http://www.w3.org/2001/04/xmlenc#sha256"/>
-        <DigestValue>D8tyBQjvU+Q5thsQmy3m+/ofh38IpbSB5zSCD0wa9Zk=</DigestValue>
-      </Reference>
-      <Reference URI="/ppt/notesSlides/_rels/notesSlide4.xml.rels?ContentType=application/vnd.openxmlformats-package.relationships+xml">
-        <Transforms>
-          <Transform Algorithm="http://schemas.openxmlformats.org/package/2006/RelationshipTransform">
-            <mdssi:RelationshipReference xmlns:mdssi="http://schemas.openxmlformats.org/package/2006/digital-signature" SourceId="rId1"/>
-            <mdssi:RelationshipReference xmlns:mdssi="http://schemas.openxmlformats.org/package/2006/digital-signature" SourceId="rId2"/>
-          </Transform>
-          <Transform Algorithm="http://www.w3.org/TR/2001/REC-xml-c14n-20010315"/>
-        </Transforms>
-        <DigestMethod Algorithm="http://www.w3.org/2001/04/xmlenc#sha256"/>
-        <DigestValue>yhjGUjt8ajV5Zd6z9pbrpn4/WE7rgXZzOyPe5QYJOro=</DigestValue>
-      </Reference>
-      <Reference URI="/ppt/notesSlides/_rels/notesSlide5.xml.rels?ContentType=application/vnd.openxmlformats-package.relationships+xml">
-        <Transforms>
-          <Transform Algorithm="http://schemas.openxmlformats.org/package/2006/RelationshipTransform">
-            <mdssi:RelationshipReference xmlns:mdssi="http://schemas.openxmlformats.org/package/2006/digital-signature" SourceId="rId2"/>
-            <mdssi:RelationshipReference xmlns:mdssi="http://schemas.openxmlformats.org/package/2006/digital-signature" SourceId="rId1"/>
-          </Transform>
-          <Transform Algorithm="http://www.w3.org/TR/2001/REC-xml-c14n-20010315"/>
-        </Transforms>
-        <DigestMethod Algorithm="http://www.w3.org/2001/04/xmlenc#sha256"/>
-        <DigestValue>i+FrAvxhHT3cCNFbBxD2H3L57k+hxd67gErQe5vuJ6U=</DigestValue>
-      </Reference>
-      <Reference URI="/ppt/notesSlides/_rels/notesSlide6.xml.rels?ContentType=application/vnd.openxmlformats-package.relationships+xml">
-        <Transforms>
-          <Transform Algorithm="http://schemas.openxmlformats.org/package/2006/RelationshipTransform">
-            <mdssi:RelationshipReference xmlns:mdssi="http://schemas.openxmlformats.org/package/2006/digital-signature" SourceId="rId1"/>
-            <mdssi:RelationshipReference xmlns:mdssi="http://schemas.openxmlformats.org/package/2006/digital-signature" SourceId="rId2"/>
-          </Transform>
-          <Transform Algorithm="http://www.w3.org/TR/2001/REC-xml-c14n-20010315"/>
-        </Transforms>
-        <DigestMethod Algorithm="http://www.w3.org/2001/04/xmlenc#sha256"/>
-        <DigestValue>s8g/ZC/uqsf/IBoj9/VN+fZUAehwA6omrEUOQxhQkkY=</DigestValue>
-      </Reference>
-      <Reference URI="/ppt/notesSlides/_rels/notesSlide7.xml.rels?ContentType=application/vnd.openxmlformats-package.relationships+xml">
-        <Transforms>
-          <Transform Algorithm="http://schemas.openxmlformats.org/package/2006/RelationshipTransform">
-            <mdssi:RelationshipReference xmlns:mdssi="http://schemas.openxmlformats.org/package/2006/digital-signature" SourceId="rId1"/>
-            <mdssi:RelationshipReference xmlns:mdssi="http://schemas.openxmlformats.org/package/2006/digital-signature" SourceId="rId2"/>
-          </Transform>
-          <Transform Algorithm="http://www.w3.org/TR/2001/REC-xml-c14n-20010315"/>
-        </Transforms>
-        <DigestMethod Algorithm="http://www.w3.org/2001/04/xmlenc#sha256"/>
-        <DigestValue>WFHvhRmtKCpfkeSadLvgekzdbahW5E/SVw/MPVz6XAA=</DigestValue>
-      </Reference>
-      <Reference URI="/ppt/notesSlides/_rels/notesSlide8.xml.rels?ContentType=application/vnd.openxmlformats-package.relationships+xml">
-        <Transforms>
-          <Transform Algorithm="http://schemas.openxmlformats.org/package/2006/RelationshipTransform">
-            <mdssi:RelationshipReference xmlns:mdssi="http://schemas.openxmlformats.org/package/2006/digital-signature" SourceId="rId2"/>
-            <mdssi:RelationshipReference xmlns:mdssi="http://schemas.openxmlformats.org/package/2006/digital-signature" SourceId="rId1"/>
-          </Transform>
-          <Transform Algorithm="http://www.w3.org/TR/2001/REC-xml-c14n-20010315"/>
-        </Transforms>
-        <DigestMethod Algorithm="http://www.w3.org/2001/04/xmlenc#sha256"/>
-        <DigestValue>HWwDitQWX70j1vQnQqYdij8ask0bnJI7tuLDmUCfi8A=</DigestValue>
-      </Reference>
-      <Reference URI="/ppt/notesSlides/_rels/notesSlide9.xml.rels?ContentType=application/vnd.openxmlformats-package.relationships+xml">
-        <Transforms>
-          <Transform Algorithm="http://schemas.openxmlformats.org/package/2006/RelationshipTransform">
-            <mdssi:RelationshipReference xmlns:mdssi="http://schemas.openxmlformats.org/package/2006/digital-signature" SourceId="rId2"/>
-            <mdssi:RelationshipReference xmlns:mdssi="http://schemas.openxmlformats.org/package/2006/digital-signature" SourceId="rId1"/>
-          </Transform>
-          <Transform Algorithm="http://www.w3.org/TR/2001/REC-xml-c14n-20010315"/>
-        </Transforms>
-        <DigestMethod Algorithm="http://www.w3.org/2001/04/xmlenc#sha256"/>
-        <DigestValue>Ed3zPeNuVzXRESxzUwE4OP9OiSL7CIOf9qEZcaoISDI=</DigestValue>
-      </Reference>
-      <Reference URI="/ppt/notesSlides/notesSlide1.xml?ContentType=application/vnd.openxmlformats-officedocument.presentationml.notesSlide+xml">
-        <DigestMethod Algorithm="http://www.w3.org/2001/04/xmlenc#sha256"/>
-        <DigestValue>19FxATGGUr85+IYB/nm7LE1Df6I9D9M8Gffv5muPPAI=</DigestValue>
-      </Reference>
-      <Reference URI="/ppt/notesSlides/notesSlide10.xml?ContentType=application/vnd.openxmlformats-officedocument.presentationml.notesSlide+xml">
-        <DigestMethod Algorithm="http://www.w3.org/2001/04/xmlenc#sha256"/>
-        <DigestValue>7L7+6ytmsXIdp/7zwUYqtecpKgqjcdXssmUUR/cwWYo=</DigestValue>
-      </Reference>
-      <Reference URI="/ppt/notesSlides/notesSlide11.xml?ContentType=application/vnd.openxmlformats-officedocument.presentationml.notesSlide+xml">
-        <DigestMethod Algorithm="http://www.w3.org/2001/04/xmlenc#sha256"/>
-        <DigestValue>T8PnqZVMI30WJyDHNsqf3cymAPnLpDkXGSrPMnY0ixg=</DigestValue>
-      </Reference>
-      <Reference URI="/ppt/notesSlides/notesSlide2.xml?ContentType=application/vnd.openxmlformats-officedocument.presentationml.notesSlide+xml">
-        <DigestMethod Algorithm="http://www.w3.org/2001/04/xmlenc#sha256"/>
-        <DigestValue>mRYhSyK76BTg+RmJYc6B2QenBbVEbukWMNw8wkbAk1Q=</DigestValue>
-      </Reference>
-      <Reference URI="/ppt/notesSlides/notesSlide3.xml?ContentType=application/vnd.openxmlformats-officedocument.presentationml.notesSlide+xml">
-        <DigestMethod Algorithm="http://www.w3.org/2001/04/xmlenc#sha256"/>
-        <DigestValue>kOCZMb6PS2Fzb1xEHgCxFDxjSJtJWuldKzJN0bW/Qtk=</DigestValue>
-      </Reference>
-      <Reference URI="/ppt/notesSlides/notesSlide4.xml?ContentType=application/vnd.openxmlformats-officedocument.presentationml.notesSlide+xml">
-        <DigestMethod Algorithm="http://www.w3.org/2001/04/xmlenc#sha256"/>
-        <DigestValue>jjP0u8pOaqre+Yb8ax3kNiNGVPMxgtMKjNPovSXN8pw=</DigestValue>
-      </Reference>
-      <Reference URI="/ppt/notesSlides/notesSlide5.xml?ContentType=application/vnd.openxmlformats-officedocument.presentationml.notesSlide+xml">
-        <DigestMethod Algorithm="http://www.w3.org/2001/04/xmlenc#sha256"/>
-        <DigestValue>4B4end6ab6szAF3kXgYGuAUTAMyN2/0qRWN5NnZVRBA=</DigestValue>
-      </Reference>
-      <Reference URI="/ppt/notesSlides/notesSlide6.xml?ContentType=application/vnd.openxmlformats-officedocument.presentationml.notesSlide+xml">
-        <DigestMethod Algorithm="http://www.w3.org/2001/04/xmlenc#sha256"/>
-        <DigestValue>UcyFFZRAqAEWi0fqP++ogY0Q/Ied1B4m6ZTxOp+DpEk=</DigestValue>
-      </Reference>
-      <Reference URI="/ppt/notesSlides/notesSlide7.xml?ContentType=application/vnd.openxmlformats-officedocument.presentationml.notesSlide+xml">
-        <DigestMethod Algorithm="http://www.w3.org/2001/04/xmlenc#sha256"/>
-        <DigestValue>ClpwY2bzOP/xuN6pDIBP4tGgouCce1c+T4inE/4O+3U=</DigestValue>
-      </Reference>
-      <Reference URI="/ppt/notesSlides/notesSlide8.xml?ContentType=application/vnd.openxmlformats-officedocument.presentationml.notesSlide+xml">
-        <DigestMethod Algorithm="http://www.w3.org/2001/04/xmlenc#sha256"/>
-        <DigestValue>wGwYgCze9oYTy0aDgODYWOSX0h27ns7Nz1mKgIMf7GU=</DigestValue>
-      </Reference>
-      <Reference URI="/ppt/notesSlides/notesSlide9.xml?ContentType=application/vnd.openxmlformats-officedocument.presentationml.notesSlide+xml">
-        <DigestMethod Algorithm="http://www.w3.org/2001/04/xmlenc#sha256"/>
-        <DigestValue>kQtH4eLNh9rF7EodUNTyNhieYIYM+9G6mUtG2nTTBVc=</DigestValue>
-      </Reference>
-      <Reference URI="/ppt/presentation.xml?ContentType=application/vnd.openxmlformats-officedocument.presentationml.presentation.main+xml">
-        <DigestMethod Algorithm="http://www.w3.org/2001/04/xmlenc#sha256"/>
-        <DigestValue>iGrBAoqf61Tkyo5snRubrmo/Hax5r9wPKsK679yGWFc=</DigestValue>
-      </Reference>
-      <Reference URI="/ppt/presProps.xml?ContentType=application/vnd.openxmlformats-officedocument.presentationml.presProps+xml">
-        <DigestMethod Algorithm="http://www.w3.org/2001/04/xmlenc#sha256"/>
-        <DigestValue>zRLSKsmjgl/2dypwfNHmf5zibrKq8xYCNGmhawKFL4U=</DigestValue>
-      </Reference>
-      <Reference URI="/ppt/revisionInfo.xml?ContentType=application/vnd.ms-powerpoint.revisioninfo+xml">
-        <DigestMethod Algorithm="http://www.w3.org/2001/04/xmlenc#sha256"/>
-        <DigestValue>qjiV3Hyl5M2H57e7uN6S+VAqY6lIkWf+gUOG5FQk5cY=</DigestValue>
-      </Reference>
-      <Reference URI="/ppt/slideLayouts/_rels/slideLayout1.xml.rels?ContentType=application/vnd.openxmlformats-package.relationships+xml">
-        <Transforms>
-          <Transform Algorithm="http://schemas.openxmlformats.org/package/2006/RelationshipTransform">
-            <mdssi:RelationshipReference xmlns:mdssi="http://schemas.openxmlformats.org/package/2006/digital-signature" SourceId="rId2"/>
-            <mdssi:RelationshipReference xmlns:mdssi="http://schemas.openxmlformats.org/package/2006/digital-signature" SourceId="rId1"/>
-            <mdssi:RelationshipReference xmlns:mdssi="http://schemas.openxmlformats.org/package/2006/digital-signature" SourceId="rId3"/>
-          </Transform>
-          <Transform Algorithm="http://www.w3.org/TR/2001/REC-xml-c14n-20010315"/>
-        </Transforms>
-        <DigestMethod Algorithm="http://www.w3.org/2001/04/xmlenc#sha256"/>
-        <DigestValue>nKllw4Bqm7qnkfwdA/v5adY1VCE2mALaGcs0RkOdQrI=</DigestValue>
-      </Reference>
-      <Reference URI="/ppt/slideLayouts/_rels/slideLayout10.xml.rels?ContentType=application/vnd.openxmlformats-package.relationships+xml">
-        <Transforms>
-          <Transform Algorithm="http://schemas.openxmlformats.org/package/2006/RelationshipTransform">
-            <mdssi:RelationshipReference xmlns:mdssi="http://schemas.openxmlformats.org/package/2006/digital-signature" SourceId="rId1"/>
-            <mdssi:RelationshipReference xmlns:mdssi="http://schemas.openxmlformats.org/package/2006/digital-signature" SourceId="rId3"/>
-            <mdssi:RelationshipReference xmlns:mdssi="http://schemas.openxmlformats.org/package/2006/digital-signature" SourceId="rId2"/>
-          </Transform>
-          <Transform Algorithm="http://www.w3.org/TR/2001/REC-xml-c14n-20010315"/>
-        </Transforms>
-        <DigestMethod Algorithm="http://www.w3.org/2001/04/xmlenc#sha256"/>
-        <DigestValue>nKllw4Bqm7qnkfwdA/v5adY1VCE2mALaGcs0RkOdQrI=</DigestValue>
-      </Reference>
-      <Reference URI="/ppt/slideLayouts/_rels/slideLayout11.xml.rels?ContentType=application/vnd.openxmlformats-package.relationships+xml">
-        <Transforms>
-          <Transform Algorithm="http://schemas.openxmlformats.org/package/2006/RelationshipTransform">
-            <mdssi:RelationshipReference xmlns:mdssi="http://schemas.openxmlformats.org/package/2006/digital-signature" SourceId="rId2"/>
-            <mdssi:RelationshipReference xmlns:mdssi="http://schemas.openxmlformats.org/package/2006/digital-signature" SourceId="rId1"/>
-            <mdssi:RelationshipReference xmlns:mdssi="http://schemas.openxmlformats.org/package/2006/digital-signature" SourceId="rId3"/>
-          </Transform>
-          <Transform Algorithm="http://www.w3.org/TR/2001/REC-xml-c14n-20010315"/>
-        </Transforms>
-        <DigestMethod Algorithm="http://www.w3.org/2001/04/xmlenc#sha256"/>
-        <DigestValue>nKllw4Bqm7qnkfwdA/v5adY1VCE2mALaGcs0RkOdQrI=</DigestValue>
-      </Reference>
-      <Reference URI="/ppt/slideLayouts/_rels/slideLayout12.xml.rels?ContentType=application/vnd.openxmlformats-package.relationships+xml">
-        <Transforms>
-          <Transform Algorithm="http://schemas.openxmlformats.org/package/2006/RelationshipTransform">
-            <mdssi:RelationshipReference xmlns:mdssi="http://schemas.openxmlformats.org/package/2006/digital-signature" SourceId="rId3"/>
-            <mdssi:RelationshipReference xmlns:mdssi="http://schemas.openxmlformats.org/package/2006/digital-signature" SourceId="rId2"/>
-            <mdssi:RelationshipReference xmlns:mdssi="http://schemas.openxmlformats.org/package/2006/digital-signature" SourceId="rId1"/>
-          </Transform>
-          <Transform Algorithm="http://www.w3.org/TR/2001/REC-xml-c14n-20010315"/>
-        </Transforms>
-        <DigestMethod Algorithm="http://www.w3.org/2001/04/xmlenc#sha256"/>
-        <DigestValue>nKllw4Bqm7qnkfwdA/v5adY1VCE2mALaGcs0RkOdQrI=</DigestValue>
-      </Reference>
-      <Reference URI="/ppt/slideLayouts/_rels/slideLayout13.xml.rels?ContentType=application/vnd.openxmlformats-package.relationships+xml">
-        <Transforms>
-          <Transform Algorithm="http://schemas.openxmlformats.org/package/2006/RelationshipTransform">
-            <mdssi:RelationshipReference xmlns:mdssi="http://schemas.openxmlformats.org/package/2006/digital-signature" SourceId="rId1"/>
-            <mdssi:RelationshipReference xmlns:mdssi="http://schemas.openxmlformats.org/package/2006/digital-signature" SourceId="rId3"/>
-            <mdssi:RelationshipReference xmlns:mdssi="http://schemas.openxmlformats.org/package/2006/digital-signature" SourceId="rId2"/>
-          </Transform>
-          <Transform Algorithm="http://www.w3.org/TR/2001/REC-xml-c14n-20010315"/>
-        </Transforms>
-        <DigestMethod Algorithm="http://www.w3.org/2001/04/xmlenc#sha256"/>
-        <DigestValue>nKllw4Bqm7qnkfwdA/v5adY1VCE2mALaGcs0RkOdQrI=</DigestValue>
-      </Reference>
-      <Reference URI="/ppt/slideLayouts/_rels/slideLayout14.xml.rels?ContentType=application/vnd.openxmlformats-package.relationships+xml">
-        <Transforms>
-          <Transform Algorithm="http://schemas.openxmlformats.org/package/2006/RelationshipTransform">
-            <mdssi:RelationshipReference xmlns:mdssi="http://schemas.openxmlformats.org/package/2006/digital-signature" SourceId="rId2"/>
-            <mdssi:RelationshipReference xmlns:mdssi="http://schemas.openxmlformats.org/package/2006/digital-signature" SourceId="rId1"/>
-            <mdssi:RelationshipReference xmlns:mdssi="http://schemas.openxmlformats.org/package/2006/digital-signature" SourceId="rId3"/>
-          </Transform>
-          <Transform Algorithm="http://www.w3.org/TR/2001/REC-xml-c14n-20010315"/>
-        </Transforms>
-        <DigestMethod Algorithm="http://www.w3.org/2001/04/xmlenc#sha256"/>
-        <DigestValue>nKllw4Bqm7qnkfwdA/v5adY1VCE2mALaGcs0RkOdQrI=</DigestValue>
-      </Reference>
-      <Reference URI="/ppt/slideLayouts/_rels/slideLayout15.xml.rels?ContentType=application/vnd.openxmlformats-package.relationships+xml">
-        <Transforms>
-          <Transform Algorithm="http://schemas.openxmlformats.org/package/2006/RelationshipTransform">
-            <mdssi:RelationshipReference xmlns:mdssi="http://schemas.openxmlformats.org/package/2006/digital-signature" SourceId="rId2"/>
-            <mdssi:RelationshipReference xmlns:mdssi="http://schemas.openxmlformats.org/package/2006/digital-signature" SourceId="rId1"/>
-            <mdssi:RelationshipReference xmlns:mdssi="http://schemas.openxmlformats.org/package/2006/digital-signature" SourceId="rId3"/>
-          </Transform>
-          <Transform Algorithm="http://www.w3.org/TR/2001/REC-xml-c14n-20010315"/>
-        </Transforms>
-        <DigestMethod Algorithm="http://www.w3.org/2001/04/xmlenc#sha256"/>
-        <DigestValue>nKllw4Bqm7qnkfwdA/v5adY1VCE2mALaGcs0RkOdQrI=</DigestValue>
-      </Reference>
-      <Reference URI="/ppt/slideLayouts/_rels/slideLayout16.xml.rels?ContentType=application/vnd.openxmlformats-package.relationships+xml">
-        <Transforms>
-          <Transform Algorithm="http://schemas.openxmlformats.org/package/2006/RelationshipTransform">
-            <mdssi:RelationshipReference xmlns:mdssi="http://schemas.openxmlformats.org/package/2006/digital-signature" SourceId="rId3"/>
-            <mdssi:RelationshipReference xmlns:mdssi="http://schemas.openxmlformats.org/package/2006/digital-signature" SourceId="rId2"/>
-            <mdssi:RelationshipReference xmlns:mdssi="http://schemas.openxmlformats.org/package/2006/digital-signature" SourceId="rId1"/>
-          </Transform>
-          <Transform Algorithm="http://www.w3.org/TR/2001/REC-xml-c14n-20010315"/>
-        </Transforms>
-        <DigestMethod Algorithm="http://www.w3.org/2001/04/xmlenc#sha256"/>
-        <DigestValue>nKllw4Bqm7qnkfwdA/v5adY1VCE2mALaGcs0RkOdQrI=</DigestValue>
-      </Reference>
-      <Reference URI="/ppt/slideLayouts/_rels/slideLayout17.xml.rels?ContentType=application/vnd.openxmlformats-package.relationships+xml">
-        <Transforms>
-          <Transform Algorithm="http://schemas.openxmlformats.org/package/2006/RelationshipTransform">
-            <mdssi:RelationshipReference xmlns:mdssi="http://schemas.openxmlformats.org/package/2006/digital-signature" SourceId="rId1"/>
-          </Transform>
-          <Transform Algorithm="http://www.w3.org/TR/2001/REC-xml-c14n-20010315"/>
-        </Transforms>
-        <DigestMethod Algorithm="http://www.w3.org/2001/04/xmlenc#sha256"/>
-        <DigestValue>FfOTYs5qPsP9kqr29v088r9Qteu7RHAHwl1tK5oOaCM=</DigestValue>
-      </Reference>
-      <Reference URI="/ppt/slideLayouts/_rels/slideLayout2.xml.rels?ContentType=application/vnd.openxmlformats-package.relationships+xml">
-        <Transforms>
-          <Transform Algorithm="http://schemas.openxmlformats.org/package/2006/RelationshipTransform">
-            <mdssi:RelationshipReference xmlns:mdssi="http://schemas.openxmlformats.org/package/2006/digital-signature" SourceId="rId3"/>
-            <mdssi:RelationshipReference xmlns:mdssi="http://schemas.openxmlformats.org/package/2006/digital-signature" SourceId="rId2"/>
-            <mdssi:RelationshipReference xmlns:mdssi="http://schemas.openxmlformats.org/package/2006/digital-signature" SourceId="rId1"/>
-          </Transform>
-          <Transform Algorithm="http://www.w3.org/TR/2001/REC-xml-c14n-20010315"/>
-        </Transforms>
-        <DigestMethod Algorithm="http://www.w3.org/2001/04/xmlenc#sha256"/>
-        <DigestValue>nKllw4Bqm7qnkfwdA/v5adY1VCE2mALaGcs0RkOdQrI=</DigestValue>
-      </Reference>
-      <Reference URI="/ppt/slideLayouts/_rels/slideLayout3.xml.rels?ContentType=application/vnd.openxmlformats-package.relationships+xml">
-        <Transforms>
-          <Transform Algorithm="http://schemas.openxmlformats.org/package/2006/RelationshipTransform">
-            <mdssi:RelationshipReference xmlns:mdssi="http://schemas.openxmlformats.org/package/2006/digital-signature" SourceId="rId1"/>
-            <mdssi:RelationshipReference xmlns:mdssi="http://schemas.openxmlformats.org/package/2006/digital-signature" SourceId="rId3"/>
-            <mdssi:RelationshipReference xmlns:mdssi="http://schemas.openxmlformats.org/package/2006/digital-signature" SourceId="rId2"/>
-          </Transform>
-          <Transform Algorithm="http://www.w3.org/TR/2001/REC-xml-c14n-20010315"/>
-        </Transforms>
-        <DigestMethod Algorithm="http://www.w3.org/2001/04/xmlenc#sha256"/>
-        <DigestValue>nKllw4Bqm7qnkfwdA/v5adY1VCE2mALaGcs0RkOdQrI=</DigestValue>
-      </Reference>
-      <Reference URI="/ppt/slideLayouts/_rels/slideLayout4.xml.rels?ContentType=application/vnd.openxmlformats-package.relationships+xml">
-        <Transforms>
-          <Transform Algorithm="http://schemas.openxmlformats.org/package/2006/RelationshipTransform">
-            <mdssi:RelationshipReference xmlns:mdssi="http://schemas.openxmlformats.org/package/2006/digital-signature" SourceId="rId2"/>
-            <mdssi:RelationshipReference xmlns:mdssi="http://schemas.openxmlformats.org/package/2006/digital-signature" SourceId="rId1"/>
-            <mdssi:RelationshipReference xmlns:mdssi="http://schemas.openxmlformats.org/package/2006/digital-signature" SourceId="rId3"/>
-          </Transform>
-          <Transform Algorithm="http://www.w3.org/TR/2001/REC-xml-c14n-20010315"/>
-        </Transforms>
-        <DigestMethod Algorithm="http://www.w3.org/2001/04/xmlenc#sha256"/>
-        <DigestValue>nKllw4Bqm7qnkfwdA/v5adY1VCE2mALaGcs0RkOdQrI=</DigestValue>
-      </Reference>
-      <Reference URI="/ppt/slideLayouts/_rels/slideLayout5.xml.rels?ContentType=application/vnd.openxmlformats-package.relationships+xml">
-        <Transforms>
-          <Transform Algorithm="http://schemas.openxmlformats.org/package/2006/RelationshipTransform">
-            <mdssi:RelationshipReference xmlns:mdssi="http://schemas.openxmlformats.org/package/2006/digital-signature" SourceId="rId2"/>
-            <mdssi:RelationshipReference xmlns:mdssi="http://schemas.openxmlformats.org/package/2006/digital-signature" SourceId="rId1"/>
-            <mdssi:RelationshipReference xmlns:mdssi="http://schemas.openxmlformats.org/package/2006/digital-signature" SourceId="rId3"/>
-          </Transform>
-          <Transform Algorithm="http://www.w3.org/TR/2001/REC-xml-c14n-20010315"/>
-        </Transforms>
-        <DigestMethod Algorithm="http://www.w3.org/2001/04/xmlenc#sha256"/>
-        <DigestValue>nKllw4Bqm7qnkfwdA/v5adY1VCE2mALaGcs0RkOdQrI=</DigestValue>
-      </Reference>
-      <Reference URI="/ppt/slideLayouts/_rels/slideLayout6.xml.rels?ContentType=application/vnd.openxmlformats-package.relationships+xml">
-        <Transforms>
-          <Transform Algorithm="http://schemas.openxmlformats.org/package/2006/RelationshipTransform">
-            <mdssi:RelationshipReference xmlns:mdssi="http://schemas.openxmlformats.org/package/2006/digital-signature" SourceId="rId2"/>
-            <mdssi:RelationshipReference xmlns:mdssi="http://schemas.openxmlformats.org/package/2006/digital-signature" SourceId="rId1"/>
-            <mdssi:RelationshipReference xmlns:mdssi="http://schemas.openxmlformats.org/package/2006/digital-signature" SourceId="rId3"/>
-          </Transform>
-          <Transform Algorithm="http://www.w3.org/TR/2001/REC-xml-c14n-20010315"/>
-        </Transforms>
-        <DigestMethod Algorithm="http://www.w3.org/2001/04/xmlenc#sha256"/>
-        <DigestValue>nKllw4Bqm7qnkfwdA/v5adY1VCE2mALaGcs0RkOdQrI=</DigestValue>
-      </Reference>
-      <Reference URI="/ppt/slideLayouts/_rels/slideLayout7.xml.rels?ContentType=application/vnd.openxmlformats-package.relationships+xml">
-        <Transforms>
-          <Transform Algorithm="http://schemas.openxmlformats.org/package/2006/RelationshipTransform">
-            <mdssi:RelationshipReference xmlns:mdssi="http://schemas.openxmlformats.org/package/2006/digital-signature" SourceId="rId1"/>
-            <mdssi:RelationshipReference xmlns:mdssi="http://schemas.openxmlformats.org/package/2006/digital-signature" SourceId="rId2"/>
-          </Transform>
-          <Transform Algorithm="http://www.w3.org/TR/2001/REC-xml-c14n-20010315"/>
-        </Transforms>
-        <DigestMethod Algorithm="http://www.w3.org/2001/04/xmlenc#sha256"/>
-        <DigestValue>lVOleSeoZ0FkCQXgRD2ZErhRIWmmCB/82qLGUuCrArQ=</DigestValue>
-      </Reference>
-      <Reference URI="/ppt/slideLayouts/_rels/slideLayout8.xml.rels?ContentType=application/vnd.openxmlformats-package.relationships+xml">
-        <Transforms>
-          <Transform Algorithm="http://schemas.openxmlformats.org/package/2006/RelationshipTransform">
-            <mdssi:RelationshipReference xmlns:mdssi="http://schemas.openxmlformats.org/package/2006/digital-signature" SourceId="rId1"/>
-            <mdssi:RelationshipReference xmlns:mdssi="http://schemas.openxmlformats.org/package/2006/digital-signature" SourceId="rId3"/>
-            <mdssi:RelationshipReference xmlns:mdssi="http://schemas.openxmlformats.org/package/2006/digital-signature" SourceId="rId2"/>
-          </Transform>
-          <Transform Algorithm="http://www.w3.org/TR/2001/REC-xml-c14n-20010315"/>
-        </Transforms>
-        <DigestMethod Algorithm="http://www.w3.org/2001/04/xmlenc#sha256"/>
-        <DigestValue>nKllw4Bqm7qnkfwdA/v5adY1VCE2mALaGcs0RkOdQrI=</DigestValue>
-      </Reference>
-      <Reference URI="/ppt/slideLayouts/_rels/slideLayout9.xml.rels?ContentType=application/vnd.openxmlformats-package.relationships+xml">
-        <Transforms>
-          <Transform Algorithm="http://schemas.openxmlformats.org/package/2006/RelationshipTransform">
-            <mdssi:RelationshipReference xmlns:mdssi="http://schemas.openxmlformats.org/package/2006/digital-signature" SourceId="rId3"/>
-            <mdssi:RelationshipReference xmlns:mdssi="http://schemas.openxmlformats.org/package/2006/digital-signature" SourceId="rId2"/>
-            <mdssi:RelationshipReference xmlns:mdssi="http://schemas.openxmlformats.org/package/2006/digital-signature" SourceId="rId1"/>
-          </Transform>
-          <Transform Algorithm="http://www.w3.org/TR/2001/REC-xml-c14n-20010315"/>
-        </Transforms>
-        <DigestMethod Algorithm="http://www.w3.org/2001/04/xmlenc#sha256"/>
-        <DigestValue>nKllw4Bqm7qnkfwdA/v5adY1VCE2mALaGcs0RkOdQrI=</DigestValue>
-      </Reference>
-      <Reference URI="/ppt/slideLayouts/slideLayout1.xml?ContentType=application/vnd.openxmlformats-officedocument.presentationml.slideLayout+xml">
-        <DigestMethod Algorithm="http://www.w3.org/2001/04/xmlenc#sha256"/>
-        <DigestValue>jW99qlqoXlAlSdXYLrFD1D3Htsig2LaTjijC1ypnhms=</DigestValue>
-      </Reference>
-      <Reference URI="/ppt/slideLayouts/slideLayout10.xml?ContentType=application/vnd.openxmlformats-officedocument.presentationml.slideLayout+xml">
-        <DigestMethod Algorithm="http://www.w3.org/2001/04/xmlenc#sha256"/>
-        <DigestValue>JbBOyWdtA7+Hn51pyVdjXCvViquFo6d9MjVJpCj/FGE=</DigestValue>
-      </Reference>
-      <Reference URI="/ppt/slideLayouts/slideLayout11.xml?ContentType=application/vnd.openxmlformats-officedocument.presentationml.slideLayout+xml">
-        <DigestMethod Algorithm="http://www.w3.org/2001/04/xmlenc#sha256"/>
-        <DigestValue>SdqeAe6qix4Ey+fAcFfyb3l5J20LS3XJ9pN2b+hONKI=</DigestValue>
-      </Reference>
-      <Reference URI="/ppt/slideLayouts/slideLayout12.xml?ContentType=application/vnd.openxmlformats-officedocument.presentationml.slideLayout+xml">
-        <DigestMethod Algorithm="http://www.w3.org/2001/04/xmlenc#sha256"/>
-        <DigestValue>QyfDAyANuYXjDgD8LpYSg3Af9vg2ZfYVoYgHbY5l+Cc=</DigestValue>
-      </Reference>
-      <Reference URI="/ppt/slideLayouts/slideLayout13.xml?ContentType=application/vnd.openxmlformats-officedocument.presentationml.slideLayout+xml">
-        <DigestMethod Algorithm="http://www.w3.org/2001/04/xmlenc#sha256"/>
-        <DigestValue>+7Lt6bGI7aiD57P8z6987RPSkg+dQKVBX3EI96+LFX4=</DigestValue>
-      </Reference>
-      <Reference URI="/ppt/slideLayouts/slideLayout14.xml?ContentType=application/vnd.openxmlformats-officedocument.presentationml.slideLayout+xml">
-        <DigestMethod Algorithm="http://www.w3.org/2001/04/xmlenc#sha256"/>
-        <DigestValue>gou5ZTnuOOFtQPQPzUQOOV8UQKz3Mmgm4ZBMQjYxpr8=</DigestValue>
-      </Reference>
-      <Reference URI="/ppt/slideLayouts/slideLayout15.xml?ContentType=application/vnd.openxmlformats-officedocument.presentationml.slideLayout+xml">
-        <DigestMethod Algorithm="http://www.w3.org/2001/04/xmlenc#sha256"/>
-        <DigestValue>iNRkwoeY3D+U/SSgeFwcITejPj6SBRFWmXeu803yYoE=</DigestValue>
-      </Reference>
-      <Reference URI="/ppt/slideLayouts/slideLayout16.xml?ContentType=application/vnd.openxmlformats-officedocument.presentationml.slideLayout+xml">
-        <DigestMethod Algorithm="http://www.w3.org/2001/04/xmlenc#sha256"/>
-        <DigestValue>A2l833G/yCAmfRzhkqQIHskjF4KPHGcRijEUw5wuPMM=</DigestValue>
-      </Reference>
-      <Reference URI="/ppt/slideLayouts/slideLayout17.xml?ContentType=application/vnd.openxmlformats-officedocument.presentationml.slideLayout+xml">
-        <DigestMethod Algorithm="http://www.w3.org/2001/04/xmlenc#sha256"/>
-        <DigestValue>SmQtaRugoKOy/KGYcLgKK7vfXr0d/kkC6WPr6rve2DE=</DigestValue>
-      </Reference>
-      <Reference URI="/ppt/slideLayouts/slideLayout2.xml?ContentType=application/vnd.openxmlformats-officedocument.presentationml.slideLayout+xml">
-        <DigestMethod Algorithm="http://www.w3.org/2001/04/xmlenc#sha256"/>
-        <DigestValue>hKqKXw0pk9NBEQD99w9S246wigocVAlHEDbtjZhjvkY=</DigestValue>
-      </Reference>
-      <Reference URI="/ppt/slideLayouts/slideLayout3.xml?ContentType=application/vnd.openxmlformats-officedocument.presentationml.slideLayout+xml">
-        <DigestMethod Algorithm="http://www.w3.org/2001/04/xmlenc#sha256"/>
-        <DigestValue>dTjXLm9mQQ5JjTvBTFErPtav+p0NuuVhm5qz7m0IBq8=</DigestValue>
-      </Reference>
-      <Reference URI="/ppt/slideLayouts/slideLayout4.xml?ContentType=application/vnd.openxmlformats-officedocument.presentationml.slideLayout+xml">
-        <DigestMethod Algorithm="http://www.w3.org/2001/04/xmlenc#sha256"/>
-        <DigestValue>onyb+WrGg5e+oxY05O8AMULr/rKHa9zwUiJ2jL0ecoM=</DigestValue>
-      </Reference>
-      <Reference URI="/ppt/slideLayouts/slideLayout5.xml?ContentType=application/vnd.openxmlformats-officedocument.presentationml.slideLayout+xml">
-        <DigestMethod Algorithm="http://www.w3.org/2001/04/xmlenc#sha256"/>
-        <DigestValue>00RzvYZHXyFBpUvFJEelGuAjPLXzVgaIdmWojqFMYCM=</DigestValue>
-      </Reference>
-      <Reference URI="/ppt/slideLayouts/slideLayout6.xml?ContentType=application/vnd.openxmlformats-officedocument.presentationml.slideLayout+xml">
-        <DigestMethod Algorithm="http://www.w3.org/2001/04/xmlenc#sha256"/>
-        <DigestValue>ZTFPLu9eCAGV1Cy7oo4c8OixWbKy9b8AchB2hW4yFJA=</DigestValue>
-      </Reference>
-      <Reference URI="/ppt/slideLayouts/slideLayout7.xml?ContentType=application/vnd.openxmlformats-officedocument.presentationml.slideLayout+xml">
-        <DigestMethod Algorithm="http://www.w3.org/2001/04/xmlenc#sha256"/>
-        <DigestValue>k3GT0HIER2zI2jtQEnwjkCmNISxm7/RPCkdRtn0K2Qg=</DigestValue>
-      </Reference>
-      <Reference URI="/ppt/slideLayouts/slideLayout8.xml?ContentType=application/vnd.openxmlformats-officedocument.presentationml.slideLayout+xml">
-        <DigestMethod Algorithm="http://www.w3.org/2001/04/xmlenc#sha256"/>
-        <DigestValue>8YZxwrMjl10GZ46TcbTqn44V9w5jPqkpf4iQsXZ21dU=</DigestValue>
-      </Reference>
-      <Reference URI="/ppt/slideLayouts/slideLayout9.xml?ContentType=application/vnd.openxmlformats-officedocument.presentationml.slideLayout+xml">
-        <DigestMethod Algorithm="http://www.w3.org/2001/04/xmlenc#sha256"/>
-        <DigestValue>rWtcAHOGV6ikilO8yQECH//S27dMhb7xEj+zoOgXk/U=</DigestValue>
-      </Reference>
-      <Reference URI="/ppt/slideMasters/_rels/slideMaster1.xml.rels?ContentType=application/vnd.openxmlformats-package.relationships+xml">
-        <Transforms>
-          <Transform Algorithm="http://schemas.openxmlformats.org/package/2006/RelationshipTransform">
-            <mdssi:RelationshipReference xmlns:mdssi="http://schemas.openxmlformats.org/package/2006/digital-signature" SourceId="rId8"/>
-            <mdssi:RelationshipReference xmlns:mdssi="http://schemas.openxmlformats.org/package/2006/digital-signature" SourceId="rId13"/>
-            <mdssi:RelationshipReference xmlns:mdssi="http://schemas.openxmlformats.org/package/2006/digital-signature" SourceId="rId18"/>
-            <mdssi:RelationshipReference xmlns:mdssi="http://schemas.openxmlformats.org/package/2006/digital-signature" SourceId="rId3"/>
-            <mdssi:RelationshipReference xmlns:mdssi="http://schemas.openxmlformats.org/package/2006/digital-signature" SourceId="rId7"/>
-            <mdssi:RelationshipReference xmlns:mdssi="http://schemas.openxmlformats.org/package/2006/digital-signature" SourceId="rId12"/>
-            <mdssi:RelationshipReference xmlns:mdssi="http://schemas.openxmlformats.org/package/2006/digital-signature" SourceId="rId17"/>
-            <mdssi:RelationshipReference xmlns:mdssi="http://schemas.openxmlformats.org/package/2006/digital-signature" SourceId="rId2"/>
-            <mdssi:RelationshipReference xmlns:mdssi="http://schemas.openxmlformats.org/package/2006/digital-signature" SourceId="rId16"/>
-            <mdssi:RelationshipReference xmlns:mdssi="http://schemas.openxmlformats.org/package/2006/digital-signature" SourceId="rId1"/>
-            <mdssi:RelationshipReference xmlns:mdssi="http://schemas.openxmlformats.org/package/2006/digital-signature" SourceId="rId6"/>
-            <mdssi:RelationshipReference xmlns:mdssi="http://schemas.openxmlformats.org/package/2006/digital-signature" SourceId="rId11"/>
-            <mdssi:RelationshipReference xmlns:mdssi="http://schemas.openxmlformats.org/package/2006/digital-signature" SourceId="rId5"/>
-            <mdssi:RelationshipReference xmlns:mdssi="http://schemas.openxmlformats.org/package/2006/digital-signature" SourceId="rId15"/>
-            <mdssi:RelationshipReference xmlns:mdssi="http://schemas.openxmlformats.org/package/2006/digital-signature" SourceId="rId10"/>
-            <mdssi:RelationshipReference xmlns:mdssi="http://schemas.openxmlformats.org/package/2006/digital-signature" SourceId="rId19"/>
-            <mdssi:RelationshipReference xmlns:mdssi="http://schemas.openxmlformats.org/package/2006/digital-signature" SourceId="rId4"/>
-            <mdssi:RelationshipReference xmlns:mdssi="http://schemas.openxmlformats.org/package/2006/digital-signature" SourceId="rId9"/>
-            <mdssi:RelationshipReference xmlns:mdssi="http://schemas.openxmlformats.org/package/2006/digital-signature" SourceId="rId14"/>
-          </Transform>
-          <Transform Algorithm="http://www.w3.org/TR/2001/REC-xml-c14n-20010315"/>
-        </Transforms>
-        <DigestMethod Algorithm="http://www.w3.org/2001/04/xmlenc#sha256"/>
-        <DigestValue>7P7wLjbk+c/aiFdboUfFdU82xMdLx774jmLDGKosVjU=</DigestValue>
-      </Reference>
-      <Reference URI="/ppt/slideMasters/slideMaster1.xml?ContentType=application/vnd.openxmlformats-officedocument.presentationml.slideMaster+xml">
-        <DigestMethod Algorithm="http://www.w3.org/2001/04/xmlenc#sha256"/>
-        <DigestValue>3mHrRFG0jb83moSgksiwQBTmMH1l7Cv/hG+BUbaRFjY=</DigestValue>
-      </Reference>
-      <Reference URI="/ppt/slides/_rels/slide1.xml.rels?ContentType=application/vnd.openxmlformats-package.relationships+xml">
-        <Transforms>
-          <Transform Algorithm="http://schemas.openxmlformats.org/package/2006/RelationshipTransform">
-            <mdssi:RelationshipReference xmlns:mdssi="http://schemas.openxmlformats.org/package/2006/digital-signature" SourceId="rId1"/>
-          </Transform>
-          <Transform Algorithm="http://www.w3.org/TR/2001/REC-xml-c14n-20010315"/>
-        </Transforms>
-        <DigestMethod Algorithm="http://www.w3.org/2001/04/xmlenc#sha256"/>
-        <DigestValue>0fZQqInNx0SxBHpLZFfCGKT9Eduk9FwDK3E+n9mgCUE=</DigestValue>
-      </Reference>
-      <Reference URI="/ppt/slides/_rels/slide10.xml.rels?ContentType=application/vnd.openxmlformats-package.relationships+xml">
-        <Transforms>
-          <Transform Algorithm="http://schemas.openxmlformats.org/package/2006/RelationshipTransform">
-            <mdssi:RelationshipReference xmlns:mdssi="http://schemas.openxmlformats.org/package/2006/digital-signature" SourceId="rId2"/>
-            <mdssi:RelationshipReference xmlns:mdssi="http://schemas.openxmlformats.org/package/2006/digital-signature" SourceId="rId1"/>
-            <mdssi:RelationshipReference xmlns:mdssi="http://schemas.openxmlformats.org/package/2006/digital-signature" SourceId="rId3"/>
-          </Transform>
-          <Transform Algorithm="http://www.w3.org/TR/2001/REC-xml-c14n-20010315"/>
-        </Transforms>
-        <DigestMethod Algorithm="http://www.w3.org/2001/04/xmlenc#sha256"/>
-        <DigestValue>VQJgrPnN8sMaABQ8ap5FFLGeh90qOzvVLxLEmgUGHxk=</DigestValue>
-      </Reference>
-      <Reference URI="/ppt/slides/_rels/slide11.xml.rels?ContentType=application/vnd.openxmlformats-package.relationships+xml">
-        <Transforms>
-          <Transform Algorithm="http://schemas.openxmlformats.org/package/2006/RelationshipTransform">
-            <mdssi:RelationshipReference xmlns:mdssi="http://schemas.openxmlformats.org/package/2006/digital-signature" SourceId="rId1"/>
-            <mdssi:RelationshipReference xmlns:mdssi="http://schemas.openxmlformats.org/package/2006/digital-signature" SourceId="rId3"/>
-            <mdssi:RelationshipReference xmlns:mdssi="http://schemas.openxmlformats.org/package/2006/digital-signature" SourceId="rId2"/>
-          </Transform>
-          <Transform Algorithm="http://www.w3.org/TR/2001/REC-xml-c14n-20010315"/>
-        </Transforms>
-        <DigestMethod Algorithm="http://www.w3.org/2001/04/xmlenc#sha256"/>
-        <DigestValue>VQJgrPnN8sMaABQ8ap5FFLGeh90qOzvVLxLEmgUGHxk=</DigestValue>
-      </Reference>
-      <Reference URI="/ppt/slides/_rels/slide12.xml.rels?ContentType=application/vnd.openxmlformats-package.relationships+xml">
-        <Transforms>
-          <Transform Algorithm="http://schemas.openxmlformats.org/package/2006/RelationshipTransform">
-            <mdssi:RelationshipReference xmlns:mdssi="http://schemas.openxmlformats.org/package/2006/digital-signature" SourceId="rId2"/>
-            <mdssi:RelationshipReference xmlns:mdssi="http://schemas.openxmlformats.org/package/2006/digital-signature" SourceId="rId1"/>
-            <mdssi:RelationshipReference xmlns:mdssi="http://schemas.openxmlformats.org/package/2006/digital-signature" SourceId="rId3"/>
-          </Transform>
-          <Transform Algorithm="http://www.w3.org/TR/2001/REC-xml-c14n-20010315"/>
-        </Transforms>
-        <DigestMethod Algorithm="http://www.w3.org/2001/04/xmlenc#sha256"/>
-        <DigestValue>VQJgrPnN8sMaABQ8ap5FFLGeh90qOzvVLxLEmgUGHxk=</DigestValue>
-      </Reference>
-      <Reference URI="/ppt/slides/_rels/slide13.xml.rels?ContentType=application/vnd.openxmlformats-package.relationships+xml">
-        <Transforms>
-          <Transform Algorithm="http://schemas.openxmlformats.org/package/2006/RelationshipTransform">
-            <mdssi:RelationshipReference xmlns:mdssi="http://schemas.openxmlformats.org/package/2006/digital-signature" SourceId="rId3"/>
-            <mdssi:RelationshipReference xmlns:mdssi="http://schemas.openxmlformats.org/package/2006/digital-signature" SourceId="rId2"/>
-            <mdssi:RelationshipReference xmlns:mdssi="http://schemas.openxmlformats.org/package/2006/digital-signature" SourceId="rId1"/>
-          </Transform>
-          <Transform Algorithm="http://www.w3.org/TR/2001/REC-xml-c14n-20010315"/>
-        </Transforms>
-        <DigestMethod Algorithm="http://www.w3.org/2001/04/xmlenc#sha256"/>
-        <DigestValue>5XuEzSKELzsAK0KHNkbcCZOal76to20EnruZ/QjRCvw=</DigestValue>
-      </Reference>
-      <Reference URI="/ppt/slides/_rels/slide14.xml.rels?ContentType=application/vnd.openxmlformats-package.relationships+xml">
-        <Transforms>
-          <Transform Algorithm="http://schemas.openxmlformats.org/package/2006/RelationshipTransform">
-            <mdssi:RelationshipReference xmlns:mdssi="http://schemas.openxmlformats.org/package/2006/digital-signature" SourceId="rId3"/>
-            <mdssi:RelationshipReference xmlns:mdssi="http://schemas.openxmlformats.org/package/2006/digital-signature" SourceId="rId2"/>
-            <mdssi:RelationshipReference xmlns:mdssi="http://schemas.openxmlformats.org/package/2006/digital-signature" SourceId="rId1"/>
-          </Transform>
-          <Transform Algorithm="http://www.w3.org/TR/2001/REC-xml-c14n-20010315"/>
-        </Transforms>
-        <DigestMethod Algorithm="http://www.w3.org/2001/04/xmlenc#sha256"/>
-        <DigestValue>5XuEzSKELzsAK0KHNkbcCZOal76to20EnruZ/QjRCvw=</DigestValue>
-      </Reference>
-      <Reference URI="/ppt/slides/_rels/slide15.xml.rels?ContentType=application/vnd.openxmlformats-package.relationships+xml">
-        <Transforms>
-          <Transform Algorithm="http://schemas.openxmlformats.org/package/2006/RelationshipTransform">
-            <mdssi:RelationshipReference xmlns:mdssi="http://schemas.openxmlformats.org/package/2006/digital-signature" SourceId="rId2"/>
-            <mdssi:RelationshipReference xmlns:mdssi="http://schemas.openxmlformats.org/package/2006/digital-signature" SourceId="rId1"/>
-            <mdssi:RelationshipReference xmlns:mdssi="http://schemas.openxmlformats.org/package/2006/digital-signature" SourceId="rId3"/>
-          </Transform>
-          <Transform Algorithm="http://www.w3.org/TR/2001/REC-xml-c14n-20010315"/>
-        </Transforms>
-        <DigestMethod Algorithm="http://www.w3.org/2001/04/xmlenc#sha256"/>
-        <DigestValue>5XuEzSKELzsAK0KHNkbcCZOal76to20EnruZ/QjRCvw=</DigestValue>
-      </Reference>
-      <Reference URI="/ppt/slides/_rels/slide16.xml.rels?ContentType=application/vnd.openxmlformats-package.relationships+xml">
-        <Transforms>
-          <Transform Algorithm="http://schemas.openxmlformats.org/package/2006/RelationshipTransform">
-            <mdssi:RelationshipReference xmlns:mdssi="http://schemas.openxmlformats.org/package/2006/digital-signature" SourceId="rId1"/>
-            <mdssi:RelationshipReference xmlns:mdssi="http://schemas.openxmlformats.org/package/2006/digital-signature" SourceId="rId3"/>
-            <mdssi:RelationshipReference xmlns:mdssi="http://schemas.openxmlformats.org/package/2006/digital-signature" SourceId="rId2"/>
-          </Transform>
-          <Transform Algorithm="http://www.w3.org/TR/2001/REC-xml-c14n-20010315"/>
-        </Transforms>
-        <DigestMethod Algorithm="http://www.w3.org/2001/04/xmlenc#sha256"/>
-        <DigestValue>5XuEzSKELzsAK0KHNkbcCZOal76to20EnruZ/QjRCvw=</DigestValue>
-      </Reference>
-      <Reference URI="/ppt/slides/_rels/slide17.xml.rels?ContentType=application/vnd.openxmlformats-package.relationships+xml">
-        <Transforms>
-          <Transform Algorithm="http://schemas.openxmlformats.org/package/2006/RelationshipTransform">
-            <mdssi:RelationshipReference xmlns:mdssi="http://schemas.openxmlformats.org/package/2006/digital-signature" SourceId="rId3"/>
-            <mdssi:RelationshipReference xmlns:mdssi="http://schemas.openxmlformats.org/package/2006/digital-signature" SourceId="rId2"/>
-            <mdssi:RelationshipReference xmlns:mdssi="http://schemas.openxmlformats.org/package/2006/digital-signature" SourceId="rId1"/>
-          </Transform>
-          <Transform Algorithm="http://www.w3.org/TR/2001/REC-xml-c14n-20010315"/>
-        </Transforms>
-        <DigestMethod Algorithm="http://www.w3.org/2001/04/xmlenc#sha256"/>
-        <DigestValue>5XuEzSKELzsAK0KHNkbcCZOal76to20EnruZ/QjRCvw=</DigestValue>
-      </Reference>
-      <Reference URI="/ppt/slides/_rels/slide18.xml.rels?ContentType=application/vnd.openxmlformats-package.relationships+xml">
-        <Transforms>
-          <Transform Algorithm="http://schemas.openxmlformats.org/package/2006/RelationshipTransform">
-            <mdssi:RelationshipReference xmlns:mdssi="http://schemas.openxmlformats.org/package/2006/digital-signature" SourceId="rId3"/>
-            <mdssi:RelationshipReference xmlns:mdssi="http://schemas.openxmlformats.org/package/2006/digital-signature" SourceId="rId2"/>
-            <mdssi:RelationshipReference xmlns:mdssi="http://schemas.openxmlformats.org/package/2006/digital-signature" SourceId="rId1"/>
-            <mdssi:RelationshipReference xmlns:mdssi="http://schemas.openxmlformats.org/package/2006/digital-signature" SourceId="rId4"/>
-          </Transform>
-          <Transform Algorithm="http://www.w3.org/TR/2001/REC-xml-c14n-20010315"/>
-        </Transforms>
-        <DigestMethod Algorithm="http://www.w3.org/2001/04/xmlenc#sha256"/>
-        <DigestValue>7/habiBwt/ZrZb12qsolT9jUY6n70YLUvkVWvHJsE8A=</DigestValue>
-      </Reference>
-      <Reference URI="/ppt/slides/_rels/slide19.xml.rels?ContentType=application/vnd.openxmlformats-package.relationships+xml">
-        <Transforms>
-          <Transform Algorithm="http://schemas.openxmlformats.org/package/2006/RelationshipTransform">
-            <mdssi:RelationshipReference xmlns:mdssi="http://schemas.openxmlformats.org/package/2006/digital-signature" SourceId="rId2"/>
-            <mdssi:RelationshipReference xmlns:mdssi="http://schemas.openxmlformats.org/package/2006/digital-signature" SourceId="rId1"/>
-            <mdssi:RelationshipReference xmlns:mdssi="http://schemas.openxmlformats.org/package/2006/digital-signature" SourceId="rId4"/>
-            <mdssi:RelationshipReference xmlns:mdssi="http://schemas.openxmlformats.org/package/2006/digital-signature" SourceId="rId3"/>
-          </Transform>
-          <Transform Algorithm="http://www.w3.org/TR/2001/REC-xml-c14n-20010315"/>
-        </Transforms>
-        <DigestMethod Algorithm="http://www.w3.org/2001/04/xmlenc#sha256"/>
-        <DigestValue>YLctnxT6K+G5ryZoButW7h+hvUta/Bp1orDp6534Cew=</DigestValue>
-      </Reference>
-      <Reference URI="/ppt/slides/_rels/slide2.xml.rels?ContentType=application/vnd.openxmlformats-package.relationships+xml">
-        <Transforms>
-          <Transform Algorithm="http://schemas.openxmlformats.org/package/2006/RelationshipTransform">
-            <mdssi:RelationshipReference xmlns:mdssi="http://schemas.openxmlformats.org/package/2006/digital-signature" SourceId="rId1"/>
-          </Transform>
-          <Transform Algorithm="http://www.w3.org/TR/2001/REC-xml-c14n-20010315"/>
-        </Transforms>
-        <DigestMethod Algorithm="http://www.w3.org/2001/04/xmlenc#sha256"/>
-        <DigestValue>ttYwQ02ZCg6Yd7kitWtz3MAY7b8nmr2qHtfLoELeOdo=</DigestValue>
-      </Reference>
-      <Reference URI="/ppt/slides/_rels/slide20.xml.rels?ContentType=application/vnd.openxmlformats-package.relationships+xml">
-        <Transforms>
-          <Transform Algorithm="http://schemas.openxmlformats.org/package/2006/RelationshipTransform">
-            <mdssi:RelationshipReference xmlns:mdssi="http://schemas.openxmlformats.org/package/2006/digital-signature" SourceId="rId1"/>
-            <mdssi:RelationshipReference xmlns:mdssi="http://schemas.openxmlformats.org/package/2006/digital-signature" SourceId="rId4"/>
-            <mdssi:RelationshipReference xmlns:mdssi="http://schemas.openxmlformats.org/package/2006/digital-signature" SourceId="rId3"/>
-            <mdssi:RelationshipReference xmlns:mdssi="http://schemas.openxmlformats.org/package/2006/digital-signature" SourceId="rId2"/>
-          </Transform>
-          <Transform Algorithm="http://www.w3.org/TR/2001/REC-xml-c14n-20010315"/>
-        </Transforms>
-        <DigestMethod Algorithm="http://www.w3.org/2001/04/xmlenc#sha256"/>
-        <DigestValue>7OWvbym+b+jhE3kfr0szEtS59B1pbLf/X1qS92CySQ8=</DigestValue>
-      </Reference>
-      <Reference URI="/ppt/slides/_rels/slide21.xml.rels?ContentType=application/vnd.openxmlformats-package.relationships+xml">
-        <Transforms>
-          <Transform Algorithm="http://schemas.openxmlformats.org/package/2006/RelationshipTransform">
-            <mdssi:RelationshipReference xmlns:mdssi="http://schemas.openxmlformats.org/package/2006/digital-signature" SourceId="rId3"/>
-            <mdssi:RelationshipReference xmlns:mdssi="http://schemas.openxmlformats.org/package/2006/digital-signature" SourceId="rId2"/>
-            <mdssi:RelationshipReference xmlns:mdssi="http://schemas.openxmlformats.org/package/2006/digital-signature" SourceId="rId1"/>
-          </Transform>
-          <Transform Algorithm="http://www.w3.org/TR/2001/REC-xml-c14n-20010315"/>
-        </Transforms>
-        <DigestMethod Algorithm="http://www.w3.org/2001/04/xmlenc#sha256"/>
-        <DigestValue>5XuEzSKELzsAK0KHNkbcCZOal76to20EnruZ/QjRCvw=</DigestValue>
-      </Reference>
-      <Reference URI="/ppt/slides/_rels/slide22.xml.rels?ContentType=application/vnd.openxmlformats-package.relationships+xml">
-        <Transforms>
-          <Transform Algorithm="http://schemas.openxmlformats.org/package/2006/RelationshipTransform">
-            <mdssi:RelationshipReference xmlns:mdssi="http://schemas.openxmlformats.org/package/2006/digital-signature" SourceId="rId2"/>
-            <mdssi:RelationshipReference xmlns:mdssi="http://schemas.openxmlformats.org/package/2006/digital-signature" SourceId="rId1"/>
-          </Transform>
-          <Transform Algorithm="http://www.w3.org/TR/2001/REC-xml-c14n-20010315"/>
-        </Transforms>
-        <DigestMethod Algorithm="http://www.w3.org/2001/04/xmlenc#sha256"/>
-        <DigestValue>bzgYoNlc5ATOlMHxxH0m0HJfKtXyopJB4T13gsPNTGA=</DigestValue>
-      </Reference>
-      <Reference URI="/ppt/slides/_rels/slide23.xml.rels?ContentType=application/vnd.openxmlformats-package.relationships+xml">
-        <Transforms>
-          <Transform Algorithm="http://schemas.openxmlformats.org/package/2006/RelationshipTransform">
-            <mdssi:RelationshipReference xmlns:mdssi="http://schemas.openxmlformats.org/package/2006/digital-signature" SourceId="rId1"/>
-            <mdssi:RelationshipReference xmlns:mdssi="http://schemas.openxmlformats.org/package/2006/digital-signature" SourceId="rId2"/>
-          </Transform>
-          <Transform Algorithm="http://www.w3.org/TR/2001/REC-xml-c14n-20010315"/>
-        </Transforms>
-        <DigestMethod Algorithm="http://www.w3.org/2001/04/xmlenc#sha256"/>
-        <DigestValue>bzgYoNlc5ATOlMHxxH0m0HJfKtXyopJB4T13gsPNTGA=</DigestValue>
-      </Reference>
-      <Reference URI="/ppt/slides/_rels/slide24.xml.rels?ContentType=application/vnd.openxmlformats-package.relationships+xml">
-        <Transforms>
-          <Transform Algorithm="http://schemas.openxmlformats.org/package/2006/RelationshipTransform">
-            <mdssi:RelationshipReference xmlns:mdssi="http://schemas.openxmlformats.org/package/2006/digital-signature" SourceId="rId2"/>
-            <mdssi:RelationshipReference xmlns:mdssi="http://schemas.openxmlformats.org/package/2006/digital-signature" SourceId="rId1"/>
-          </Transform>
-          <Transform Algorithm="http://www.w3.org/TR/2001/REC-xml-c14n-20010315"/>
-        </Transforms>
-        <DigestMethod Algorithm="http://www.w3.org/2001/04/xmlenc#sha256"/>
-        <DigestValue>bzgYoNlc5ATOlMHxxH0m0HJfKtXyopJB4T13gsPNTGA=</DigestValue>
-      </Reference>
-      <Reference URI="/ppt/slides/_rels/slide25.xml.rels?ContentType=application/vnd.openxmlformats-package.relationships+xml">
-        <Transforms>
-          <Transform Algorithm="http://schemas.openxmlformats.org/package/2006/RelationshipTransform">
-            <mdssi:RelationshipReference xmlns:mdssi="http://schemas.openxmlformats.org/package/2006/digital-signature" SourceId="rId3"/>
-            <mdssi:RelationshipReference xmlns:mdssi="http://schemas.openxmlformats.org/package/2006/digital-signature" SourceId="rId2"/>
-            <mdssi:RelationshipReference xmlns:mdssi="http://schemas.openxmlformats.org/package/2006/digital-signature" SourceId="rId1"/>
-          </Transform>
-          <Transform Algorithm="http://www.w3.org/TR/2001/REC-xml-c14n-20010315"/>
-        </Transforms>
-        <DigestMethod Algorithm="http://www.w3.org/2001/04/xmlenc#sha256"/>
-        <DigestValue>D97QDjZd/BdAvjgMBilrAjbfH82BXq5VSpP7yrHsZ64=</DigestValue>
-      </Reference>
-      <Reference URI="/ppt/slides/_rels/slide26.xml.rels?ContentType=application/vnd.openxmlformats-package.relationships+xml">
-        <Transforms>
-          <Transform Algorithm="http://schemas.openxmlformats.org/package/2006/RelationshipTransform">
-            <mdssi:RelationshipReference xmlns:mdssi="http://schemas.openxmlformats.org/package/2006/digital-signature" SourceId="rId3"/>
-            <mdssi:RelationshipReference xmlns:mdssi="http://schemas.openxmlformats.org/package/2006/digital-signature" SourceId="rId2"/>
-            <mdssi:RelationshipReference xmlns:mdssi="http://schemas.openxmlformats.org/package/2006/digital-signature" SourceId="rId1"/>
-          </Transform>
-          <Transform Algorithm="http://www.w3.org/TR/2001/REC-xml-c14n-20010315"/>
-        </Transforms>
-        <DigestMethod Algorithm="http://www.w3.org/2001/04/xmlenc#sha256"/>
-        <DigestValue>G15T16chMpaELXyWjq2B/pmiP8Ydj+PQHjkoTq/U3C0=</DigestValue>
-      </Reference>
-      <Reference URI="/ppt/slides/_rels/slide27.xml.rels?ContentType=application/vnd.openxmlformats-package.relationships+xml">
-        <Transforms>
-          <Transform Algorithm="http://schemas.openxmlformats.org/package/2006/RelationshipTransform">
-            <mdssi:RelationshipReference xmlns:mdssi="http://schemas.openxmlformats.org/package/2006/digital-signature" SourceId="rId1"/>
-            <mdssi:RelationshipReference xmlns:mdssi="http://schemas.openxmlformats.org/package/2006/digital-signature" SourceId="rId3"/>
-            <mdssi:RelationshipReference xmlns:mdssi="http://schemas.openxmlformats.org/package/2006/digital-signature" SourceId="rId2"/>
-          </Transform>
-          <Transform Algorithm="http://www.w3.org/TR/2001/REC-xml-c14n-20010315"/>
-        </Transforms>
-        <DigestMethod Algorithm="http://www.w3.org/2001/04/xmlenc#sha256"/>
-        <DigestValue>dwa+NjIkdNd5gzzfY681YMCStDjX9zyu7Fyckeb3qBw=</DigestValue>
-      </Reference>
-      <Reference URI="/ppt/slides/_rels/slide28.xml.rels?ContentType=application/vnd.openxmlformats-package.relationships+xml">
-        <Transforms>
-          <Transform Algorithm="http://schemas.openxmlformats.org/package/2006/RelationshipTransform">
-            <mdssi:RelationshipReference xmlns:mdssi="http://schemas.openxmlformats.org/package/2006/digital-signature" SourceId="rId3"/>
-            <mdssi:RelationshipReference xmlns:mdssi="http://schemas.openxmlformats.org/package/2006/digital-signature" SourceId="rId2"/>
-            <mdssi:RelationshipReference xmlns:mdssi="http://schemas.openxmlformats.org/package/2006/digital-signature" SourceId="rId1"/>
-          </Transform>
-          <Transform Algorithm="http://www.w3.org/TR/2001/REC-xml-c14n-20010315"/>
-        </Transforms>
-        <DigestMethod Algorithm="http://www.w3.org/2001/04/xmlenc#sha256"/>
-        <DigestValue>WKwgFYpZZivCc3v3KDui1CIvHGc2wYsbXLB0EXR6Gso=</DigestValue>
-      </Reference>
-      <Reference URI="/ppt/slides/_rels/slide29.xml.rels?ContentType=application/vnd.openxmlformats-package.relationships+xml">
-        <Transforms>
-          <Transform Algorithm="http://schemas.openxmlformats.org/package/2006/RelationshipTransform">
-            <mdssi:RelationshipReference xmlns:mdssi="http://schemas.openxmlformats.org/package/2006/digital-signature" SourceId="rId3"/>
-            <mdssi:RelationshipReference xmlns:mdssi="http://schemas.openxmlformats.org/package/2006/digital-signature" SourceId="rId2"/>
-            <mdssi:RelationshipReference xmlns:mdssi="http://schemas.openxmlformats.org/package/2006/digital-signature" SourceId="rId1"/>
-            <mdssi:RelationshipReference xmlns:mdssi="http://schemas.openxmlformats.org/package/2006/digital-signature" SourceId="rId4"/>
-          </Transform>
-          <Transform Algorithm="http://www.w3.org/TR/2001/REC-xml-c14n-20010315"/>
-        </Transforms>
-        <DigestMethod Algorithm="http://www.w3.org/2001/04/xmlenc#sha256"/>
-        <DigestValue>H+Gt190YXE+Ic9GkfoOL9M8KRHoiRUO0/s3utSPIY3Y=</DigestValue>
-      </Reference>
-      <Reference URI="/ppt/slides/_rels/slide3.xml.rels?ContentType=application/vnd.openxmlformats-package.relationships+xml">
-        <Transforms>
-          <Transform Algorithm="http://schemas.openxmlformats.org/package/2006/RelationshipTransform">
-            <mdssi:RelationshipReference xmlns:mdssi="http://schemas.openxmlformats.org/package/2006/digital-signature" SourceId="rId1"/>
-          </Transform>
-          <Transform Algorithm="http://www.w3.org/TR/2001/REC-xml-c14n-20010315"/>
-        </Transforms>
-        <DigestMethod Algorithm="http://www.w3.org/2001/04/xmlenc#sha256"/>
-        <DigestValue>ttYwQ02ZCg6Yd7kitWtz3MAY7b8nmr2qHtfLoELeOdo=</DigestValue>
-      </Reference>
-      <Reference URI="/ppt/slides/_rels/slide30.xml.rels?ContentType=application/vnd.openxmlformats-package.relationships+xml">
-        <Transforms>
-          <Transform Algorithm="http://schemas.openxmlformats.org/package/2006/RelationshipTransform">
-            <mdssi:RelationshipReference xmlns:mdssi="http://schemas.openxmlformats.org/package/2006/digital-signature" SourceId="rId2"/>
-            <mdssi:RelationshipReference xmlns:mdssi="http://schemas.openxmlformats.org/package/2006/digital-signature" SourceId="rId1"/>
-            <mdssi:RelationshipReference xmlns:mdssi="http://schemas.openxmlformats.org/package/2006/digital-signature" SourceId="rId3"/>
-          </Transform>
-          <Transform Algorithm="http://www.w3.org/TR/2001/REC-xml-c14n-20010315"/>
-        </Transforms>
-        <DigestMethod Algorithm="http://www.w3.org/2001/04/xmlenc#sha256"/>
-        <DigestValue>PPQL5EhoAaCBLmlcn66WBj7qPaTPWEPESZ6hmIohON4=</DigestValue>
-      </Reference>
-      <Reference URI="/ppt/slides/_rels/slide31.xml.rels?ContentType=application/vnd.openxmlformats-package.relationships+xml">
-        <Transforms>
-          <Transform Algorithm="http://schemas.openxmlformats.org/package/2006/RelationshipTransform">
-            <mdssi:RelationshipReference xmlns:mdssi="http://schemas.openxmlformats.org/package/2006/digital-signature" SourceId="rId3"/>
-            <mdssi:RelationshipReference xmlns:mdssi="http://schemas.openxmlformats.org/package/2006/digital-signature" SourceId="rId2"/>
-            <mdssi:RelationshipReference xmlns:mdssi="http://schemas.openxmlformats.org/package/2006/digital-signature" SourceId="rId1"/>
-          </Transform>
-          <Transform Algorithm="http://www.w3.org/TR/2001/REC-xml-c14n-20010315"/>
-        </Transforms>
-        <DigestMethod Algorithm="http://www.w3.org/2001/04/xmlenc#sha256"/>
-        <DigestValue>mD1h1Vw1SxL9lzad7/wlJGNOIDgnPnsyWgh5Y54snq0=</DigestValue>
-      </Reference>
-      <Reference URI="/ppt/slides/_rels/slide32.xml.rels?ContentType=application/vnd.openxmlformats-package.relationships+xml">
-        <Transforms>
-          <Transform Algorithm="http://schemas.openxmlformats.org/package/2006/RelationshipTransform">
-            <mdssi:RelationshipReference xmlns:mdssi="http://schemas.openxmlformats.org/package/2006/digital-signature" SourceId="rId1"/>
-            <mdssi:RelationshipReference xmlns:mdssi="http://schemas.openxmlformats.org/package/2006/digital-signature" SourceId="rId3"/>
-            <mdssi:RelationshipReference xmlns:mdssi="http://schemas.openxmlformats.org/package/2006/digital-signature" SourceId="rId2"/>
-          </Transform>
-          <Transform Algorithm="http://www.w3.org/TR/2001/REC-xml-c14n-20010315"/>
-        </Transforms>
-        <DigestMethod Algorithm="http://www.w3.org/2001/04/xmlenc#sha256"/>
-        <DigestValue>BCYQhljyXuNyEtY6Qg9OjSWAN0OETc4muYL1gQIgFGU=</DigestValue>
-      </Reference>
-      <Reference URI="/ppt/slides/_rels/slide33.xml.rels?ContentType=application/vnd.openxmlformats-package.relationships+xml">
-        <Transforms>
-          <Transform Algorithm="http://schemas.openxmlformats.org/package/2006/RelationshipTransform">
-            <mdssi:RelationshipReference xmlns:mdssi="http://schemas.openxmlformats.org/package/2006/digital-signature" SourceId="rId2"/>
-            <mdssi:RelationshipReference xmlns:mdssi="http://schemas.openxmlformats.org/package/2006/digital-signature" SourceId="rId1"/>
-            <mdssi:RelationshipReference xmlns:mdssi="http://schemas.openxmlformats.org/package/2006/digital-signature" SourceId="rId3"/>
-          </Transform>
-          <Transform Algorithm="http://www.w3.org/TR/2001/REC-xml-c14n-20010315"/>
-        </Transforms>
-        <DigestMethod Algorithm="http://www.w3.org/2001/04/xmlenc#sha256"/>
-        <DigestValue>tGeYOkk7T6rc5eiSxWUgmzJv/+D+xAxsyPaTGqRDNjo=</DigestValue>
-      </Reference>
-      <Reference URI="/ppt/slides/_rels/slide34.xml.rels?ContentType=application/vnd.openxmlformats-package.relationships+xml">
-        <Transforms>
-          <Transform Algorithm="http://schemas.openxmlformats.org/package/2006/RelationshipTransform">
-            <mdssi:RelationshipReference xmlns:mdssi="http://schemas.openxmlformats.org/package/2006/digital-signature" SourceId="rId1"/>
-            <mdssi:RelationshipReference xmlns:mdssi="http://schemas.openxmlformats.org/package/2006/digital-signature" SourceId="rId3"/>
-            <mdssi:RelationshipReference xmlns:mdssi="http://schemas.openxmlformats.org/package/2006/digital-signature" SourceId="rId2"/>
-          </Transform>
-          <Transform Algorithm="http://www.w3.org/TR/2001/REC-xml-c14n-20010315"/>
-        </Transforms>
-        <DigestMethod Algorithm="http://www.w3.org/2001/04/xmlenc#sha256"/>
-        <DigestValue>BTWHYEhrvmA1QBcPSv4n3UcI5+A6ACxRd6R5D8E5rgM=</DigestValue>
-      </Reference>
-      <Reference URI="/ppt/slides/_rels/slide35.xml.rels?ContentType=application/vnd.openxmlformats-package.relationships+xml">
-        <Transforms>
-          <Transform Algorithm="http://schemas.openxmlformats.org/package/2006/RelationshipTransform">
-            <mdssi:RelationshipReference xmlns:mdssi="http://schemas.openxmlformats.org/package/2006/digital-signature" SourceId="rId3"/>
-            <mdssi:RelationshipReference xmlns:mdssi="http://schemas.openxmlformats.org/package/2006/digital-signature" SourceId="rId2"/>
-            <mdssi:RelationshipReference xmlns:mdssi="http://schemas.openxmlformats.org/package/2006/digital-signature" SourceId="rId1"/>
-          </Transform>
-          <Transform Algorithm="http://www.w3.org/TR/2001/REC-xml-c14n-20010315"/>
-        </Transforms>
-        <DigestMethod Algorithm="http://www.w3.org/2001/04/xmlenc#sha256"/>
-        <DigestValue>jnTHlHCYRIyvIYs4q0T2IxsxoAlbP8jiNQtL0Wb66jI=</DigestValue>
-      </Reference>
-      <Reference URI="/ppt/slides/_rels/slide36.xml.rels?ContentType=application/vnd.openxmlformats-package.relationships+xml">
-        <Transforms>
-          <Transform Algorithm="http://schemas.openxmlformats.org/package/2006/RelationshipTransform">
-            <mdssi:RelationshipReference xmlns:mdssi="http://schemas.openxmlformats.org/package/2006/digital-signature" SourceId="rId1"/>
-          </Transform>
-          <Transform Algorithm="http://www.w3.org/TR/2001/REC-xml-c14n-20010315"/>
-        </Transforms>
-        <DigestMethod Algorithm="http://www.w3.org/2001/04/xmlenc#sha256"/>
-        <DigestValue>ttYwQ02ZCg6Yd7kitWtz3MAY7b8nmr2qHtfLoELeOdo=</DigestValue>
-      </Reference>
-      <Reference URI="/ppt/slides/_rels/slide37.xml.rels?ContentType=application/vnd.openxmlformats-package.relationships+xml">
-        <Transforms>
-          <Transform Algorithm="http://schemas.openxmlformats.org/package/2006/RelationshipTransform">
-            <mdssi:RelationshipReference xmlns:mdssi="http://schemas.openxmlformats.org/package/2006/digital-signature" SourceId="rId1"/>
-          </Transform>
-          <Transform Algorithm="http://www.w3.org/TR/2001/REC-xml-c14n-20010315"/>
-        </Transforms>
-        <DigestMethod Algorithm="http://www.w3.org/2001/04/xmlenc#sha256"/>
-        <DigestValue>ttYwQ02ZCg6Yd7kitWtz3MAY7b8nmr2qHtfLoELeOdo=</DigestValue>
-      </Reference>
-      <Reference URI="/ppt/slides/_rels/slide4.xml.rels?ContentType=application/vnd.openxmlformats-package.relationships+xml">
-        <Transforms>
-          <Transform Algorithm="http://schemas.openxmlformats.org/package/2006/RelationshipTransform">
-            <mdssi:RelationshipReference xmlns:mdssi="http://schemas.openxmlformats.org/package/2006/digital-signature" SourceId="rId1"/>
-          </Transform>
-          <Transform Algorithm="http://www.w3.org/TR/2001/REC-xml-c14n-20010315"/>
-        </Transforms>
-        <DigestMethod Algorithm="http://www.w3.org/2001/04/xmlenc#sha256"/>
-        <DigestValue>ttYwQ02ZCg6Yd7kitWtz3MAY7b8nmr2qHtfLoELeOdo=</DigestValue>
-      </Reference>
-      <Reference URI="/ppt/slides/_rels/slide5.xml.rels?ContentType=application/vnd.openxmlformats-package.relationships+xml">
-        <Transforms>
-          <Transform Algorithm="http://schemas.openxmlformats.org/package/2006/RelationshipTransform">
-            <mdssi:RelationshipReference xmlns:mdssi="http://schemas.openxmlformats.org/package/2006/digital-signature" SourceId="rId1"/>
-          </Transform>
-          <Transform Algorithm="http://www.w3.org/TR/2001/REC-xml-c14n-20010315"/>
-        </Transforms>
-        <DigestMethod Algorithm="http://www.w3.org/2001/04/xmlenc#sha256"/>
-        <DigestValue>ttYwQ02ZCg6Yd7kitWtz3MAY7b8nmr2qHtfLoELeOdo=</DigestValue>
-      </Reference>
-      <Reference URI="/ppt/slides/_rels/slide6.xml.rels?ContentType=application/vnd.openxmlformats-package.relationships+xml">
-        <Transforms>
-          <Transform Algorithm="http://schemas.openxmlformats.org/package/2006/RelationshipTransform">
-            <mdssi:RelationshipReference xmlns:mdssi="http://schemas.openxmlformats.org/package/2006/digital-signature" SourceId="rId1"/>
-          </Transform>
-          <Transform Algorithm="http://www.w3.org/TR/2001/REC-xml-c14n-20010315"/>
-        </Transforms>
-        <DigestMethod Algorithm="http://www.w3.org/2001/04/xmlenc#sha256"/>
-        <DigestValue>ttYwQ02ZCg6Yd7kitWtz3MAY7b8nmr2qHtfLoELeOdo=</DigestValue>
-      </Reference>
-      <Reference URI="/ppt/slides/_rels/slide7.xml.rels?ContentType=application/vnd.openxmlformats-package.relationships+xml">
-        <Transforms>
-          <Transform Algorithm="http://schemas.openxmlformats.org/package/2006/RelationshipTransform">
-            <mdssi:RelationshipReference xmlns:mdssi="http://schemas.openxmlformats.org/package/2006/digital-signature" SourceId="rId1"/>
-          </Transform>
-          <Transform Algorithm="http://www.w3.org/TR/2001/REC-xml-c14n-20010315"/>
-        </Transforms>
-        <DigestMethod Algorithm="http://www.w3.org/2001/04/xmlenc#sha256"/>
-        <DigestValue>ttYwQ02ZCg6Yd7kitWtz3MAY7b8nmr2qHtfLoELeOdo=</DigestValue>
-      </Reference>
-      <Reference URI="/ppt/slides/_rels/slide8.xml.rels?ContentType=application/vnd.openxmlformats-package.relationships+xml">
-        <Transforms>
-          <Transform Algorithm="http://schemas.openxmlformats.org/package/2006/RelationshipTransform">
-            <mdssi:RelationshipReference xmlns:mdssi="http://schemas.openxmlformats.org/package/2006/digital-signature" SourceId="rId1"/>
-            <mdssi:RelationshipReference xmlns:mdssi="http://schemas.openxmlformats.org/package/2006/digital-signature" SourceId="rId3"/>
-            <mdssi:RelationshipReference xmlns:mdssi="http://schemas.openxmlformats.org/package/2006/digital-signature" SourceId="rId2"/>
-          </Transform>
-          <Transform Algorithm="http://www.w3.org/TR/2001/REC-xml-c14n-20010315"/>
-        </Transforms>
-        <DigestMethod Algorithm="http://www.w3.org/2001/04/xmlenc#sha256"/>
-        <DigestValue>VQJgrPnN8sMaABQ8ap5FFLGeh90qOzvVLxLEmgUGHxk=</DigestValue>
-      </Reference>
-      <Reference URI="/ppt/slides/_rels/slide9.xml.rels?ContentType=application/vnd.openxmlformats-package.relationships+xml">
-        <Transforms>
-          <Transform Algorithm="http://schemas.openxmlformats.org/package/2006/RelationshipTransform">
-            <mdssi:RelationshipReference xmlns:mdssi="http://schemas.openxmlformats.org/package/2006/digital-signature" SourceId="rId3"/>
-            <mdssi:RelationshipReference xmlns:mdssi="http://schemas.openxmlformats.org/package/2006/digital-signature" SourceId="rId2"/>
-            <mdssi:RelationshipReference xmlns:mdssi="http://schemas.openxmlformats.org/package/2006/digital-signature" SourceId="rId1"/>
-          </Transform>
-          <Transform Algorithm="http://www.w3.org/TR/2001/REC-xml-c14n-20010315"/>
-        </Transforms>
-        <DigestMethod Algorithm="http://www.w3.org/2001/04/xmlenc#sha256"/>
-        <DigestValue>VQJgrPnN8sMaABQ8ap5FFLGeh90qOzvVLxLEmgUGHxk=</DigestValue>
-      </Reference>
-      <Reference URI="/ppt/slides/slide1.xml?ContentType=application/vnd.openxmlformats-officedocument.presentationml.slide+xml">
-        <DigestMethod Algorithm="http://www.w3.org/2001/04/xmlenc#sha256"/>
-        <DigestValue>+mmoZFquxkSTLaj60U/EcvdiM/7O3zhFTzFg8R+xgT0=</DigestValue>
-      </Reference>
-      <Reference URI="/ppt/slides/slide10.xml?ContentType=application/vnd.openxmlformats-officedocument.presentationml.slide+xml">
-        <DigestMethod Algorithm="http://www.w3.org/2001/04/xmlenc#sha256"/>
-        <DigestValue>z88PFVptVXYHTiNZSnlphO1FvkSmI0aaK9Cb8VBc2fo=</DigestValue>
-      </Reference>
-      <Reference URI="/ppt/slides/slide11.xml?ContentType=application/vnd.openxmlformats-officedocument.presentationml.slide+xml">
-        <DigestMethod Algorithm="http://www.w3.org/2001/04/xmlenc#sha256"/>
-        <DigestValue>9W15fHWSoSBL8UEyb5CVnndAtV1yeciU6LCP8JbmG5c=</DigestValue>
-      </Reference>
-      <Reference URI="/ppt/slides/slide12.xml?ContentType=application/vnd.openxmlformats-officedocument.presentationml.slide+xml">
-        <DigestMethod Algorithm="http://www.w3.org/2001/04/xmlenc#sha256"/>
-        <DigestValue>Kz1FXckmnXq5qfqb+o2SfuEAf0LKL0hKES62ChRLZlw=</DigestValue>
-      </Reference>
-      <Reference URI="/ppt/slides/slide13.xml?ContentType=application/vnd.openxmlformats-officedocument.presentationml.slide+xml">
-        <DigestMethod Algorithm="http://www.w3.org/2001/04/xmlenc#sha256"/>
-        <DigestValue>z4x847wR8UFattLzA8tyyoJ2dMvwGpMIUSzGS/4xv/A=</DigestValue>
-      </Reference>
-      <Reference URI="/ppt/slides/slide14.xml?ContentType=application/vnd.openxmlformats-officedocument.presentationml.slide+xml">
-        <DigestMethod Algorithm="http://www.w3.org/2001/04/xmlenc#sha256"/>
-        <DigestValue>I24q7W9wMCYhTLEu00n5Cl9LKmrsCSAdbX6J37Kyz7w=</DigestValue>
-      </Reference>
-      <Reference URI="/ppt/slides/slide15.xml?ContentType=application/vnd.openxmlformats-officedocument.presentationml.slide+xml">
-        <DigestMethod Algorithm="http://www.w3.org/2001/04/xmlenc#sha256"/>
-        <DigestValue>tO8KPqsK+3Edwj7zFCgeVuNa0sQUgSR085eRA8oBb3Y=</DigestValue>
-      </Reference>
-      <Reference URI="/ppt/slides/slide16.xml?ContentType=application/vnd.openxmlformats-officedocument.presentationml.slide+xml">
-        <DigestMethod Algorithm="http://www.w3.org/2001/04/xmlenc#sha256"/>
-        <DigestValue>FZmv+L5McX3BSqJrJ0PgiMD3DRgDwHvNbv4WyUO/gDc=</DigestValue>
-      </Reference>
-      <Reference URI="/ppt/slides/slide17.xml?ContentType=application/vnd.openxmlformats-officedocument.presentationml.slide+xml">
-        <DigestMethod Algorithm="http://www.w3.org/2001/04/xmlenc#sha256"/>
-        <DigestValue>v/yEVlP0SSplfUpyeiNE1QEG5oR2LpmlG29sJGeuhKc=</DigestValue>
-      </Reference>
-      <Reference URI="/ppt/slides/slide18.xml?ContentType=application/vnd.openxmlformats-officedocument.presentationml.slide+xml">
-        <DigestMethod Algorithm="http://www.w3.org/2001/04/xmlenc#sha256"/>
-        <DigestValue>ynquIKhSxuXfC8xGDNZTC3HOL9If+mW7APgWBoxXcjY=</DigestValue>
-      </Reference>
-      <Reference URI="/ppt/slides/slide19.xml?ContentType=application/vnd.openxmlformats-officedocument.presentationml.slide+xml">
-        <DigestMethod Algorithm="http://www.w3.org/2001/04/xmlenc#sha256"/>
-        <DigestValue>frd10EDrVXOyGBQ/M41GrpshXXWfl2SVzfop6jq9L5g=</DigestValue>
-      </Reference>
-      <Reference URI="/ppt/slides/slide2.xml?ContentType=application/vnd.openxmlformats-officedocument.presentationml.slide+xml">
-        <DigestMethod Algorithm="http://www.w3.org/2001/04/xmlenc#sha256"/>
-        <DigestValue>MYT9XgrSfFon5DlUlQDB+wep/AzpZ47IEaa12Ydu224=</DigestValue>
-      </Reference>
-      <Reference URI="/ppt/slides/slide20.xml?ContentType=application/vnd.openxmlformats-officedocument.presentationml.slide+xml">
-        <DigestMethod Algorithm="http://www.w3.org/2001/04/xmlenc#sha256"/>
-        <DigestValue>13Uv3EvbSA9fpOFf7IIFKXl0+Ihqdulofyia26YHa7Y=</DigestValue>
-      </Reference>
-      <Reference URI="/ppt/slides/slide21.xml?ContentType=application/vnd.openxmlformats-officedocument.presentationml.slide+xml">
-        <DigestMethod Algorithm="http://www.w3.org/2001/04/xmlenc#sha256"/>
-        <DigestValue>vPdNHlFQ6Zx9lpcKLSp+3W8+S8yKnnJOiJkzvZIBErY=</DigestValue>
-      </Reference>
-      <Reference URI="/ppt/slides/slide22.xml?ContentType=application/vnd.openxmlformats-officedocument.presentationml.slide+xml">
-        <DigestMethod Algorithm="http://www.w3.org/2001/04/xmlenc#sha256"/>
-        <DigestValue>35lhFVnCvihV8Cf4XZfERmnMIyDKuh/KhwhgevmwJKI=</DigestValue>
-      </Reference>
-      <Reference URI="/ppt/slides/slide23.xml?ContentType=application/vnd.openxmlformats-officedocument.presentationml.slide+xml">
-        <DigestMethod Algorithm="http://www.w3.org/2001/04/xmlenc#sha256"/>
-        <DigestValue>d5L9gcBDz3qidiQwpFajfBhvJNA9gPVH5nYEEfwgYC4=</DigestValue>
-      </Reference>
-      <Reference URI="/ppt/slides/slide24.xml?ContentType=application/vnd.openxmlformats-officedocument.presentationml.slide+xml">
-        <DigestMethod Algorithm="http://www.w3.org/2001/04/xmlenc#sha256"/>
-        <DigestValue>AiDwAApUlzqaXMdNMU7agZcE9ia517HR5nvQBg9GkpA=</DigestValue>
-      </Reference>
-      <Reference URI="/ppt/slides/slide25.xml?ContentType=application/vnd.openxmlformats-officedocument.presentationml.slide+xml">
-        <DigestMethod Algorithm="http://www.w3.org/2001/04/xmlenc#sha256"/>
-        <DigestValue>74gpeTwjz6I5LxsqwSQn5oqTL1BU3roFK8RhNHrHPUc=</DigestValue>
-      </Reference>
-      <Reference URI="/ppt/slides/slide26.xml?ContentType=application/vnd.openxmlformats-officedocument.presentationml.slide+xml">
-        <DigestMethod Algorithm="http://www.w3.org/2001/04/xmlenc#sha256"/>
-        <DigestValue>EDuznQr7NS66RsLdfNRuKBB25JTZg5VH+OVuLFM7n8U=</DigestValue>
-      </Reference>
-      <Reference URI="/ppt/slides/slide27.xml?ContentType=application/vnd.openxmlformats-officedocument.presentationml.slide+xml">
-        <DigestMethod Algorithm="http://www.w3.org/2001/04/xmlenc#sha256"/>
-        <DigestValue>bualpFT0yacM2FFkiXxtLA+O99GakhShJEOcl6dZqVI=</DigestValue>
-      </Reference>
-      <Reference URI="/ppt/slides/slide28.xml?ContentType=application/vnd.openxmlformats-officedocument.presentationml.slide+xml">
-        <DigestMethod Algorithm="http://www.w3.org/2001/04/xmlenc#sha256"/>
-        <DigestValue>dgXt5GLKnsYI+m6sqBYwECW8geulB8kWwUBMq7hnoyc=</DigestValue>
-      </Reference>
-      <Reference URI="/ppt/slides/slide29.xml?ContentType=application/vnd.openxmlformats-officedocument.presentationml.slide+xml">
-        <DigestMethod Algorithm="http://www.w3.org/2001/04/xmlenc#sha256"/>
-        <DigestValue>+uRWFL4oBRb4jWKveHDi3svkaF5MYwDmAWIsfMQGAIA=</DigestValue>
-      </Reference>
-      <Reference URI="/ppt/slides/slide3.xml?ContentType=application/vnd.openxmlformats-officedocument.presentationml.slide+xml">
-        <DigestMethod Algorithm="http://www.w3.org/2001/04/xmlenc#sha256"/>
-        <DigestValue>8If8OoJ/vSS5nd9mrEoEXqt1rANIafsLoZTjvfscERE=</DigestValue>
-      </Reference>
-      <Reference URI="/ppt/slides/slide30.xml?ContentType=application/vnd.openxmlformats-officedocument.presentationml.slide+xml">
-        <DigestMethod Algorithm="http://www.w3.org/2001/04/xmlenc#sha256"/>
-        <DigestValue>q++zdl9x62JzJpyTIR4w5bvk99MxAWpYNtZnF8SZiAU=</DigestValue>
-      </Reference>
-      <Reference URI="/ppt/slides/slide31.xml?ContentType=application/vnd.openxmlformats-officedocument.presentationml.slide+xml">
-        <DigestMethod Algorithm="http://www.w3.org/2001/04/xmlenc#sha256"/>
-        <DigestValue>y+WLT8k5oZMEsLUfFKv0JspF7vWokrDTK9zgpyyGatg=</DigestValue>
-      </Reference>
-      <Reference URI="/ppt/slides/slide32.xml?ContentType=application/vnd.openxmlformats-officedocument.presentationml.slide+xml">
-        <DigestMethod Algorithm="http://www.w3.org/2001/04/xmlenc#sha256"/>
-        <DigestValue>ZCsGEtiFXO1gEUGv13yoqQ62Np1hA4bUiF+6+4QccSo=</DigestValue>
-      </Reference>
-      <Reference URI="/ppt/slides/slide33.xml?ContentType=application/vnd.openxmlformats-officedocument.presentationml.slide+xml">
-        <DigestMethod Algorithm="http://www.w3.org/2001/04/xmlenc#sha256"/>
-        <DigestValue>JYOd/Z9IL62tgmwvHn7vMiz0usbeDxBd2cnfVHfU/vw=</DigestValue>
-      </Reference>
-      <Reference URI="/ppt/slides/slide34.xml?ContentType=application/vnd.openxmlformats-officedocument.presentationml.slide+xml">
-        <DigestMethod Algorithm="http://www.w3.org/2001/04/xmlenc#sha256"/>
-        <DigestValue>ba8YTQ+4LMNHGmsYJZAwTK7lfVv9o6wYDwutt6wwO38=</DigestValue>
-      </Reference>
-      <Reference URI="/ppt/slides/slide35.xml?ContentType=application/vnd.openxmlformats-officedocument.presentationml.slide+xml">
-        <DigestMethod Algorithm="http://www.w3.org/2001/04/xmlenc#sha256"/>
-        <DigestValue>ykFyG7ydOgzs/ROxr6wrO+DvMhS/CsDgis3vvGfqT6w=</DigestValue>
-      </Reference>
-      <Reference URI="/ppt/slides/slide36.xml?ContentType=application/vnd.openxmlformats-officedocument.presentationml.slide+xml">
-        <DigestMethod Algorithm="http://www.w3.org/2001/04/xmlenc#sha256"/>
-        <DigestValue>0LE2SZtkBMqPdFcCYeQz37pOo0gxVWRGkTzcUbpQ4z0=</DigestValue>
-      </Reference>
-      <Reference URI="/ppt/slides/slide37.xml?ContentType=application/vnd.openxmlformats-officedocument.presentationml.slide+xml">
-        <DigestMethod Algorithm="http://www.w3.org/2001/04/xmlenc#sha256"/>
-        <DigestValue>naF0aGatDRptzdPIJAI5+f4scwLvi9oanld+AQiJ1TA=</DigestValue>
-      </Reference>
-      <Reference URI="/ppt/slides/slide4.xml?ContentType=application/vnd.openxmlformats-officedocument.presentationml.slide+xml">
-        <DigestMethod Algorithm="http://www.w3.org/2001/04/xmlenc#sha256"/>
-        <DigestValue>Ihs+4L0NG3mN76FIv1AzOihvWF5XTdF8zJekhm8cE6U=</DigestValue>
-      </Reference>
-      <Reference URI="/ppt/slides/slide5.xml?ContentType=application/vnd.openxmlformats-officedocument.presentationml.slide+xml">
-        <DigestMethod Algorithm="http://www.w3.org/2001/04/xmlenc#sha256"/>
-        <DigestValue>+KSBfluLj0LxbnPcHoHwOfipXV6NXph5YZErR1viWUE=</DigestValue>
-      </Reference>
-      <Reference URI="/ppt/slides/slide6.xml?ContentType=application/vnd.openxmlformats-officedocument.presentationml.slide+xml">
-        <DigestMethod Algorithm="http://www.w3.org/2001/04/xmlenc#sha256"/>
-        <DigestValue>O7vEjdj0swUVk/WdsApad8+SylBtctgo593oxVnQzik=</DigestValue>
-      </Reference>
-      <Reference URI="/ppt/slides/slide7.xml?ContentType=application/vnd.openxmlformats-officedocument.presentationml.slide+xml">
-        <DigestMethod Algorithm="http://www.w3.org/2001/04/xmlenc#sha256"/>
-        <DigestValue>/ohiLnSFW661WKcS7eO+XaybkMhSZc6Yod2vXbjdhX0=</DigestValue>
-      </Reference>
-      <Reference URI="/ppt/slides/slide8.xml?ContentType=application/vnd.openxmlformats-officedocument.presentationml.slide+xml">
-        <DigestMethod Algorithm="http://www.w3.org/2001/04/xmlenc#sha256"/>
-        <DigestValue>M1Usgm2Oog6Sz5q0zlC0Hlfnc86MxxnoOPoxWB5H9Bk=</DigestValue>
-      </Reference>
-      <Reference URI="/ppt/slides/slide9.xml?ContentType=application/vnd.openxmlformats-officedocument.presentationml.slide+xml">
-        <DigestMethod Algorithm="http://www.w3.org/2001/04/xmlenc#sha256"/>
-        <DigestValue>xfHj2YVpZF44/WjasmYyu83ZbByFj+72w6qgnqmgOsM=</DigestValue>
-      </Reference>
-      <Reference URI="/ppt/tableStyles.xml?ContentType=application/vnd.openxmlformats-officedocument.presentationml.tableStyles+xml">
-        <DigestMethod Algorithm="http://www.w3.org/2001/04/xmlenc#sha256"/>
-        <DigestValue>DnrAMlEzfsuvbIyhNhnbHK7aXJDE4yENRdbD9d9N4QM=</DigestValue>
-      </Reference>
-      <Reference URI="/ppt/theme/theme1.xml?ContentType=application/vnd.openxmlformats-officedocument.theme+xml">
-        <DigestMethod Algorithm="http://www.w3.org/2001/04/xmlenc#sha256"/>
-        <DigestValue>xOIz1RGSlK2nbhBati6G1BJ64O/BpElWXkDMjBu/ny4=</DigestValue>
-      </Reference>
-      <Reference URI="/ppt/theme/theme2.xml?ContentType=application/vnd.openxmlformats-officedocument.theme+xml">
-        <DigestMethod Algorithm="http://www.w3.org/2001/04/xmlenc#sha256"/>
-        <DigestValue>03Yn7Rpb2kD6M5zCEVxw214BnxsShza5KyZxgFMUNMY=</DigestValue>
-      </Reference>
-      <Reference URI="/ppt/viewProps.xml?ContentType=application/vnd.openxmlformats-officedocument.presentationml.viewProps+xml">
-        <DigestMethod Algorithm="http://www.w3.org/2001/04/xmlenc#sha256"/>
-        <DigestValue>AYzFceBql9NdwM9qcMUcAS+8+F65rYaKFBQ/bkRku2E=</DigestValue>
-      </Reference>
-    </Manifest>
-    <SignatureProperties>
-      <SignatureProperty Id="idSignatureTime" Target="#idPackageSignature">
-        <mdssi:SignatureTime xmlns:mdssi="http://schemas.openxmlformats.org/package/2006/digital-signature">
-          <mdssi:Format>YYYY-MM-DDThh:mm:ssTZD</mdssi:Format>
-          <mdssi:Value>2018-02-10T15:12:01Z</mdssi:Value>
-        </mdssi:SignatureTime>
-      </SignatureProperty>
-    </SignatureProperties>
-  </Object>
-  <Object Id="idOfficeObject">
-    <SignatureProperties>
-      <SignatureProperty Id="idOfficeV1Details" Target="#idPackageSignature">
-        <SignatureInfoV1 xmlns="http://schemas.microsoft.com/office/2006/digsig">
-          <SetupID/>
-          <SignatureText/>
-          <SignatureImage/>
-          <SignatureComments>Final</SignatureComments>
-          <WindowsVersion>10.0</WindowsVersion>
-          <OfficeVersion>16.0.9001/12</OfficeVersion>
-          <ApplicationVersion>16.0.9001</ApplicationVersion>
-          <Monitors>2</Monitors>
-          <HorizontalResolution>1920</HorizontalResolution>
-          <VerticalResolution>1080</VerticalResolution>
-          <ColorDepth>32</ColorDepth>
-          <SignatureProviderId>{00000000-0000-0000-0000-000000000000}</SignatureProviderId>
-          <SignatureProviderUrl/>
-          <SignatureProviderDetails>9</SignatureProviderDetails>
-          <SignatureType>1</SignatureType>
-        </SignatureInfoV1>
-      </SignatureProperty>
-    </SignatureProperties>
-  </Object>
-  <Object>
-    <xd:QualifyingProperties xmlns:xd="http://uri.etsi.org/01903/v1.3.2#" Target="#idPackageSignature">
-      <xd:SignedProperties Id="idSignedProperties">
-        <xd:SignedSignatureProperties>
-          <xd:SigningTime>2018-02-10T15:12:01Z</xd:SigningTime>
-          <xd:SigningCertificate>
-            <xd:Cert>
-              <xd:CertDigest>
-                <DigestMethod Algorithm="http://www.w3.org/2001/04/xmlenc#sha256"/>
-                <DigestValue>lvkE/ZxaIpjzB6EzD1x9HkvLiDn/qh2JTJO/uA7Nw1M=</DigestValue>
-              </xd:CertDigest>
-              <xd:IssuerSerial>
-                <X509IssuerName>CN=COMODO RSA Client Authentication and Secure Email CA, O=COMODO CA Limited, L=Salford, S=Greater Manchester, C=GB</X509IssuerName>
-                <X509SerialNumber>148348633197200135343689681955281599538</X509SerialNumber>
-              </xd:IssuerSerial>
-            </xd:Cert>
-          </xd:SigningCertificate>
-          <xd:SignaturePolicyIdentifier>
-            <xd:SignaturePolicyImplied/>
-          </xd:SignaturePolicyIdentifier>
-        </xd:SignedSignatureProperties>
-        <xd:SignedDataObjectProperties>
-          <xd:CommitmentTypeIndication>
-            <xd:CommitmentTypeId>
-              <xd:Identifier>http://uri.etsi.org/01903/v1.2.2#ProofOfOrigin</xd:Identifier>
-              <xd:Description>Created and approved this document</xd:Description>
-            </xd:CommitmentTypeId>
-            <xd:AllSignedDataObjects/>
-            <xd:CommitmentTypeQualifiers>
-              <xd:CommitmentTypeQualifier>Final</xd:CommitmentTypeQualifier>
-            </xd:CommitmentTypeQualifiers>
-          </xd:CommitmentTypeIndication>
-        </xd:SignedDataObjectProperties>
-      </xd:SignedProperties>
-      <xd:UnsignedProperties>
-        <xd:UnsignedSignatureProperties>
-          <xd:CertificateValues>
-            <xd:EncapsulatedX509Certificate>MIIF5jCCA86gAwIBAgIQapvhODv/K2ufAdXZuKdSVjANBgkqhkiG9w0BAQwFADCBhTELMAkGA1UEBhMCR0IxGzAZBgNVBAgTEkdyZWF0ZXIgTWFuY2hlc3RlcjEQMA4GA1UEBxMHU2FsZm9yZDEaMBgGA1UEChMRQ09NT0RPIENBIExpbWl0ZWQxKzApBgNVBAMTIkNPTU9ETyBSU0EgQ2VydGlmaWNhdGlvbiBBdXRob3JpdHkwHhcNMTMwMTEwMDAwMDAwWhcNMjgwMTA5MjM1OTU5WjCBlzELMAkGA1UEBhMCR0IxGzAZBgNVBAgTEkdyZWF0ZXIgTWFuY2hlc3RlcjEQMA4GA1UEBxMHU2FsZm9yZDEaMBgGA1UEChMRQ09NT0RPIENBIExpbWl0ZWQxPTA7BgNVBAMTNENPTU9ETyBSU0EgQ2xpZW50IEF1dGhlbnRpY2F0aW9uIGFuZCBTZWN1cmUgRW1haWwgQ0EwggEiMA0GCSqGSIb3DQEBAQUAA4IBDwAwggEKAoIBAQC+s55XrCh2dUAWxzgDmNPGGHYhUPMleQtMtaDRfTpYPpynMS6n9jR22YRq2tA9NEjk6vW7rN/5sYFLIP1of3l0NKZ6fLWfF2VgJ5cijKYy/qlAckY1wgOkUMgzKlWlVJGyK+UlNEQ1/5ErCsHq9x9aU/x1KwTdF/LCrT03Rl/FwFrf1XTCwa2QZYL55AqLPikFlgqOtzk06kb2qvGlnHJvijjI03BOrNpo+kZGpcHsgyO1/u1OZTaOo8wvEU17VVeP1cHWse9tGKTDyUGg2hJZjrqck39UIm/nKbpDSZ0JsMoIw/JtOOg0JC56VzQgBo7ictReTQE5LFLG3yQK+xS1AgMBAAGjggE8MIIBODAfBgNVHSMEGDAWgBS7r34CPfqm8TyEjq3uOJjs2TIy1DAdBgNVHQ4EFgQUgq9sjPjF/pZhfOgfPStxSF7Ei8AwDgYDVR0PAQH/BAQDAgGGMBIGA1UdEwEB/wQIMAYBAf8CAQAwEQYDVR0gBAowCDAGBgRVHSAAMEwGA1UdHwRFMEMwQaA/oD2GO2h0dHA6Ly9jcmwuY29tb2RvY2EuY29tL0NPTU9ET1JTQUNlcnRpZmljYXRpb25BdXRob3JpdHkuY3JsMHEGCCsGAQUFBwEBBGUwYzA7BggrBgEFBQcwAoYvaHR0cDovL2NydC5jb21vZG9jYS5jb20vQ09NT0RPUlNBQWRkVHJ1c3RDQS5jcnQwJAYIKwYBBQUHMAGGGGh0dHA6Ly9vY3NwLmNvbW9kb2NhLmNvbTANBgkqhkiG9w0BAQwFAAOCAgEAeFyygSg0TzzuX1bOn5dW7I+iaxf28/ZJCAbU2C81zd9A/tNx4+jsQgwRGiHjZrAYayZrrm78hOx7aEpkfNPQIHGG6Fvq3EzWf/Lvx7/hk6zSPwIal9v5IkDcZoFD7f3iT7PdkHJY9B51csvU50rxpEg1OyOT8fk2zvvPBuM4qQNqbGWlnhMpIMwpWZT89RY0wpJO+2V6eXEGGHsROs3njeP9DqqqAJaBa4wBeKOdGCWn1/Jp2oY6dyNmNppI4ZNMUH4Tam85S1j6E95u4+1Nuru84OrMIzqvISE2HN/56ebTOWlcrurffade2022O/tUU1gb4jfWCcyvB8czm12FgX/y/lRjmDbEA08QJNB2729Y+io1IYO3ztveBdvUCIYZojTq/OCR6MvnzS6X72HP0PRLRTiOSEmIDsS5N5w/8IW1Hva5hEFy6fDAfd9yI+O+IMMAj1KcL/Zo9jzJ16HO5m60ttl1Enk8MQkz/W3JlHaeI5iKFn4UJu1/cP2YHXYPiWf2JyBzsLBrGk1II+3yL8aorYew6CQvdVifC3HtwlSam9V1niiCfOBe2C12TdKGu05LWIA3ZkFcWJGaNXOZ6Ggyh/TqvXG5v7zmEVDNXFnHn9tFpMpOUvxhcsjycBtH0dZ0WrNw6gH+HF8TIhCnH3+zzWuDN0Rk6h9KVkfKehI=</xd:EncapsulatedX509Certificate>
-            <xd:EncapsulatedX509Certificate>MIIF2DCCA8CgAwIBAgIQTKr5yttjb+Af907YWwOGnTANBgkqhkiG9w0BAQwFADCBhTELMAkGA1UEBhMCR0IxGzAZBgNVBAgTEkdyZWF0ZXIgTWFuY2hlc3RlcjEQMA4GA1UEBxMHU2FsZm9yZDEaMBgGA1UEChMRQ09NT0RPIENBIExpbWl0ZWQxKzApBgNVBAMTIkNPTU9ETyBSU0EgQ2VydGlmaWNhdGlvbiBBdXRob3JpdHkwHhcNMTAwMTE5MDAwMDAwWhcNMzgwMTE4MjM1OTU5WjCBhTELMAkGA1UEBhMCR0IxGzAZBgNVBAgTEkdyZWF0ZXIgTWFuY2hlc3RlcjEQMA4GA1UEBxMHU2FsZm9yZDEaMBgGA1UEChMRQ09NT0RPIENBIExpbWl0ZWQxKzApBgNVBAMTIkNPTU9ETyBSU0EgQ2VydGlmaWNhdGlvbiBBdXRob3JpdHkwggIiMA0GCSqGSIb3DQEBAQUAA4ICDwAwggIKAoICAQCR6FSS0gpWsawNJN3Fz0RndJkrN6N9I3AAcbxT38T6KhKPS38QVr2fcHK3YX/JSw8Xpz3jsARh7v8Rl8f0hj4K+j5c+ZPmNHrZFGvnnLOFoIJ6dq9xkNfs/Q36nGz637CC9BR++b7Epi9Pf5l/tfxnQ3K9DADWietrLNPtj5gcFKt+5eNu/Nio5JIk2kNrYrhV/erBvGy2i/MOjZrkm2xpmfh4SDBF1a3hDTxFYPwyllEnvGfDyi62a+pGx8cgoLEfZd5ICLqkTqnyg0Y3hOvozIFIQ2dOciqbXL1MGyiKXCJ7tKuY2e7gUYPDCUZObT6Z+pUX2nwzV0E8jVHtC7ZcryxjGt9XyD+86V3Em69FmeKjWiS0uqlWPc9vqv9JWL7wqP/0uK3pN/u6uPQLOvnoQ0IeidiEyxPx2bvhiWC4jChWrBQdnArncevPDt09qZahSL0896+1DSJMwBGB7FY79tOi4lu3sgQiUpWAk2nojkxl8ZEDLXB0AuqLZxUpaVICu9ffUGpVRr+goyhhf3DQw6KqLCGqR84onAZFdr+CGCe01a60y1Dma/RMhnEw6abfFobg2P9A3fvQQoh/ozM6LlweQRGBY84YcWsr7KaKtzFcOmpH4MN5WdYgGq/yapiqcrxXStJLnbsQ/LBMQeXtHT1eKJ2czL+zUdqnR+WEUwIDAQABo0IwQDAdBgNVHQ4EFgQUu69+Aj36pvE8hI6t7jiY7NkyMtQwDgYDVR0PAQH/BAQDAgEGMA8GA1UdEwEB/wQFMAMBAf8wDQYJKoZIhvcNAQEMBQADggIBAArx1UaEt65Ru2yyTUEUAJNMnMvlwFTPoCWOAvn9sKIN9SCYPBMtrFaisNZ+EZLpLrqeLppysb0ZRGxhNaKatBYSaVqM4dc+pBroLwP0rmEdEBsqpIt6xf4FpuHA1sj+nq6PK7o9mfjYcwlYRm6mnPTXJ9OV2jeDchzTc+CiR5kDOF3VSXkAKRzH7JsgHAckaVd4sjn8OoSgtZx8jb8uk2IntznaFxiuvTwJaP+EmzzV1gsD41eeFPfR60/IvYcjt7ZJQ3mFXLrrkguhxuhoqEwWsRqZCuhTLJK7oQkYdQxlqHvLI7cawiiFwxv/0Cti76R7CZGYZ4wUAc1oBmpjIXUDgIiKboHGhfKppC3n9KUkEEeDys30jXlYsQab5xoq2Z0B15R97QNKyvDb6KkBPvVWmckejkk9u+UJueBPSZI9FoJAzMxZxuY67RIuaTxslbH9qh17f4a+Hg4yRvv7E491f0yLS0Zj/gA0QHDBw7mh3aZw4gSzQbzpgJHqZJx64SIDqZxubw5lT2yHh17zbqD5daWbQOhTsiedSrnAdyGN/4fy3ryM7xfft0kL0fJuMAsaDk527RH89elWsn2/x20Kk4yl0MC2Hb46TpSi125sC8KKfPog88Tk5c0NqMuRkrF8hey1FGlmDoLnzc7ILaZRfyHBNVOFBkpdn627G190</xd:EncapsulatedX509Certificate>
-          </xd:CertificateValues>
-        </xd:UnsignedSignatureProperties>
-      </xd:UnsignedProperties>
-    </xd:QualifyingProperties>
-  </Object>
-</Signature>
 </file>